--- a/esquematico.pptx
+++ b/esquematico.pptx
@@ -6,6 +6,7 @@
   </p:sldMasterIdLst>
   <p:sldIdLst>
     <p:sldId id="257" r:id="rId2"/>
+    <p:sldId id="258" r:id="rId3"/>
   </p:sldIdLst>
   <p:sldSz cx="12192000" cy="6858000"/>
   <p:notesSz cx="6858000" cy="9144000"/>
@@ -104,6 +105,11 @@
       </a:defRPr>
     </a:lvl9pPr>
   </p:defaultTextStyle>
+  <p:extLst>
+    <p:ext uri="{EFAFB233-063F-42B5-8137-9DF3F51BA10A}">
+      <p15:sldGuideLst xmlns:p15="http://schemas.microsoft.com/office/powerpoint/2012/main"/>
+    </p:ext>
+  </p:extLst>
 </p:presentation>
 </file>
 
@@ -256,7 +262,7 @@
           <a:p>
             <a:fld id="{3393BA86-A145-4A3C-9A63-4D46CDC35197}" type="datetimeFigureOut">
               <a:rPr lang="es-CL" smtClean="0"/>
-              <a:t>09-07-2019</a:t>
+              <a:t>11-07-2019</a:t>
             </a:fld>
             <a:endParaRPr lang="es-CL"/>
           </a:p>
@@ -456,7 +462,7 @@
           <a:p>
             <a:fld id="{3393BA86-A145-4A3C-9A63-4D46CDC35197}" type="datetimeFigureOut">
               <a:rPr lang="es-CL" smtClean="0"/>
-              <a:t>09-07-2019</a:t>
+              <a:t>11-07-2019</a:t>
             </a:fld>
             <a:endParaRPr lang="es-CL"/>
           </a:p>
@@ -666,7 +672,7 @@
           <a:p>
             <a:fld id="{3393BA86-A145-4A3C-9A63-4D46CDC35197}" type="datetimeFigureOut">
               <a:rPr lang="es-CL" smtClean="0"/>
-              <a:t>09-07-2019</a:t>
+              <a:t>11-07-2019</a:t>
             </a:fld>
             <a:endParaRPr lang="es-CL"/>
           </a:p>
@@ -866,7 +872,7 @@
           <a:p>
             <a:fld id="{3393BA86-A145-4A3C-9A63-4D46CDC35197}" type="datetimeFigureOut">
               <a:rPr lang="es-CL" smtClean="0"/>
-              <a:t>09-07-2019</a:t>
+              <a:t>11-07-2019</a:t>
             </a:fld>
             <a:endParaRPr lang="es-CL"/>
           </a:p>
@@ -1142,7 +1148,7 @@
           <a:p>
             <a:fld id="{3393BA86-A145-4A3C-9A63-4D46CDC35197}" type="datetimeFigureOut">
               <a:rPr lang="es-CL" smtClean="0"/>
-              <a:t>09-07-2019</a:t>
+              <a:t>11-07-2019</a:t>
             </a:fld>
             <a:endParaRPr lang="es-CL"/>
           </a:p>
@@ -1410,7 +1416,7 @@
           <a:p>
             <a:fld id="{3393BA86-A145-4A3C-9A63-4D46CDC35197}" type="datetimeFigureOut">
               <a:rPr lang="es-CL" smtClean="0"/>
-              <a:t>09-07-2019</a:t>
+              <a:t>11-07-2019</a:t>
             </a:fld>
             <a:endParaRPr lang="es-CL"/>
           </a:p>
@@ -1825,7 +1831,7 @@
           <a:p>
             <a:fld id="{3393BA86-A145-4A3C-9A63-4D46CDC35197}" type="datetimeFigureOut">
               <a:rPr lang="es-CL" smtClean="0"/>
-              <a:t>09-07-2019</a:t>
+              <a:t>11-07-2019</a:t>
             </a:fld>
             <a:endParaRPr lang="es-CL"/>
           </a:p>
@@ -1967,7 +1973,7 @@
           <a:p>
             <a:fld id="{3393BA86-A145-4A3C-9A63-4D46CDC35197}" type="datetimeFigureOut">
               <a:rPr lang="es-CL" smtClean="0"/>
-              <a:t>09-07-2019</a:t>
+              <a:t>11-07-2019</a:t>
             </a:fld>
             <a:endParaRPr lang="es-CL"/>
           </a:p>
@@ -2080,7 +2086,7 @@
           <a:p>
             <a:fld id="{3393BA86-A145-4A3C-9A63-4D46CDC35197}" type="datetimeFigureOut">
               <a:rPr lang="es-CL" smtClean="0"/>
-              <a:t>09-07-2019</a:t>
+              <a:t>11-07-2019</a:t>
             </a:fld>
             <a:endParaRPr lang="es-CL"/>
           </a:p>
@@ -2393,7 +2399,7 @@
           <a:p>
             <a:fld id="{3393BA86-A145-4A3C-9A63-4D46CDC35197}" type="datetimeFigureOut">
               <a:rPr lang="es-CL" smtClean="0"/>
-              <a:t>09-07-2019</a:t>
+              <a:t>11-07-2019</a:t>
             </a:fld>
             <a:endParaRPr lang="es-CL"/>
           </a:p>
@@ -2682,7 +2688,7 @@
           <a:p>
             <a:fld id="{3393BA86-A145-4A3C-9A63-4D46CDC35197}" type="datetimeFigureOut">
               <a:rPr lang="es-CL" smtClean="0"/>
-              <a:t>09-07-2019</a:t>
+              <a:t>11-07-2019</a:t>
             </a:fld>
             <a:endParaRPr lang="es-CL"/>
           </a:p>
@@ -2925,7 +2931,7 @@
           <a:p>
             <a:fld id="{3393BA86-A145-4A3C-9A63-4D46CDC35197}" type="datetimeFigureOut">
               <a:rPr lang="es-CL" smtClean="0"/>
-              <a:t>09-07-2019</a:t>
+              <a:t>11-07-2019</a:t>
             </a:fld>
             <a:endParaRPr lang="es-CL"/>
           </a:p>
@@ -4364,10 +4370,10 @@
       </p:cxnSp>
       <p:pic>
         <p:nvPicPr>
-          <p:cNvPr id="53" name="Imagen 52" descr="Imagen que contiene batería&#10;&#10;Descripción generada automáticamente">
-            <a:extLst>
-              <a:ext uri="{FF2B5EF4-FFF2-40B4-BE49-F238E27FC236}">
-                <a16:creationId xmlns:a16="http://schemas.microsoft.com/office/drawing/2014/main" id="{4D8F5D3B-7B4F-4026-A706-AB84A01AF7C6}"/>
+          <p:cNvPr id="55" name="Imagen 54" descr="Imagen que contiene electrónica&#10;&#10;Descripción generada automáticamente">
+            <a:extLst>
+              <a:ext uri="{FF2B5EF4-FFF2-40B4-BE49-F238E27FC236}">
+                <a16:creationId xmlns:a16="http://schemas.microsoft.com/office/drawing/2014/main" id="{67F3C197-52CE-46C7-89E4-EE7C6ACCACAA}"/>
               </a:ext>
             </a:extLst>
           </p:cNvPr>
@@ -4383,7 +4389,9 @@
                 <a14:imgProps xmlns:a14="http://schemas.microsoft.com/office/drawing/2010/main">
                   <a14:imgLayer r:embed="rId7">
                     <a14:imgEffect>
-                      <a14:backgroundRemoval t="10000" b="90000" l="10000" r="90000"/>
+                      <a14:backgroundRemoval t="10000" b="90000" l="10000" r="90000">
+                        <a14:foregroundMark x1="49574" y1="38394" x2="49574" y2="38394"/>
+                      </a14:backgroundRemoval>
                     </a14:imgEffect>
                   </a14:imgLayer>
                 </a14:imgProps>
@@ -4399,8 +4407,8 @@
         </p:blipFill>
         <p:spPr>
           <a:xfrm>
-            <a:off x="2413518" y="2920562"/>
-            <a:ext cx="2904203" cy="2733581"/>
+            <a:off x="7513078" y="3819711"/>
+            <a:ext cx="2643344" cy="3084652"/>
           </a:xfrm>
           <a:prstGeom prst="rect">
             <a:avLst/>
@@ -4409,10 +4417,698 @@
       </p:pic>
       <p:pic>
         <p:nvPicPr>
-          <p:cNvPr id="55" name="Imagen 54" descr="Imagen que contiene electrónica&#10;&#10;Descripción generada automáticamente">
-            <a:extLst>
-              <a:ext uri="{FF2B5EF4-FFF2-40B4-BE49-F238E27FC236}">
-                <a16:creationId xmlns:a16="http://schemas.microsoft.com/office/drawing/2014/main" id="{67F3C197-52CE-46C7-89E4-EE7C6ACCACAA}"/>
+          <p:cNvPr id="3" name="Imagen 2" descr="Imagen que contiene objeto, máquina de escribir&#10;&#10;Descripción generada automáticamente">
+            <a:extLst>
+              <a:ext uri="{FF2B5EF4-FFF2-40B4-BE49-F238E27FC236}">
+                <a16:creationId xmlns:a16="http://schemas.microsoft.com/office/drawing/2014/main" id="{73B8EB53-5E0A-4843-81C8-6C129A58E97C}"/>
+              </a:ext>
+            </a:extLst>
+          </p:cNvPr>
+          <p:cNvPicPr>
+            <a:picLocks noChangeAspect="1"/>
+          </p:cNvPicPr>
+          <p:nvPr/>
+        </p:nvPicPr>
+        <p:blipFill rotWithShape="1">
+          <a:blip r:embed="rId8">
+            <a:extLst>
+              <a:ext uri="{28A0092B-C50C-407E-A947-70E740481C1C}">
+                <a14:useLocalDpi xmlns:a14="http://schemas.microsoft.com/office/drawing/2010/main" val="0"/>
+              </a:ext>
+            </a:extLst>
+          </a:blip>
+          <a:srcRect l="15583" t="26473" r="8324" b="17525"/>
+          <a:stretch/>
+        </p:blipFill>
+        <p:spPr>
+          <a:xfrm rot="16200000">
+            <a:off x="6346416" y="3812548"/>
+            <a:ext cx="1800417" cy="744687"/>
+          </a:xfrm>
+          <a:prstGeom prst="rect">
+            <a:avLst/>
+          </a:prstGeom>
+        </p:spPr>
+      </p:pic>
+      <p:cxnSp>
+        <p:nvCxnSpPr>
+          <p:cNvPr id="14" name="Conector recto 13">
+            <a:extLst>
+              <a:ext uri="{FF2B5EF4-FFF2-40B4-BE49-F238E27FC236}">
+                <a16:creationId xmlns:a16="http://schemas.microsoft.com/office/drawing/2014/main" id="{73BE43C5-581F-4B0C-9F64-4D719EAC95FE}"/>
+              </a:ext>
+            </a:extLst>
+          </p:cNvPr>
+          <p:cNvCxnSpPr>
+            <a:cxnSpLocks/>
+          </p:cNvCxnSpPr>
+          <p:nvPr/>
+        </p:nvCxnSpPr>
+        <p:spPr>
+          <a:xfrm flipH="1" flipV="1">
+            <a:off x="6219430" y="3883495"/>
+            <a:ext cx="1201603" cy="58039"/>
+          </a:xfrm>
+          <a:prstGeom prst="line">
+            <a:avLst/>
+          </a:prstGeom>
+          <a:ln w="19050">
+            <a:solidFill>
+              <a:schemeClr val="tx1"/>
+            </a:solidFill>
+          </a:ln>
+        </p:spPr>
+        <p:style>
+          <a:lnRef idx="1">
+            <a:schemeClr val="accent1"/>
+          </a:lnRef>
+          <a:fillRef idx="0">
+            <a:schemeClr val="accent1"/>
+          </a:fillRef>
+          <a:effectRef idx="0">
+            <a:schemeClr val="accent1"/>
+          </a:effectRef>
+          <a:fontRef idx="minor">
+            <a:schemeClr val="tx1"/>
+          </a:fontRef>
+        </p:style>
+      </p:cxnSp>
+      <p:cxnSp>
+        <p:nvCxnSpPr>
+          <p:cNvPr id="35" name="Conector recto 34">
+            <a:extLst>
+              <a:ext uri="{FF2B5EF4-FFF2-40B4-BE49-F238E27FC236}">
+                <a16:creationId xmlns:a16="http://schemas.microsoft.com/office/drawing/2014/main" id="{355081CD-39E5-4838-88E2-B1AF9312F76F}"/>
+              </a:ext>
+            </a:extLst>
+          </p:cNvPr>
+          <p:cNvCxnSpPr>
+            <a:cxnSpLocks/>
+          </p:cNvCxnSpPr>
+          <p:nvPr/>
+        </p:nvCxnSpPr>
+        <p:spPr>
+          <a:xfrm flipH="1" flipV="1">
+            <a:off x="6219430" y="3758185"/>
+            <a:ext cx="1235472" cy="34168"/>
+          </a:xfrm>
+          <a:prstGeom prst="line">
+            <a:avLst/>
+          </a:prstGeom>
+          <a:ln w="19050">
+            <a:solidFill>
+              <a:schemeClr val="tx1"/>
+            </a:solidFill>
+          </a:ln>
+        </p:spPr>
+        <p:style>
+          <a:lnRef idx="1">
+            <a:schemeClr val="accent1"/>
+          </a:lnRef>
+          <a:fillRef idx="0">
+            <a:schemeClr val="accent1"/>
+          </a:fillRef>
+          <a:effectRef idx="0">
+            <a:schemeClr val="accent1"/>
+          </a:effectRef>
+          <a:fontRef idx="minor">
+            <a:schemeClr val="tx1"/>
+          </a:fontRef>
+        </p:style>
+      </p:cxnSp>
+      <p:cxnSp>
+        <p:nvCxnSpPr>
+          <p:cNvPr id="49" name="Conector recto 48">
+            <a:extLst>
+              <a:ext uri="{FF2B5EF4-FFF2-40B4-BE49-F238E27FC236}">
+                <a16:creationId xmlns:a16="http://schemas.microsoft.com/office/drawing/2014/main" id="{E0A740DD-D2F6-481D-90F0-F3D906DFA271}"/>
+              </a:ext>
+            </a:extLst>
+          </p:cNvPr>
+          <p:cNvCxnSpPr>
+            <a:cxnSpLocks/>
+          </p:cNvCxnSpPr>
+          <p:nvPr/>
+        </p:nvCxnSpPr>
+        <p:spPr>
+          <a:xfrm flipH="1" flipV="1">
+            <a:off x="4717960" y="4055275"/>
+            <a:ext cx="1511070" cy="21573"/>
+          </a:xfrm>
+          <a:prstGeom prst="line">
+            <a:avLst/>
+          </a:prstGeom>
+          <a:ln w="19050">
+            <a:solidFill>
+              <a:schemeClr val="tx1"/>
+            </a:solidFill>
+          </a:ln>
+        </p:spPr>
+        <p:style>
+          <a:lnRef idx="1">
+            <a:schemeClr val="accent1"/>
+          </a:lnRef>
+          <a:fillRef idx="0">
+            <a:schemeClr val="accent1"/>
+          </a:fillRef>
+          <a:effectRef idx="0">
+            <a:schemeClr val="accent1"/>
+          </a:effectRef>
+          <a:fontRef idx="minor">
+            <a:schemeClr val="tx1"/>
+          </a:fontRef>
+        </p:style>
+      </p:cxnSp>
+      <p:cxnSp>
+        <p:nvCxnSpPr>
+          <p:cNvPr id="50" name="Conector recto 49">
+            <a:extLst>
+              <a:ext uri="{FF2B5EF4-FFF2-40B4-BE49-F238E27FC236}">
+                <a16:creationId xmlns:a16="http://schemas.microsoft.com/office/drawing/2014/main" id="{96E35C33-83E8-4D8E-B5D4-DD789193CA2D}"/>
+              </a:ext>
+            </a:extLst>
+          </p:cNvPr>
+          <p:cNvCxnSpPr>
+            <a:cxnSpLocks/>
+          </p:cNvCxnSpPr>
+          <p:nvPr/>
+        </p:nvCxnSpPr>
+        <p:spPr>
+          <a:xfrm flipH="1" flipV="1">
+            <a:off x="4725765" y="3805842"/>
+            <a:ext cx="1511070" cy="21573"/>
+          </a:xfrm>
+          <a:prstGeom prst="line">
+            <a:avLst/>
+          </a:prstGeom>
+          <a:ln w="19050">
+            <a:solidFill>
+              <a:schemeClr val="tx1"/>
+            </a:solidFill>
+          </a:ln>
+        </p:spPr>
+        <p:style>
+          <a:lnRef idx="1">
+            <a:schemeClr val="accent1"/>
+          </a:lnRef>
+          <a:fillRef idx="0">
+            <a:schemeClr val="accent1"/>
+          </a:fillRef>
+          <a:effectRef idx="0">
+            <a:schemeClr val="accent1"/>
+          </a:effectRef>
+          <a:fontRef idx="minor">
+            <a:schemeClr val="tx1"/>
+          </a:fontRef>
+        </p:style>
+      </p:cxnSp>
+      <p:cxnSp>
+        <p:nvCxnSpPr>
+          <p:cNvPr id="51" name="Conector recto 50">
+            <a:extLst>
+              <a:ext uri="{FF2B5EF4-FFF2-40B4-BE49-F238E27FC236}">
+                <a16:creationId xmlns:a16="http://schemas.microsoft.com/office/drawing/2014/main" id="{3291AC34-8A95-47E3-AA53-FF3C41486EF7}"/>
+              </a:ext>
+            </a:extLst>
+          </p:cNvPr>
+          <p:cNvCxnSpPr>
+            <a:cxnSpLocks/>
+          </p:cNvCxnSpPr>
+          <p:nvPr/>
+        </p:nvCxnSpPr>
+        <p:spPr>
+          <a:xfrm flipH="1">
+            <a:off x="4725765" y="3560596"/>
+            <a:ext cx="1503265" cy="35520"/>
+          </a:xfrm>
+          <a:prstGeom prst="line">
+            <a:avLst/>
+          </a:prstGeom>
+          <a:ln w="19050">
+            <a:solidFill>
+              <a:schemeClr val="tx1"/>
+            </a:solidFill>
+          </a:ln>
+        </p:spPr>
+        <p:style>
+          <a:lnRef idx="1">
+            <a:schemeClr val="accent1"/>
+          </a:lnRef>
+          <a:fillRef idx="0">
+            <a:schemeClr val="accent1"/>
+          </a:fillRef>
+          <a:effectRef idx="0">
+            <a:schemeClr val="accent1"/>
+          </a:effectRef>
+          <a:fontRef idx="minor">
+            <a:schemeClr val="tx1"/>
+          </a:fontRef>
+        </p:style>
+      </p:cxnSp>
+      <p:cxnSp>
+        <p:nvCxnSpPr>
+          <p:cNvPr id="54" name="Conector recto 53">
+            <a:extLst>
+              <a:ext uri="{FF2B5EF4-FFF2-40B4-BE49-F238E27FC236}">
+                <a16:creationId xmlns:a16="http://schemas.microsoft.com/office/drawing/2014/main" id="{EB9D97DB-17D4-436F-AF04-39DADE9A0E01}"/>
+              </a:ext>
+            </a:extLst>
+          </p:cNvPr>
+          <p:cNvCxnSpPr>
+            <a:cxnSpLocks/>
+          </p:cNvCxnSpPr>
+          <p:nvPr/>
+        </p:nvCxnSpPr>
+        <p:spPr>
+          <a:xfrm flipH="1">
+            <a:off x="4703573" y="4243475"/>
+            <a:ext cx="2717460" cy="413144"/>
+          </a:xfrm>
+          <a:prstGeom prst="line">
+            <a:avLst/>
+          </a:prstGeom>
+          <a:ln w="19050">
+            <a:solidFill>
+              <a:schemeClr val="tx1"/>
+            </a:solidFill>
+          </a:ln>
+        </p:spPr>
+        <p:style>
+          <a:lnRef idx="1">
+            <a:schemeClr val="accent1"/>
+          </a:lnRef>
+          <a:fillRef idx="0">
+            <a:schemeClr val="accent1"/>
+          </a:fillRef>
+          <a:effectRef idx="0">
+            <a:schemeClr val="accent1"/>
+          </a:effectRef>
+          <a:fontRef idx="minor">
+            <a:schemeClr val="tx1"/>
+          </a:fontRef>
+        </p:style>
+      </p:cxnSp>
+      <p:cxnSp>
+        <p:nvCxnSpPr>
+          <p:cNvPr id="56" name="Conector recto 55">
+            <a:extLst>
+              <a:ext uri="{FF2B5EF4-FFF2-40B4-BE49-F238E27FC236}">
+                <a16:creationId xmlns:a16="http://schemas.microsoft.com/office/drawing/2014/main" id="{7F274E89-92BA-43EF-9C91-E00FB51DF8ED}"/>
+              </a:ext>
+            </a:extLst>
+          </p:cNvPr>
+          <p:cNvCxnSpPr>
+            <a:cxnSpLocks/>
+          </p:cNvCxnSpPr>
+          <p:nvPr/>
+        </p:nvCxnSpPr>
+        <p:spPr>
+          <a:xfrm flipH="1">
+            <a:off x="4678923" y="4730120"/>
+            <a:ext cx="2742110" cy="32014"/>
+          </a:xfrm>
+          <a:prstGeom prst="line">
+            <a:avLst/>
+          </a:prstGeom>
+          <a:ln w="19050">
+            <a:solidFill>
+              <a:srgbClr val="FF0000"/>
+            </a:solidFill>
+          </a:ln>
+        </p:spPr>
+        <p:style>
+          <a:lnRef idx="1">
+            <a:schemeClr val="accent1"/>
+          </a:lnRef>
+          <a:fillRef idx="0">
+            <a:schemeClr val="accent1"/>
+          </a:fillRef>
+          <a:effectRef idx="0">
+            <a:schemeClr val="accent1"/>
+          </a:effectRef>
+          <a:fontRef idx="minor">
+            <a:schemeClr val="tx1"/>
+          </a:fontRef>
+        </p:style>
+      </p:cxnSp>
+      <p:sp>
+        <p:nvSpPr>
+          <p:cNvPr id="63" name="CuadroTexto 62">
+            <a:extLst>
+              <a:ext uri="{FF2B5EF4-FFF2-40B4-BE49-F238E27FC236}">
+                <a16:creationId xmlns:a16="http://schemas.microsoft.com/office/drawing/2014/main" id="{128DA357-A946-4FD9-BE87-855102C6CB70}"/>
+              </a:ext>
+            </a:extLst>
+          </p:cNvPr>
+          <p:cNvSpPr txBox="1"/>
+          <p:nvPr/>
+        </p:nvSpPr>
+        <p:spPr>
+          <a:xfrm>
+            <a:off x="7846466" y="3387379"/>
+            <a:ext cx="431801" cy="276999"/>
+          </a:xfrm>
+          <a:prstGeom prst="rect">
+            <a:avLst/>
+          </a:prstGeom>
+          <a:noFill/>
+          <a:ln w="19050">
+            <a:solidFill>
+              <a:srgbClr val="00B0F0"/>
+            </a:solidFill>
+          </a:ln>
+        </p:spPr>
+        <p:txBody>
+          <a:bodyPr wrap="square" rtlCol="0">
+            <a:spAutoFit/>
+          </a:bodyPr>
+          <a:lstStyle/>
+          <a:p>
+            <a:r>
+              <a:rPr lang="es-CL" sz="1200" dirty="0"/>
+              <a:t>Red</a:t>
+            </a:r>
+          </a:p>
+        </p:txBody>
+      </p:sp>
+      <p:cxnSp>
+        <p:nvCxnSpPr>
+          <p:cNvPr id="66" name="Conector recto 65">
+            <a:extLst>
+              <a:ext uri="{FF2B5EF4-FFF2-40B4-BE49-F238E27FC236}">
+                <a16:creationId xmlns:a16="http://schemas.microsoft.com/office/drawing/2014/main" id="{7B2C25A9-A2EC-4D28-93ED-0B19398301B0}"/>
+              </a:ext>
+            </a:extLst>
+          </p:cNvPr>
+          <p:cNvCxnSpPr>
+            <a:cxnSpLocks/>
+            <a:stCxn id="69" idx="3"/>
+            <a:endCxn id="63" idx="1"/>
+          </p:cNvCxnSpPr>
+          <p:nvPr/>
+        </p:nvCxnSpPr>
+        <p:spPr>
+          <a:xfrm flipV="1">
+            <a:off x="7595667" y="3525879"/>
+            <a:ext cx="250799" cy="1"/>
+          </a:xfrm>
+          <a:prstGeom prst="line">
+            <a:avLst/>
+          </a:prstGeom>
+          <a:ln w="19050">
+            <a:solidFill>
+              <a:srgbClr val="00B0F0"/>
+            </a:solidFill>
+          </a:ln>
+        </p:spPr>
+        <p:style>
+          <a:lnRef idx="1">
+            <a:schemeClr val="accent1"/>
+          </a:lnRef>
+          <a:fillRef idx="0">
+            <a:schemeClr val="accent1"/>
+          </a:fillRef>
+          <a:effectRef idx="0">
+            <a:schemeClr val="accent1"/>
+          </a:effectRef>
+          <a:fontRef idx="minor">
+            <a:schemeClr val="tx1"/>
+          </a:fontRef>
+        </p:style>
+      </p:cxnSp>
+      <p:sp>
+        <p:nvSpPr>
+          <p:cNvPr id="69" name="Rectángulo 68">
+            <a:extLst>
+              <a:ext uri="{FF2B5EF4-FFF2-40B4-BE49-F238E27FC236}">
+                <a16:creationId xmlns:a16="http://schemas.microsoft.com/office/drawing/2014/main" id="{CCFFC150-14F8-4360-8846-54C5A49A3BB0}"/>
+              </a:ext>
+            </a:extLst>
+          </p:cNvPr>
+          <p:cNvSpPr/>
+          <p:nvPr/>
+        </p:nvSpPr>
+        <p:spPr>
+          <a:xfrm>
+            <a:off x="7234767" y="3307063"/>
+            <a:ext cx="360900" cy="437633"/>
+          </a:xfrm>
+          <a:prstGeom prst="rect">
+            <a:avLst/>
+          </a:prstGeom>
+          <a:noFill/>
+          <a:ln w="19050">
+            <a:solidFill>
+              <a:srgbClr val="00B0F0"/>
+            </a:solidFill>
+          </a:ln>
+        </p:spPr>
+        <p:style>
+          <a:lnRef idx="2">
+            <a:schemeClr val="accent1">
+              <a:shade val="50000"/>
+            </a:schemeClr>
+          </a:lnRef>
+          <a:fillRef idx="1">
+            <a:schemeClr val="accent1"/>
+          </a:fillRef>
+          <a:effectRef idx="0">
+            <a:schemeClr val="accent1"/>
+          </a:effectRef>
+          <a:fontRef idx="minor">
+            <a:schemeClr val="lt1"/>
+          </a:fontRef>
+        </p:style>
+        <p:txBody>
+          <a:bodyPr rtlCol="0" anchor="ctr"/>
+          <a:lstStyle/>
+          <a:p>
+            <a:pPr algn="ctr"/>
+            <a:endParaRPr lang="es-CL"/>
+          </a:p>
+        </p:txBody>
+      </p:sp>
+      <p:cxnSp>
+        <p:nvCxnSpPr>
+          <p:cNvPr id="73" name="Conector recto 72">
+            <a:extLst>
+              <a:ext uri="{FF2B5EF4-FFF2-40B4-BE49-F238E27FC236}">
+                <a16:creationId xmlns:a16="http://schemas.microsoft.com/office/drawing/2014/main" id="{0AADDBE6-6D96-472A-BD2B-179CCAF789E5}"/>
+              </a:ext>
+            </a:extLst>
+          </p:cNvPr>
+          <p:cNvCxnSpPr>
+            <a:cxnSpLocks/>
+          </p:cNvCxnSpPr>
+          <p:nvPr/>
+        </p:nvCxnSpPr>
+        <p:spPr>
+          <a:xfrm flipH="1">
+            <a:off x="4762501" y="3427253"/>
+            <a:ext cx="688579" cy="272099"/>
+          </a:xfrm>
+          <a:prstGeom prst="line">
+            <a:avLst/>
+          </a:prstGeom>
+          <a:ln w="19050">
+            <a:solidFill>
+              <a:srgbClr val="0070C0"/>
+            </a:solidFill>
+          </a:ln>
+        </p:spPr>
+        <p:style>
+          <a:lnRef idx="1">
+            <a:schemeClr val="accent1"/>
+          </a:lnRef>
+          <a:fillRef idx="0">
+            <a:schemeClr val="accent1"/>
+          </a:fillRef>
+          <a:effectRef idx="0">
+            <a:schemeClr val="accent1"/>
+          </a:effectRef>
+          <a:fontRef idx="minor">
+            <a:schemeClr val="tx1"/>
+          </a:fontRef>
+        </p:style>
+      </p:cxnSp>
+      <p:cxnSp>
+        <p:nvCxnSpPr>
+          <p:cNvPr id="75" name="Conector recto 74">
+            <a:extLst>
+              <a:ext uri="{FF2B5EF4-FFF2-40B4-BE49-F238E27FC236}">
+                <a16:creationId xmlns:a16="http://schemas.microsoft.com/office/drawing/2014/main" id="{4C325556-0120-4760-AB82-1379E297F19E}"/>
+              </a:ext>
+            </a:extLst>
+          </p:cNvPr>
+          <p:cNvCxnSpPr>
+            <a:cxnSpLocks/>
+          </p:cNvCxnSpPr>
+          <p:nvPr/>
+        </p:nvCxnSpPr>
+        <p:spPr>
+          <a:xfrm flipH="1">
+            <a:off x="4740530" y="3952039"/>
+            <a:ext cx="320660" cy="2830"/>
+          </a:xfrm>
+          <a:prstGeom prst="line">
+            <a:avLst/>
+          </a:prstGeom>
+          <a:ln w="19050">
+            <a:solidFill>
+              <a:srgbClr val="FF0000"/>
+            </a:solidFill>
+          </a:ln>
+        </p:spPr>
+        <p:style>
+          <a:lnRef idx="1">
+            <a:schemeClr val="accent1"/>
+          </a:lnRef>
+          <a:fillRef idx="0">
+            <a:schemeClr val="accent1"/>
+          </a:fillRef>
+          <a:effectRef idx="0">
+            <a:schemeClr val="accent1"/>
+          </a:effectRef>
+          <a:fontRef idx="minor">
+            <a:schemeClr val="tx1"/>
+          </a:fontRef>
+        </p:style>
+      </p:cxnSp>
+      <p:cxnSp>
+        <p:nvCxnSpPr>
+          <p:cNvPr id="78" name="Conector recto 77">
+            <a:extLst>
+              <a:ext uri="{FF2B5EF4-FFF2-40B4-BE49-F238E27FC236}">
+                <a16:creationId xmlns:a16="http://schemas.microsoft.com/office/drawing/2014/main" id="{E832AC02-BDF2-4985-A7A8-6FE1C1C8A4B5}"/>
+              </a:ext>
+            </a:extLst>
+          </p:cNvPr>
+          <p:cNvCxnSpPr>
+            <a:cxnSpLocks/>
+          </p:cNvCxnSpPr>
+          <p:nvPr/>
+        </p:nvCxnSpPr>
+        <p:spPr>
+          <a:xfrm flipH="1" flipV="1">
+            <a:off x="4681293" y="2119908"/>
+            <a:ext cx="833286" cy="1314765"/>
+          </a:xfrm>
+          <a:prstGeom prst="line">
+            <a:avLst/>
+          </a:prstGeom>
+          <a:ln w="19050">
+            <a:solidFill>
+              <a:srgbClr val="0070C0"/>
+            </a:solidFill>
+          </a:ln>
+        </p:spPr>
+        <p:style>
+          <a:lnRef idx="1">
+            <a:schemeClr val="accent1"/>
+          </a:lnRef>
+          <a:fillRef idx="0">
+            <a:schemeClr val="accent1"/>
+          </a:fillRef>
+          <a:effectRef idx="0">
+            <a:schemeClr val="accent1"/>
+          </a:effectRef>
+          <a:fontRef idx="minor">
+            <a:schemeClr val="tx1"/>
+          </a:fontRef>
+        </p:style>
+      </p:cxnSp>
+      <p:cxnSp>
+        <p:nvCxnSpPr>
+          <p:cNvPr id="80" name="Conector recto 79">
+            <a:extLst>
+              <a:ext uri="{FF2B5EF4-FFF2-40B4-BE49-F238E27FC236}">
+                <a16:creationId xmlns:a16="http://schemas.microsoft.com/office/drawing/2014/main" id="{1B52CB2D-D708-42AA-A755-190BCA7C0AB7}"/>
+              </a:ext>
+            </a:extLst>
+          </p:cNvPr>
+          <p:cNvCxnSpPr>
+            <a:cxnSpLocks/>
+          </p:cNvCxnSpPr>
+          <p:nvPr/>
+        </p:nvCxnSpPr>
+        <p:spPr>
+          <a:xfrm flipH="1">
+            <a:off x="4770969" y="3175017"/>
+            <a:ext cx="680111" cy="299969"/>
+          </a:xfrm>
+          <a:prstGeom prst="line">
+            <a:avLst/>
+          </a:prstGeom>
+          <a:ln w="19050">
+            <a:solidFill>
+              <a:srgbClr val="0070C0"/>
+            </a:solidFill>
+          </a:ln>
+        </p:spPr>
+        <p:style>
+          <a:lnRef idx="1">
+            <a:schemeClr val="accent1"/>
+          </a:lnRef>
+          <a:fillRef idx="0">
+            <a:schemeClr val="accent1"/>
+          </a:fillRef>
+          <a:effectRef idx="0">
+            <a:schemeClr val="accent1"/>
+          </a:effectRef>
+          <a:fontRef idx="minor">
+            <a:schemeClr val="tx1"/>
+          </a:fontRef>
+        </p:style>
+      </p:cxnSp>
+      <p:cxnSp>
+        <p:nvCxnSpPr>
+          <p:cNvPr id="81" name="Conector recto 80">
+            <a:extLst>
+              <a:ext uri="{FF2B5EF4-FFF2-40B4-BE49-F238E27FC236}">
+                <a16:creationId xmlns:a16="http://schemas.microsoft.com/office/drawing/2014/main" id="{3E5F38BB-A3D6-457B-BBA9-726A30A6D118}"/>
+              </a:ext>
+            </a:extLst>
+          </p:cNvPr>
+          <p:cNvCxnSpPr>
+            <a:cxnSpLocks/>
+          </p:cNvCxnSpPr>
+          <p:nvPr/>
+        </p:nvCxnSpPr>
+        <p:spPr>
+          <a:xfrm flipH="1" flipV="1">
+            <a:off x="4679713" y="2055138"/>
+            <a:ext cx="842365" cy="1126869"/>
+          </a:xfrm>
+          <a:prstGeom prst="line">
+            <a:avLst/>
+          </a:prstGeom>
+          <a:ln w="19050">
+            <a:solidFill>
+              <a:srgbClr val="0070C0"/>
+            </a:solidFill>
+          </a:ln>
+        </p:spPr>
+        <p:style>
+          <a:lnRef idx="1">
+            <a:schemeClr val="accent1"/>
+          </a:lnRef>
+          <a:fillRef idx="0">
+            <a:schemeClr val="accent1"/>
+          </a:fillRef>
+          <a:effectRef idx="0">
+            <a:schemeClr val="accent1"/>
+          </a:effectRef>
+          <a:fontRef idx="minor">
+            <a:schemeClr val="tx1"/>
+          </a:fontRef>
+        </p:style>
+      </p:cxnSp>
+      <p:pic>
+        <p:nvPicPr>
+          <p:cNvPr id="53" name="Imagen 52" descr="Imagen que contiene batería&#10;&#10;Descripción generada automáticamente">
+            <a:extLst>
+              <a:ext uri="{FF2B5EF4-FFF2-40B4-BE49-F238E27FC236}">
+                <a16:creationId xmlns:a16="http://schemas.microsoft.com/office/drawing/2014/main" id="{4D8F5D3B-7B4F-4026-A706-AB84A01AF7C6}"/>
               </a:ext>
             </a:extLst>
           </p:cNvPr>
@@ -4422,15 +5118,13 @@
           <p:nvPr/>
         </p:nvPicPr>
         <p:blipFill>
-          <a:blip r:embed="rId8">
+          <a:blip r:embed="rId9">
             <a:extLst>
               <a:ext uri="{BEBA8EAE-BF5A-486C-A8C5-ECC9F3942E4B}">
                 <a14:imgProps xmlns:a14="http://schemas.microsoft.com/office/drawing/2010/main">
-                  <a14:imgLayer r:embed="rId9">
+                  <a14:imgLayer r:embed="rId10">
                     <a14:imgEffect>
-                      <a14:backgroundRemoval t="10000" b="90000" l="10000" r="90000">
-                        <a14:foregroundMark x1="49574" y1="38394" x2="49574" y2="38394"/>
-                      </a14:backgroundRemoval>
+                      <a14:backgroundRemoval t="10000" b="90000" l="10000" r="90000"/>
                     </a14:imgEffect>
                   </a14:imgLayer>
                 </a14:imgProps>
@@ -4446,8 +5140,8 @@
         </p:blipFill>
         <p:spPr>
           <a:xfrm>
-            <a:off x="7513078" y="3819711"/>
-            <a:ext cx="2643344" cy="3084652"/>
+            <a:off x="2413518" y="2920562"/>
+            <a:ext cx="2904203" cy="2733581"/>
           </a:xfrm>
           <a:prstGeom prst="rect">
             <a:avLst/>
@@ -4458,6 +5152,66 @@
     <p:extLst>
       <p:ext uri="{BB962C8B-B14F-4D97-AF65-F5344CB8AC3E}">
         <p14:creationId xmlns:p14="http://schemas.microsoft.com/office/powerpoint/2010/main" val="1001769894"/>
+      </p:ext>
+    </p:extLst>
+  </p:cSld>
+  <p:clrMapOvr>
+    <a:masterClrMapping/>
+  </p:clrMapOvr>
+</p:sld>
+</file>
+
+<file path=ppt/slides/slide2.xml><?xml version="1.0" encoding="utf-8"?>
+<p:sld xmlns:a="http://schemas.openxmlformats.org/drawingml/2006/main" xmlns:r="http://schemas.openxmlformats.org/officeDocument/2006/relationships" xmlns:p="http://schemas.openxmlformats.org/presentationml/2006/main">
+  <p:cSld>
+    <p:spTree>
+      <p:nvGrpSpPr>
+        <p:cNvPr id="1" name=""/>
+        <p:cNvGrpSpPr/>
+        <p:nvPr/>
+      </p:nvGrpSpPr>
+      <p:grpSpPr>
+        <a:xfrm>
+          <a:off x="0" y="0"/>
+          <a:ext cx="0" cy="0"/>
+          <a:chOff x="0" y="0"/>
+          <a:chExt cx="0" cy="0"/>
+        </a:xfrm>
+      </p:grpSpPr>
+      <p:pic>
+        <p:nvPicPr>
+          <p:cNvPr id="42" name="Imagen 41">
+            <a:extLst>
+              <a:ext uri="{FF2B5EF4-FFF2-40B4-BE49-F238E27FC236}">
+                <a16:creationId xmlns:a16="http://schemas.microsoft.com/office/drawing/2014/main" id="{41F8BD9E-E388-4F64-8F23-3AA34AD587D0}"/>
+              </a:ext>
+            </a:extLst>
+          </p:cNvPr>
+          <p:cNvPicPr>
+            <a:picLocks noChangeAspect="1"/>
+          </p:cNvPicPr>
+          <p:nvPr/>
+        </p:nvPicPr>
+        <p:blipFill>
+          <a:blip r:embed="rId2"/>
+          <a:stretch>
+            <a:fillRect/>
+          </a:stretch>
+        </p:blipFill>
+        <p:spPr>
+          <a:xfrm>
+            <a:off x="2224704" y="487425"/>
+            <a:ext cx="7742591" cy="5883150"/>
+          </a:xfrm>
+          <a:prstGeom prst="rect">
+            <a:avLst/>
+          </a:prstGeom>
+        </p:spPr>
+      </p:pic>
+    </p:spTree>
+    <p:extLst>
+      <p:ext uri="{BB962C8B-B14F-4D97-AF65-F5344CB8AC3E}">
+        <p14:creationId xmlns:p14="http://schemas.microsoft.com/office/powerpoint/2010/main" val="3569868300"/>
       </p:ext>
     </p:extLst>
   </p:cSld>

--- a/esquematico.pptx
+++ b/esquematico.pptx
@@ -7,6 +7,7 @@
   <p:sldIdLst>
     <p:sldId id="257" r:id="rId2"/>
     <p:sldId id="258" r:id="rId3"/>
+    <p:sldId id="259" r:id="rId4"/>
   </p:sldIdLst>
   <p:sldSz cx="12192000" cy="6858000"/>
   <p:notesSz cx="6858000" cy="9144000"/>
@@ -262,7 +263,7 @@
           <a:p>
             <a:fld id="{3393BA86-A145-4A3C-9A63-4D46CDC35197}" type="datetimeFigureOut">
               <a:rPr lang="es-CL" smtClean="0"/>
-              <a:t>11-07-2019</a:t>
+              <a:t>14-07-2019</a:t>
             </a:fld>
             <a:endParaRPr lang="es-CL"/>
           </a:p>
@@ -462,7 +463,7 @@
           <a:p>
             <a:fld id="{3393BA86-A145-4A3C-9A63-4D46CDC35197}" type="datetimeFigureOut">
               <a:rPr lang="es-CL" smtClean="0"/>
-              <a:t>11-07-2019</a:t>
+              <a:t>14-07-2019</a:t>
             </a:fld>
             <a:endParaRPr lang="es-CL"/>
           </a:p>
@@ -672,7 +673,7 @@
           <a:p>
             <a:fld id="{3393BA86-A145-4A3C-9A63-4D46CDC35197}" type="datetimeFigureOut">
               <a:rPr lang="es-CL" smtClean="0"/>
-              <a:t>11-07-2019</a:t>
+              <a:t>14-07-2019</a:t>
             </a:fld>
             <a:endParaRPr lang="es-CL"/>
           </a:p>
@@ -872,7 +873,7 @@
           <a:p>
             <a:fld id="{3393BA86-A145-4A3C-9A63-4D46CDC35197}" type="datetimeFigureOut">
               <a:rPr lang="es-CL" smtClean="0"/>
-              <a:t>11-07-2019</a:t>
+              <a:t>14-07-2019</a:t>
             </a:fld>
             <a:endParaRPr lang="es-CL"/>
           </a:p>
@@ -1148,7 +1149,7 @@
           <a:p>
             <a:fld id="{3393BA86-A145-4A3C-9A63-4D46CDC35197}" type="datetimeFigureOut">
               <a:rPr lang="es-CL" smtClean="0"/>
-              <a:t>11-07-2019</a:t>
+              <a:t>14-07-2019</a:t>
             </a:fld>
             <a:endParaRPr lang="es-CL"/>
           </a:p>
@@ -1416,7 +1417,7 @@
           <a:p>
             <a:fld id="{3393BA86-A145-4A3C-9A63-4D46CDC35197}" type="datetimeFigureOut">
               <a:rPr lang="es-CL" smtClean="0"/>
-              <a:t>11-07-2019</a:t>
+              <a:t>14-07-2019</a:t>
             </a:fld>
             <a:endParaRPr lang="es-CL"/>
           </a:p>
@@ -1831,7 +1832,7 @@
           <a:p>
             <a:fld id="{3393BA86-A145-4A3C-9A63-4D46CDC35197}" type="datetimeFigureOut">
               <a:rPr lang="es-CL" smtClean="0"/>
-              <a:t>11-07-2019</a:t>
+              <a:t>14-07-2019</a:t>
             </a:fld>
             <a:endParaRPr lang="es-CL"/>
           </a:p>
@@ -1973,7 +1974,7 @@
           <a:p>
             <a:fld id="{3393BA86-A145-4A3C-9A63-4D46CDC35197}" type="datetimeFigureOut">
               <a:rPr lang="es-CL" smtClean="0"/>
-              <a:t>11-07-2019</a:t>
+              <a:t>14-07-2019</a:t>
             </a:fld>
             <a:endParaRPr lang="es-CL"/>
           </a:p>
@@ -2086,7 +2087,7 @@
           <a:p>
             <a:fld id="{3393BA86-A145-4A3C-9A63-4D46CDC35197}" type="datetimeFigureOut">
               <a:rPr lang="es-CL" smtClean="0"/>
-              <a:t>11-07-2019</a:t>
+              <a:t>14-07-2019</a:t>
             </a:fld>
             <a:endParaRPr lang="es-CL"/>
           </a:p>
@@ -2399,7 +2400,7 @@
           <a:p>
             <a:fld id="{3393BA86-A145-4A3C-9A63-4D46CDC35197}" type="datetimeFigureOut">
               <a:rPr lang="es-CL" smtClean="0"/>
-              <a:t>11-07-2019</a:t>
+              <a:t>14-07-2019</a:t>
             </a:fld>
             <a:endParaRPr lang="es-CL"/>
           </a:p>
@@ -2688,7 +2689,7 @@
           <a:p>
             <a:fld id="{3393BA86-A145-4A3C-9A63-4D46CDC35197}" type="datetimeFigureOut">
               <a:rPr lang="es-CL" smtClean="0"/>
-              <a:t>11-07-2019</a:t>
+              <a:t>14-07-2019</a:t>
             </a:fld>
             <a:endParaRPr lang="es-CL"/>
           </a:p>
@@ -2931,7 +2932,7 @@
           <a:p>
             <a:fld id="{3393BA86-A145-4A3C-9A63-4D46CDC35197}" type="datetimeFigureOut">
               <a:rPr lang="es-CL" smtClean="0"/>
-              <a:t>11-07-2019</a:t>
+              <a:t>14-07-2019</a:t>
             </a:fld>
             <a:endParaRPr lang="es-CL"/>
           </a:p>
@@ -5221,6 +5222,1034 @@
 </p:sld>
 </file>
 
+<file path=ppt/slides/slide3.xml><?xml version="1.0" encoding="utf-8"?>
+<p:sld xmlns:a="http://schemas.openxmlformats.org/drawingml/2006/main" xmlns:r="http://schemas.openxmlformats.org/officeDocument/2006/relationships" xmlns:p="http://schemas.openxmlformats.org/presentationml/2006/main">
+  <p:cSld>
+    <p:spTree>
+      <p:nvGrpSpPr>
+        <p:cNvPr id="1" name=""/>
+        <p:cNvGrpSpPr/>
+        <p:nvPr/>
+      </p:nvGrpSpPr>
+      <p:grpSpPr>
+        <a:xfrm>
+          <a:off x="0" y="0"/>
+          <a:ext cx="0" cy="0"/>
+          <a:chOff x="0" y="0"/>
+          <a:chExt cx="0" cy="0"/>
+        </a:xfrm>
+      </p:grpSpPr>
+      <p:pic>
+        <p:nvPicPr>
+          <p:cNvPr id="9" name="Imagen 8" descr="Imagen que contiene tarta&#10;&#10;Descripción generada automáticamente">
+            <a:extLst>
+              <a:ext uri="{FF2B5EF4-FFF2-40B4-BE49-F238E27FC236}">
+                <a16:creationId xmlns:a16="http://schemas.microsoft.com/office/drawing/2014/main" id="{B05DA91B-2C75-43FD-99BF-74A0D9DDC893}"/>
+              </a:ext>
+            </a:extLst>
+          </p:cNvPr>
+          <p:cNvPicPr>
+            <a:picLocks noChangeAspect="1"/>
+          </p:cNvPicPr>
+          <p:nvPr/>
+        </p:nvPicPr>
+        <p:blipFill rotWithShape="1">
+          <a:blip r:embed="rId2">
+            <a:extLst>
+              <a:ext uri="{28A0092B-C50C-407E-A947-70E740481C1C}">
+                <a14:useLocalDpi xmlns:a14="http://schemas.microsoft.com/office/drawing/2010/main" val="0"/>
+              </a:ext>
+            </a:extLst>
+          </a:blip>
+          <a:srcRect l="-2445" r="49857"/>
+          <a:stretch/>
+        </p:blipFill>
+        <p:spPr>
+          <a:xfrm rot="5400000">
+            <a:off x="4502510" y="2478677"/>
+            <a:ext cx="2217647" cy="1332895"/>
+          </a:xfrm>
+          <a:prstGeom prst="rect">
+            <a:avLst/>
+          </a:prstGeom>
+        </p:spPr>
+      </p:pic>
+      <p:sp>
+        <p:nvSpPr>
+          <p:cNvPr id="12" name="Forma libre: forma 11">
+            <a:extLst>
+              <a:ext uri="{FF2B5EF4-FFF2-40B4-BE49-F238E27FC236}">
+                <a16:creationId xmlns:a16="http://schemas.microsoft.com/office/drawing/2014/main" id="{D79571E3-BF21-4906-A249-3553043E2EB0}"/>
+              </a:ext>
+            </a:extLst>
+          </p:cNvPr>
+          <p:cNvSpPr/>
+          <p:nvPr/>
+        </p:nvSpPr>
+        <p:spPr>
+          <a:xfrm>
+            <a:off x="4988800" y="2068780"/>
+            <a:ext cx="1169670" cy="301393"/>
+          </a:xfrm>
+          <a:custGeom>
+            <a:avLst/>
+            <a:gdLst>
+              <a:gd name="connsiteX0" fmla="*/ 0 w 1169670"/>
+              <a:gd name="connsiteY0" fmla="*/ 346710 h 346710"/>
+              <a:gd name="connsiteX1" fmla="*/ 628650 w 1169670"/>
+              <a:gd name="connsiteY1" fmla="*/ 0 h 346710"/>
+              <a:gd name="connsiteX2" fmla="*/ 1169670 w 1169670"/>
+              <a:gd name="connsiteY2" fmla="*/ 346710 h 346710"/>
+            </a:gdLst>
+            <a:ahLst/>
+            <a:cxnLst>
+              <a:cxn ang="0">
+                <a:pos x="connsiteX0" y="connsiteY0"/>
+              </a:cxn>
+              <a:cxn ang="0">
+                <a:pos x="connsiteX1" y="connsiteY1"/>
+              </a:cxn>
+              <a:cxn ang="0">
+                <a:pos x="connsiteX2" y="connsiteY2"/>
+              </a:cxn>
+            </a:cxnLst>
+            <a:rect l="l" t="t" r="r" b="b"/>
+            <a:pathLst>
+              <a:path w="1169670" h="346710">
+                <a:moveTo>
+                  <a:pt x="0" y="346710"/>
+                </a:moveTo>
+                <a:cubicBezTo>
+                  <a:pt x="216852" y="173355"/>
+                  <a:pt x="433705" y="0"/>
+                  <a:pt x="628650" y="0"/>
+                </a:cubicBezTo>
+                <a:cubicBezTo>
+                  <a:pt x="823595" y="0"/>
+                  <a:pt x="1084580" y="262255"/>
+                  <a:pt x="1169670" y="346710"/>
+                </a:cubicBezTo>
+              </a:path>
+            </a:pathLst>
+          </a:custGeom>
+          <a:noFill/>
+          <a:ln>
+            <a:solidFill>
+              <a:srgbClr val="FF0000"/>
+            </a:solidFill>
+          </a:ln>
+        </p:spPr>
+        <p:style>
+          <a:lnRef idx="2">
+            <a:schemeClr val="accent1">
+              <a:shade val="50000"/>
+            </a:schemeClr>
+          </a:lnRef>
+          <a:fillRef idx="1">
+            <a:schemeClr val="accent1"/>
+          </a:fillRef>
+          <a:effectRef idx="0">
+            <a:schemeClr val="accent1"/>
+          </a:effectRef>
+          <a:fontRef idx="minor">
+            <a:schemeClr val="lt1"/>
+          </a:fontRef>
+        </p:style>
+        <p:txBody>
+          <a:bodyPr rtlCol="0" anchor="ctr"/>
+          <a:lstStyle/>
+          <a:p>
+            <a:pPr algn="ctr"/>
+            <a:endParaRPr lang="es-CL"/>
+          </a:p>
+        </p:txBody>
+      </p:sp>
+      <p:cxnSp>
+        <p:nvCxnSpPr>
+          <p:cNvPr id="38" name="Conector: angular 37">
+            <a:extLst>
+              <a:ext uri="{FF2B5EF4-FFF2-40B4-BE49-F238E27FC236}">
+                <a16:creationId xmlns:a16="http://schemas.microsoft.com/office/drawing/2014/main" id="{6343E7D0-02A8-4E15-BB20-A84761860F83}"/>
+              </a:ext>
+            </a:extLst>
+          </p:cNvPr>
+          <p:cNvCxnSpPr>
+            <a:endCxn id="34" idx="3"/>
+          </p:cNvCxnSpPr>
+          <p:nvPr/>
+        </p:nvCxnSpPr>
+        <p:spPr>
+          <a:xfrm rot="10800000">
+            <a:off x="3068302" y="1471285"/>
+            <a:ext cx="1336792" cy="565016"/>
+          </a:xfrm>
+          <a:prstGeom prst="bentConnector3">
+            <a:avLst>
+              <a:gd name="adj1" fmla="val 36"/>
+            </a:avLst>
+          </a:prstGeom>
+          <a:ln w="57150">
+            <a:solidFill>
+              <a:srgbClr val="00B050"/>
+            </a:solidFill>
+          </a:ln>
+        </p:spPr>
+        <p:style>
+          <a:lnRef idx="1">
+            <a:schemeClr val="accent1"/>
+          </a:lnRef>
+          <a:fillRef idx="0">
+            <a:schemeClr val="accent1"/>
+          </a:fillRef>
+          <a:effectRef idx="0">
+            <a:schemeClr val="accent1"/>
+          </a:effectRef>
+          <a:fontRef idx="minor">
+            <a:schemeClr val="tx1"/>
+          </a:fontRef>
+        </p:style>
+      </p:cxnSp>
+      <p:sp>
+        <p:nvSpPr>
+          <p:cNvPr id="13" name="Forma libre: forma 12">
+            <a:extLst>
+              <a:ext uri="{FF2B5EF4-FFF2-40B4-BE49-F238E27FC236}">
+                <a16:creationId xmlns:a16="http://schemas.microsoft.com/office/drawing/2014/main" id="{1C0995A7-5F58-4A6D-8844-7C9F47D78E36}"/>
+              </a:ext>
+            </a:extLst>
+          </p:cNvPr>
+          <p:cNvSpPr/>
+          <p:nvPr/>
+        </p:nvSpPr>
+        <p:spPr>
+          <a:xfrm>
+            <a:off x="5061190" y="2107275"/>
+            <a:ext cx="1158240" cy="270519"/>
+          </a:xfrm>
+          <a:custGeom>
+            <a:avLst/>
+            <a:gdLst>
+              <a:gd name="connsiteX0" fmla="*/ 0 w 1158240"/>
+              <a:gd name="connsiteY0" fmla="*/ 262899 h 270519"/>
+              <a:gd name="connsiteX1" fmla="*/ 590550 w 1158240"/>
+              <a:gd name="connsiteY1" fmla="*/ 9 h 270519"/>
+              <a:gd name="connsiteX2" fmla="*/ 1158240 w 1158240"/>
+              <a:gd name="connsiteY2" fmla="*/ 270519 h 270519"/>
+            </a:gdLst>
+            <a:ahLst/>
+            <a:cxnLst>
+              <a:cxn ang="0">
+                <a:pos x="connsiteX0" y="connsiteY0"/>
+              </a:cxn>
+              <a:cxn ang="0">
+                <a:pos x="connsiteX1" y="connsiteY1"/>
+              </a:cxn>
+              <a:cxn ang="0">
+                <a:pos x="connsiteX2" y="connsiteY2"/>
+              </a:cxn>
+            </a:cxnLst>
+            <a:rect l="l" t="t" r="r" b="b"/>
+            <a:pathLst>
+              <a:path w="1158240" h="270519">
+                <a:moveTo>
+                  <a:pt x="0" y="262899"/>
+                </a:moveTo>
+                <a:cubicBezTo>
+                  <a:pt x="198755" y="130819"/>
+                  <a:pt x="397510" y="-1261"/>
+                  <a:pt x="590550" y="9"/>
+                </a:cubicBezTo>
+                <a:cubicBezTo>
+                  <a:pt x="783590" y="1279"/>
+                  <a:pt x="1033780" y="227339"/>
+                  <a:pt x="1158240" y="270519"/>
+                </a:cubicBezTo>
+              </a:path>
+            </a:pathLst>
+          </a:custGeom>
+          <a:noFill/>
+          <a:ln>
+            <a:solidFill>
+              <a:schemeClr val="tx1"/>
+            </a:solidFill>
+          </a:ln>
+        </p:spPr>
+        <p:style>
+          <a:lnRef idx="2">
+            <a:schemeClr val="accent1">
+              <a:shade val="50000"/>
+            </a:schemeClr>
+          </a:lnRef>
+          <a:fillRef idx="1">
+            <a:schemeClr val="accent1"/>
+          </a:fillRef>
+          <a:effectRef idx="0">
+            <a:schemeClr val="accent1"/>
+          </a:effectRef>
+          <a:fontRef idx="minor">
+            <a:schemeClr val="lt1"/>
+          </a:fontRef>
+        </p:style>
+        <p:txBody>
+          <a:bodyPr rtlCol="0" anchor="ctr"/>
+          <a:lstStyle/>
+          <a:p>
+            <a:pPr algn="ctr"/>
+            <a:endParaRPr lang="es-CL"/>
+          </a:p>
+        </p:txBody>
+      </p:sp>
+      <p:cxnSp>
+        <p:nvCxnSpPr>
+          <p:cNvPr id="15" name="Conector recto 14">
+            <a:extLst>
+              <a:ext uri="{FF2B5EF4-FFF2-40B4-BE49-F238E27FC236}">
+                <a16:creationId xmlns:a16="http://schemas.microsoft.com/office/drawing/2014/main" id="{D1C48806-B502-47DC-A6B7-A2998386AA51}"/>
+              </a:ext>
+            </a:extLst>
+          </p:cNvPr>
+          <p:cNvCxnSpPr>
+            <a:cxnSpLocks/>
+          </p:cNvCxnSpPr>
+          <p:nvPr/>
+        </p:nvCxnSpPr>
+        <p:spPr>
+          <a:xfrm flipH="1" flipV="1">
+            <a:off x="6219431" y="2958136"/>
+            <a:ext cx="650601" cy="8635"/>
+          </a:xfrm>
+          <a:prstGeom prst="line">
+            <a:avLst/>
+          </a:prstGeom>
+          <a:ln w="19050">
+            <a:solidFill>
+              <a:schemeClr val="accent2">
+                <a:lumMod val="50000"/>
+              </a:schemeClr>
+            </a:solidFill>
+          </a:ln>
+        </p:spPr>
+        <p:style>
+          <a:lnRef idx="1">
+            <a:schemeClr val="accent1"/>
+          </a:lnRef>
+          <a:fillRef idx="0">
+            <a:schemeClr val="accent1"/>
+          </a:fillRef>
+          <a:effectRef idx="0">
+            <a:schemeClr val="accent1"/>
+          </a:effectRef>
+          <a:fontRef idx="minor">
+            <a:schemeClr val="tx1"/>
+          </a:fontRef>
+        </p:style>
+      </p:cxnSp>
+      <p:cxnSp>
+        <p:nvCxnSpPr>
+          <p:cNvPr id="17" name="Conector recto 16">
+            <a:extLst>
+              <a:ext uri="{FF2B5EF4-FFF2-40B4-BE49-F238E27FC236}">
+                <a16:creationId xmlns:a16="http://schemas.microsoft.com/office/drawing/2014/main" id="{7B7C16CC-7049-4FAF-8E91-4D5285EE8219}"/>
+              </a:ext>
+            </a:extLst>
+          </p:cNvPr>
+          <p:cNvCxnSpPr>
+            <a:cxnSpLocks/>
+          </p:cNvCxnSpPr>
+          <p:nvPr/>
+        </p:nvCxnSpPr>
+        <p:spPr>
+          <a:xfrm flipH="1" flipV="1">
+            <a:off x="6141319" y="2826744"/>
+            <a:ext cx="760797" cy="114652"/>
+          </a:xfrm>
+          <a:prstGeom prst="line">
+            <a:avLst/>
+          </a:prstGeom>
+          <a:ln w="19050">
+            <a:solidFill>
+              <a:srgbClr val="FF0000"/>
+            </a:solidFill>
+          </a:ln>
+        </p:spPr>
+        <p:style>
+          <a:lnRef idx="1">
+            <a:schemeClr val="accent1"/>
+          </a:lnRef>
+          <a:fillRef idx="0">
+            <a:schemeClr val="accent1"/>
+          </a:fillRef>
+          <a:effectRef idx="0">
+            <a:schemeClr val="accent1"/>
+          </a:effectRef>
+          <a:fontRef idx="minor">
+            <a:schemeClr val="tx1"/>
+          </a:fontRef>
+        </p:style>
+      </p:cxnSp>
+      <p:cxnSp>
+        <p:nvCxnSpPr>
+          <p:cNvPr id="29" name="Conector recto 28">
+            <a:extLst>
+              <a:ext uri="{FF2B5EF4-FFF2-40B4-BE49-F238E27FC236}">
+                <a16:creationId xmlns:a16="http://schemas.microsoft.com/office/drawing/2014/main" id="{02D041C2-DEBF-43D1-A158-592AEE6617D0}"/>
+              </a:ext>
+            </a:extLst>
+          </p:cNvPr>
+          <p:cNvCxnSpPr>
+            <a:cxnSpLocks/>
+          </p:cNvCxnSpPr>
+          <p:nvPr/>
+        </p:nvCxnSpPr>
+        <p:spPr>
+          <a:xfrm flipH="1" flipV="1">
+            <a:off x="5972571" y="2705044"/>
+            <a:ext cx="894551" cy="208435"/>
+          </a:xfrm>
+          <a:prstGeom prst="line">
+            <a:avLst/>
+          </a:prstGeom>
+          <a:ln w="19050">
+            <a:solidFill>
+              <a:srgbClr val="FFFF00"/>
+            </a:solidFill>
+          </a:ln>
+        </p:spPr>
+        <p:style>
+          <a:lnRef idx="1">
+            <a:schemeClr val="accent1"/>
+          </a:lnRef>
+          <a:fillRef idx="0">
+            <a:schemeClr val="accent1"/>
+          </a:fillRef>
+          <a:effectRef idx="0">
+            <a:schemeClr val="accent1"/>
+          </a:effectRef>
+          <a:fontRef idx="minor">
+            <a:schemeClr val="tx1"/>
+          </a:fontRef>
+        </p:style>
+      </p:cxnSp>
+      <p:cxnSp>
+        <p:nvCxnSpPr>
+          <p:cNvPr id="37" name="Conector recto 36">
+            <a:extLst>
+              <a:ext uri="{FF2B5EF4-FFF2-40B4-BE49-F238E27FC236}">
+                <a16:creationId xmlns:a16="http://schemas.microsoft.com/office/drawing/2014/main" id="{C91B731B-DEA1-4158-B084-33A22EF5AF4B}"/>
+              </a:ext>
+            </a:extLst>
+          </p:cNvPr>
+          <p:cNvCxnSpPr>
+            <a:cxnSpLocks/>
+          </p:cNvCxnSpPr>
+          <p:nvPr/>
+        </p:nvCxnSpPr>
+        <p:spPr>
+          <a:xfrm flipH="1">
+            <a:off x="4733925" y="2680542"/>
+            <a:ext cx="1185875" cy="411318"/>
+          </a:xfrm>
+          <a:prstGeom prst="line">
+            <a:avLst/>
+          </a:prstGeom>
+          <a:ln w="19050">
+            <a:solidFill>
+              <a:srgbClr val="FFFF00"/>
+            </a:solidFill>
+          </a:ln>
+        </p:spPr>
+        <p:style>
+          <a:lnRef idx="1">
+            <a:schemeClr val="accent1"/>
+          </a:lnRef>
+          <a:fillRef idx="0">
+            <a:schemeClr val="accent1"/>
+          </a:fillRef>
+          <a:effectRef idx="0">
+            <a:schemeClr val="accent1"/>
+          </a:effectRef>
+          <a:fontRef idx="minor">
+            <a:schemeClr val="tx1"/>
+          </a:fontRef>
+        </p:style>
+      </p:cxnSp>
+      <p:cxnSp>
+        <p:nvCxnSpPr>
+          <p:cNvPr id="39" name="Conector recto 38">
+            <a:extLst>
+              <a:ext uri="{FF2B5EF4-FFF2-40B4-BE49-F238E27FC236}">
+                <a16:creationId xmlns:a16="http://schemas.microsoft.com/office/drawing/2014/main" id="{D4A0AD14-D633-4AC3-9B76-73AC05364123}"/>
+              </a:ext>
+            </a:extLst>
+          </p:cNvPr>
+          <p:cNvCxnSpPr>
+            <a:cxnSpLocks/>
+          </p:cNvCxnSpPr>
+          <p:nvPr/>
+        </p:nvCxnSpPr>
+        <p:spPr>
+          <a:xfrm flipH="1" flipV="1">
+            <a:off x="4712368" y="3164873"/>
+            <a:ext cx="1182888" cy="383466"/>
+          </a:xfrm>
+          <a:prstGeom prst="line">
+            <a:avLst/>
+          </a:prstGeom>
+          <a:ln w="19050">
+            <a:solidFill>
+              <a:srgbClr val="FFFF00"/>
+            </a:solidFill>
+          </a:ln>
+        </p:spPr>
+        <p:style>
+          <a:lnRef idx="1">
+            <a:schemeClr val="accent1"/>
+          </a:lnRef>
+          <a:fillRef idx="0">
+            <a:schemeClr val="accent1"/>
+          </a:fillRef>
+          <a:effectRef idx="0">
+            <a:schemeClr val="accent1"/>
+          </a:effectRef>
+          <a:fontRef idx="minor">
+            <a:schemeClr val="tx1"/>
+          </a:fontRef>
+        </p:style>
+      </p:cxnSp>
+      <p:cxnSp>
+        <p:nvCxnSpPr>
+          <p:cNvPr id="48" name="Conector recto 47">
+            <a:extLst>
+              <a:ext uri="{FF2B5EF4-FFF2-40B4-BE49-F238E27FC236}">
+                <a16:creationId xmlns:a16="http://schemas.microsoft.com/office/drawing/2014/main" id="{733B5C00-0EF8-43BE-BF5B-13654D5CBE31}"/>
+              </a:ext>
+            </a:extLst>
+          </p:cNvPr>
+          <p:cNvCxnSpPr>
+            <a:cxnSpLocks/>
+          </p:cNvCxnSpPr>
+          <p:nvPr/>
+        </p:nvCxnSpPr>
+        <p:spPr>
+          <a:xfrm flipV="1">
+            <a:off x="4680734" y="2826744"/>
+            <a:ext cx="380456" cy="22860"/>
+          </a:xfrm>
+          <a:prstGeom prst="line">
+            <a:avLst/>
+          </a:prstGeom>
+          <a:ln w="12700">
+            <a:solidFill>
+              <a:schemeClr val="tx1"/>
+            </a:solidFill>
+          </a:ln>
+        </p:spPr>
+        <p:style>
+          <a:lnRef idx="1">
+            <a:schemeClr val="accent1"/>
+          </a:lnRef>
+          <a:fillRef idx="0">
+            <a:schemeClr val="accent1"/>
+          </a:fillRef>
+          <a:effectRef idx="0">
+            <a:schemeClr val="accent1"/>
+          </a:effectRef>
+          <a:fontRef idx="minor">
+            <a:schemeClr val="tx1"/>
+          </a:fontRef>
+        </p:style>
+      </p:cxnSp>
+      <p:sp>
+        <p:nvSpPr>
+          <p:cNvPr id="5" name="Forma libre: forma 4">
+            <a:extLst>
+              <a:ext uri="{FF2B5EF4-FFF2-40B4-BE49-F238E27FC236}">
+                <a16:creationId xmlns:a16="http://schemas.microsoft.com/office/drawing/2014/main" id="{757BC4F5-10FA-4BC2-8FA4-0B783D381D8E}"/>
+              </a:ext>
+            </a:extLst>
+          </p:cNvPr>
+          <p:cNvSpPr/>
+          <p:nvPr/>
+        </p:nvSpPr>
+        <p:spPr>
+          <a:xfrm>
+            <a:off x="3068302" y="2443318"/>
+            <a:ext cx="1940116" cy="523453"/>
+          </a:xfrm>
+          <a:custGeom>
+            <a:avLst/>
+            <a:gdLst>
+              <a:gd name="connsiteX0" fmla="*/ 513098 w 1940116"/>
+              <a:gd name="connsiteY0" fmla="*/ 523453 h 523453"/>
+              <a:gd name="connsiteX1" fmla="*/ 80143 w 1940116"/>
+              <a:gd name="connsiteY1" fmla="*/ 76643 h 523453"/>
+              <a:gd name="connsiteX2" fmla="*/ 1940116 w 1940116"/>
+              <a:gd name="connsiteY2" fmla="*/ 443 h 523453"/>
+              <a:gd name="connsiteX3" fmla="*/ 1940116 w 1940116"/>
+              <a:gd name="connsiteY3" fmla="*/ 443 h 523453"/>
+            </a:gdLst>
+            <a:ahLst/>
+            <a:cxnLst>
+              <a:cxn ang="0">
+                <a:pos x="connsiteX0" y="connsiteY0"/>
+              </a:cxn>
+              <a:cxn ang="0">
+                <a:pos x="connsiteX1" y="connsiteY1"/>
+              </a:cxn>
+              <a:cxn ang="0">
+                <a:pos x="connsiteX2" y="connsiteY2"/>
+              </a:cxn>
+              <a:cxn ang="0">
+                <a:pos x="connsiteX3" y="connsiteY3"/>
+              </a:cxn>
+            </a:cxnLst>
+            <a:rect l="l" t="t" r="r" b="b"/>
+            <a:pathLst>
+              <a:path w="1940116" h="523453">
+                <a:moveTo>
+                  <a:pt x="513098" y="523453"/>
+                </a:moveTo>
+                <a:cubicBezTo>
+                  <a:pt x="177702" y="343632"/>
+                  <a:pt x="-157693" y="163811"/>
+                  <a:pt x="80143" y="76643"/>
+                </a:cubicBezTo>
+                <a:cubicBezTo>
+                  <a:pt x="317979" y="-10525"/>
+                  <a:pt x="1940116" y="443"/>
+                  <a:pt x="1940116" y="443"/>
+                </a:cubicBezTo>
+                <a:lnTo>
+                  <a:pt x="1940116" y="443"/>
+                </a:lnTo>
+              </a:path>
+            </a:pathLst>
+          </a:custGeom>
+          <a:noFill/>
+          <a:ln>
+            <a:solidFill>
+              <a:srgbClr val="FF0000"/>
+            </a:solidFill>
+          </a:ln>
+        </p:spPr>
+        <p:style>
+          <a:lnRef idx="2">
+            <a:schemeClr val="accent1">
+              <a:shade val="50000"/>
+            </a:schemeClr>
+          </a:lnRef>
+          <a:fillRef idx="1">
+            <a:schemeClr val="accent1"/>
+          </a:fillRef>
+          <a:effectRef idx="0">
+            <a:schemeClr val="accent1"/>
+          </a:effectRef>
+          <a:fontRef idx="minor">
+            <a:schemeClr val="lt1"/>
+          </a:fontRef>
+        </p:style>
+        <p:txBody>
+          <a:bodyPr rtlCol="0" anchor="ctr"/>
+          <a:lstStyle/>
+          <a:p>
+            <a:pPr algn="ctr"/>
+            <a:endParaRPr lang="es-CL"/>
+          </a:p>
+        </p:txBody>
+      </p:sp>
+      <p:pic>
+        <p:nvPicPr>
+          <p:cNvPr id="8" name="Imagen 7">
+            <a:extLst>
+              <a:ext uri="{FF2B5EF4-FFF2-40B4-BE49-F238E27FC236}">
+                <a16:creationId xmlns:a16="http://schemas.microsoft.com/office/drawing/2014/main" id="{81250149-3834-459D-8E03-D3A44E91D650}"/>
+              </a:ext>
+            </a:extLst>
+          </p:cNvPr>
+          <p:cNvPicPr>
+            <a:picLocks noChangeAspect="1"/>
+          </p:cNvPicPr>
+          <p:nvPr/>
+        </p:nvPicPr>
+        <p:blipFill>
+          <a:blip r:embed="rId3">
+            <a:extLst>
+              <a:ext uri="{BEBA8EAE-BF5A-486C-A8C5-ECC9F3942E4B}">
+                <a14:imgProps xmlns:a14="http://schemas.microsoft.com/office/drawing/2010/main">
+                  <a14:imgLayer r:embed="rId4">
+                    <a14:imgEffect>
+                      <a14:backgroundRemoval t="10000" b="90000" l="10000" r="90000">
+                        <a14:foregroundMark x1="42795" y1="29039" x2="42795" y2="29039"/>
+                        <a14:foregroundMark x1="43668" y1="29039" x2="43668" y2="29039"/>
+                        <a14:foregroundMark x1="43668" y1="29039" x2="44760" y2="29039"/>
+                        <a14:foregroundMark x1="44760" y1="29039" x2="44760" y2="29039"/>
+                        <a14:foregroundMark x1="24672" y1="49563" x2="24672" y2="49563"/>
+                        <a14:foregroundMark x1="13537" y1="51092" x2="13537" y2="51092"/>
+                        <a14:foregroundMark x1="27511" y1="51747" x2="27511" y2="51747"/>
+                        <a14:foregroundMark x1="11790" y1="50218" x2="11790" y2="50218"/>
+                        <a14:foregroundMark x1="14629" y1="50873" x2="14629" y2="50873"/>
+                        <a14:foregroundMark x1="17249" y1="51747" x2="17249" y2="51747"/>
+                        <a14:foregroundMark x1="19214" y1="51747" x2="19214" y2="51747"/>
+                        <a14:foregroundMark x1="21616" y1="52183" x2="21616" y2="52183"/>
+                        <a14:foregroundMark x1="12664" y1="47817" x2="12664" y2="47817"/>
+                        <a14:foregroundMark x1="68996" y1="62882" x2="68996" y2="62882"/>
+                      </a14:backgroundRemoval>
+                    </a14:imgEffect>
+                  </a14:imgLayer>
+                </a14:imgProps>
+              </a:ext>
+              <a:ext uri="{28A0092B-C50C-407E-A947-70E740481C1C}">
+                <a14:useLocalDpi xmlns:a14="http://schemas.microsoft.com/office/drawing/2010/main" val="0"/>
+              </a:ext>
+            </a:extLst>
+          </a:blip>
+          <a:stretch>
+            <a:fillRect/>
+          </a:stretch>
+        </p:blipFill>
+        <p:spPr>
+          <a:xfrm>
+            <a:off x="6698127" y="1963395"/>
+            <a:ext cx="2031753" cy="2031753"/>
+          </a:xfrm>
+          <a:prstGeom prst="rect">
+            <a:avLst/>
+          </a:prstGeom>
+        </p:spPr>
+      </p:pic>
+      <p:cxnSp>
+        <p:nvCxnSpPr>
+          <p:cNvPr id="52" name="Conector recto 51">
+            <a:extLst>
+              <a:ext uri="{FF2B5EF4-FFF2-40B4-BE49-F238E27FC236}">
+                <a16:creationId xmlns:a16="http://schemas.microsoft.com/office/drawing/2014/main" id="{BBA780CC-E29F-491C-818C-D27812C3F314}"/>
+              </a:ext>
+            </a:extLst>
+          </p:cNvPr>
+          <p:cNvCxnSpPr>
+            <a:cxnSpLocks/>
+          </p:cNvCxnSpPr>
+          <p:nvPr/>
+        </p:nvCxnSpPr>
+        <p:spPr>
+          <a:xfrm flipH="1" flipV="1">
+            <a:off x="6214138" y="3801430"/>
+            <a:ext cx="650601" cy="8635"/>
+          </a:xfrm>
+          <a:prstGeom prst="line">
+            <a:avLst/>
+          </a:prstGeom>
+          <a:ln w="19050">
+            <a:solidFill>
+              <a:schemeClr val="accent2">
+                <a:lumMod val="50000"/>
+              </a:schemeClr>
+            </a:solidFill>
+          </a:ln>
+        </p:spPr>
+        <p:style>
+          <a:lnRef idx="1">
+            <a:schemeClr val="accent1"/>
+          </a:lnRef>
+          <a:fillRef idx="0">
+            <a:schemeClr val="accent1"/>
+          </a:fillRef>
+          <a:effectRef idx="0">
+            <a:schemeClr val="accent1"/>
+          </a:effectRef>
+          <a:fontRef idx="minor">
+            <a:schemeClr val="tx1"/>
+          </a:fontRef>
+        </p:style>
+      </p:cxnSp>
+      <p:cxnSp>
+        <p:nvCxnSpPr>
+          <p:cNvPr id="58" name="Conector recto 57">
+            <a:extLst>
+              <a:ext uri="{FF2B5EF4-FFF2-40B4-BE49-F238E27FC236}">
+                <a16:creationId xmlns:a16="http://schemas.microsoft.com/office/drawing/2014/main" id="{5F83BF43-9F84-4E00-9844-11F6A4AAE1D8}"/>
+              </a:ext>
+            </a:extLst>
+          </p:cNvPr>
+          <p:cNvCxnSpPr>
+            <a:cxnSpLocks/>
+          </p:cNvCxnSpPr>
+          <p:nvPr/>
+        </p:nvCxnSpPr>
+        <p:spPr>
+          <a:xfrm flipH="1" flipV="1">
+            <a:off x="6158470" y="3655128"/>
+            <a:ext cx="738353" cy="129562"/>
+          </a:xfrm>
+          <a:prstGeom prst="line">
+            <a:avLst/>
+          </a:prstGeom>
+          <a:ln w="19050">
+            <a:solidFill>
+              <a:srgbClr val="FF0000"/>
+            </a:solidFill>
+          </a:ln>
+        </p:spPr>
+        <p:style>
+          <a:lnRef idx="1">
+            <a:schemeClr val="accent1"/>
+          </a:lnRef>
+          <a:fillRef idx="0">
+            <a:schemeClr val="accent1"/>
+          </a:fillRef>
+          <a:effectRef idx="0">
+            <a:schemeClr val="accent1"/>
+          </a:effectRef>
+          <a:fontRef idx="minor">
+            <a:schemeClr val="tx1"/>
+          </a:fontRef>
+        </p:style>
+      </p:cxnSp>
+      <p:cxnSp>
+        <p:nvCxnSpPr>
+          <p:cNvPr id="59" name="Conector recto 58">
+            <a:extLst>
+              <a:ext uri="{FF2B5EF4-FFF2-40B4-BE49-F238E27FC236}">
+                <a16:creationId xmlns:a16="http://schemas.microsoft.com/office/drawing/2014/main" id="{9AFBD3F5-13AD-452D-AE9D-00DE64376F80}"/>
+              </a:ext>
+            </a:extLst>
+          </p:cNvPr>
+          <p:cNvCxnSpPr>
+            <a:cxnSpLocks/>
+          </p:cNvCxnSpPr>
+          <p:nvPr/>
+        </p:nvCxnSpPr>
+        <p:spPr>
+          <a:xfrm flipH="1" flipV="1">
+            <a:off x="5967278" y="3548338"/>
+            <a:ext cx="894551" cy="208435"/>
+          </a:xfrm>
+          <a:prstGeom prst="line">
+            <a:avLst/>
+          </a:prstGeom>
+          <a:ln w="19050">
+            <a:solidFill>
+              <a:srgbClr val="FFFF00"/>
+            </a:solidFill>
+          </a:ln>
+        </p:spPr>
+        <p:style>
+          <a:lnRef idx="1">
+            <a:schemeClr val="accent1"/>
+          </a:lnRef>
+          <a:fillRef idx="0">
+            <a:schemeClr val="accent1"/>
+          </a:fillRef>
+          <a:effectRef idx="0">
+            <a:schemeClr val="accent1"/>
+          </a:effectRef>
+          <a:fontRef idx="minor">
+            <a:schemeClr val="tx1"/>
+          </a:fontRef>
+        </p:style>
+      </p:cxnSp>
+      <p:pic>
+        <p:nvPicPr>
+          <p:cNvPr id="61" name="Imagen 60">
+            <a:extLst>
+              <a:ext uri="{FF2B5EF4-FFF2-40B4-BE49-F238E27FC236}">
+                <a16:creationId xmlns:a16="http://schemas.microsoft.com/office/drawing/2014/main" id="{33F16D7A-C67C-4D4A-8925-3A2A6FAB2C9B}"/>
+              </a:ext>
+            </a:extLst>
+          </p:cNvPr>
+          <p:cNvPicPr>
+            <a:picLocks noChangeAspect="1"/>
+          </p:cNvPicPr>
+          <p:nvPr/>
+        </p:nvPicPr>
+        <p:blipFill>
+          <a:blip r:embed="rId3">
+            <a:extLst>
+              <a:ext uri="{BEBA8EAE-BF5A-486C-A8C5-ECC9F3942E4B}">
+                <a14:imgProps xmlns:a14="http://schemas.microsoft.com/office/drawing/2010/main">
+                  <a14:imgLayer r:embed="rId4">
+                    <a14:imgEffect>
+                      <a14:backgroundRemoval t="10000" b="90000" l="10000" r="90000">
+                        <a14:foregroundMark x1="42795" y1="29039" x2="42795" y2="29039"/>
+                        <a14:foregroundMark x1="43668" y1="29039" x2="43668" y2="29039"/>
+                        <a14:foregroundMark x1="43668" y1="29039" x2="44760" y2="29039"/>
+                        <a14:foregroundMark x1="44760" y1="29039" x2="44760" y2="29039"/>
+                        <a14:foregroundMark x1="24672" y1="49563" x2="24672" y2="49563"/>
+                        <a14:foregroundMark x1="13537" y1="51092" x2="13537" y2="51092"/>
+                        <a14:foregroundMark x1="27511" y1="51747" x2="27511" y2="51747"/>
+                        <a14:foregroundMark x1="11790" y1="50218" x2="11790" y2="50218"/>
+                        <a14:foregroundMark x1="14629" y1="50873" x2="14629" y2="50873"/>
+                        <a14:foregroundMark x1="17249" y1="51747" x2="17249" y2="51747"/>
+                        <a14:foregroundMark x1="19214" y1="51747" x2="19214" y2="51747"/>
+                        <a14:foregroundMark x1="21616" y1="52183" x2="21616" y2="52183"/>
+                        <a14:foregroundMark x1="12664" y1="47817" x2="12664" y2="47817"/>
+                        <a14:foregroundMark x1="68996" y1="62882" x2="68996" y2="62882"/>
+                      </a14:backgroundRemoval>
+                    </a14:imgEffect>
+                  </a14:imgLayer>
+                </a14:imgProps>
+              </a:ext>
+              <a:ext uri="{28A0092B-C50C-407E-A947-70E740481C1C}">
+                <a14:useLocalDpi xmlns:a14="http://schemas.microsoft.com/office/drawing/2010/main" val="0"/>
+              </a:ext>
+            </a:extLst>
+          </a:blip>
+          <a:stretch>
+            <a:fillRect/>
+          </a:stretch>
+        </p:blipFill>
+        <p:spPr>
+          <a:xfrm>
+            <a:off x="6692834" y="2806689"/>
+            <a:ext cx="2031753" cy="2031753"/>
+          </a:xfrm>
+          <a:prstGeom prst="rect">
+            <a:avLst/>
+          </a:prstGeom>
+        </p:spPr>
+      </p:pic>
+      <p:pic>
+        <p:nvPicPr>
+          <p:cNvPr id="34" name="Imagen 33">
+            <a:extLst>
+              <a:ext uri="{FF2B5EF4-FFF2-40B4-BE49-F238E27FC236}">
+                <a16:creationId xmlns:a16="http://schemas.microsoft.com/office/drawing/2014/main" id="{BFB30424-053C-4B15-990A-212BD4992AF4}"/>
+              </a:ext>
+            </a:extLst>
+          </p:cNvPr>
+          <p:cNvPicPr>
+            <a:picLocks noChangeAspect="1"/>
+          </p:cNvPicPr>
+          <p:nvPr/>
+        </p:nvPicPr>
+        <p:blipFill>
+          <a:blip r:embed="rId5">
+            <a:extLst>
+              <a:ext uri="{28A0092B-C50C-407E-A947-70E740481C1C}">
+                <a14:useLocalDpi xmlns:a14="http://schemas.microsoft.com/office/drawing/2010/main" val="0"/>
+              </a:ext>
+            </a:extLst>
+          </a:blip>
+          <a:stretch>
+            <a:fillRect/>
+          </a:stretch>
+        </p:blipFill>
+        <p:spPr>
+          <a:xfrm>
+            <a:off x="1938269" y="906268"/>
+            <a:ext cx="1130033" cy="1130033"/>
+          </a:xfrm>
+          <a:prstGeom prst="rect">
+            <a:avLst/>
+          </a:prstGeom>
+        </p:spPr>
+      </p:pic>
+      <p:pic>
+        <p:nvPicPr>
+          <p:cNvPr id="4" name="Imagen 3" descr="Imagen que contiene electrónica, circuito&#10;&#10;Descripción generada automáticamente">
+            <a:extLst>
+              <a:ext uri="{FF2B5EF4-FFF2-40B4-BE49-F238E27FC236}">
+                <a16:creationId xmlns:a16="http://schemas.microsoft.com/office/drawing/2014/main" id="{FF8BA5B3-885F-4D7C-8E58-4431181BE47C}"/>
+              </a:ext>
+            </a:extLst>
+          </p:cNvPr>
+          <p:cNvPicPr>
+            <a:picLocks noChangeAspect="1"/>
+          </p:cNvPicPr>
+          <p:nvPr/>
+        </p:nvPicPr>
+        <p:blipFill rotWithShape="1">
+          <a:blip r:embed="rId6">
+            <a:extLst>
+              <a:ext uri="{BEBA8EAE-BF5A-486C-A8C5-ECC9F3942E4B}">
+                <a14:imgProps xmlns:a14="http://schemas.microsoft.com/office/drawing/2010/main">
+                  <a14:imgLayer r:embed="rId7">
+                    <a14:imgEffect>
+                      <a14:backgroundRemoval t="25067" b="74000" l="15375" r="86750">
+                        <a14:foregroundMark x1="20375" y1="38933" x2="20375" y2="38933"/>
+                        <a14:foregroundMark x1="36750" y1="37600" x2="36750" y2="37600"/>
+                        <a14:foregroundMark x1="36750" y1="37600" x2="41000" y2="44000"/>
+                        <a14:foregroundMark x1="41000" y1="44000" x2="38000" y2="59467"/>
+                        <a14:foregroundMark x1="38000" y1="59467" x2="26625" y2="68800"/>
+                        <a14:foregroundMark x1="26625" y1="68800" x2="37625" y2="70400"/>
+                        <a14:foregroundMark x1="37625" y1="70400" x2="58000" y2="68000"/>
+                        <a14:foregroundMark x1="58000" y1="68000" x2="64875" y2="68400"/>
+                        <a14:foregroundMark x1="64875" y1="68400" x2="71625" y2="68400"/>
+                        <a14:foregroundMark x1="71625" y1="68400" x2="78500" y2="68400"/>
+                        <a14:foregroundMark x1="26250" y1="50133" x2="24625" y2="36133"/>
+                        <a14:foregroundMark x1="24625" y1="36133" x2="17750" y2="39200"/>
+                        <a14:foregroundMark x1="17750" y1="39200" x2="24375" y2="40933"/>
+                        <a14:foregroundMark x1="24375" y1="40933" x2="23125" y2="34000"/>
+                        <a14:foregroundMark x1="23125" y1="34000" x2="30250" y2="34000"/>
+                        <a14:foregroundMark x1="30250" y1="34000" x2="34250" y2="27200"/>
+                        <a14:foregroundMark x1="34250" y1="27200" x2="43375" y2="26667"/>
+                        <a14:foregroundMark x1="43375" y1="26667" x2="62250" y2="26933"/>
+                        <a14:foregroundMark x1="62250" y1="26933" x2="71500" y2="26800"/>
+                        <a14:foregroundMark x1="71500" y1="26800" x2="79375" y2="27600"/>
+                        <a14:foregroundMark x1="79375" y1="27600" x2="78500" y2="69333"/>
+                        <a14:foregroundMark x1="20375" y1="44267" x2="13500" y2="44133"/>
+                        <a14:foregroundMark x1="13500" y1="44133" x2="13375" y2="36800"/>
+                        <a14:foregroundMark x1="13375" y1="36800" x2="20125" y2="34000"/>
+                        <a14:foregroundMark x1="20125" y1="34000" x2="21500" y2="33867"/>
+                        <a14:foregroundMark x1="16250" y1="38533" x2="16250" y2="38533"/>
+                        <a14:foregroundMark x1="16250" y1="40400" x2="16250" y2="40400"/>
+                        <a14:foregroundMark x1="15375" y1="34400" x2="15375" y2="34400"/>
+                        <a14:foregroundMark x1="29500" y1="26533" x2="29500" y2="26533"/>
+                        <a14:foregroundMark x1="26375" y1="27200" x2="26375" y2="27200"/>
+                        <a14:foregroundMark x1="26375" y1="27200" x2="26625" y2="27200"/>
+                        <a14:foregroundMark x1="26625" y1="27200" x2="26625" y2="27200"/>
+                        <a14:foregroundMark x1="26625" y1="27200" x2="26625" y2="27200"/>
+                        <a14:foregroundMark x1="26625" y1="27200" x2="27500" y2="27200"/>
+                        <a14:foregroundMark x1="27500" y1="27200" x2="27500" y2="27200"/>
+                        <a14:foregroundMark x1="27500" y1="27200" x2="27500" y2="27200"/>
+                        <a14:foregroundMark x1="27500" y1="27200" x2="27500" y2="27200"/>
+                        <a14:foregroundMark x1="77250" y1="25067" x2="77250" y2="25067"/>
+                        <a14:foregroundMark x1="82500" y1="25867" x2="82500" y2="25867"/>
+                        <a14:foregroundMark x1="82500" y1="27600" x2="84000" y2="58000"/>
+                        <a14:foregroundMark x1="85000" y1="64000" x2="81750" y2="70267"/>
+                        <a14:foregroundMark x1="81750" y1="70267" x2="75625" y2="73467"/>
+                        <a14:foregroundMark x1="75625" y1="73467" x2="70125" y2="74000"/>
+                        <a14:foregroundMark x1="86750" y1="43200" x2="86750" y2="43200"/>
+                        <a14:foregroundMark x1="86375" y1="59733" x2="86375" y2="59733"/>
+                        <a14:foregroundMark x1="70000" y1="38000" x2="70000" y2="38000"/>
+                        <a14:foregroundMark x1="65500" y1="37867" x2="65500" y2="37867"/>
+                        <a14:foregroundMark x1="70875" y1="40133" x2="70875" y2="40133"/>
+                      </a14:backgroundRemoval>
+                    </a14:imgEffect>
+                  </a14:imgLayer>
+                </a14:imgProps>
+              </a:ext>
+              <a:ext uri="{28A0092B-C50C-407E-A947-70E740481C1C}">
+                <a14:useLocalDpi xmlns:a14="http://schemas.microsoft.com/office/drawing/2010/main" val="0"/>
+              </a:ext>
+            </a:extLst>
+          </a:blip>
+          <a:srcRect l="13268" t="24121" r="12581" b="24444"/>
+          <a:stretch/>
+        </p:blipFill>
+        <p:spPr>
+          <a:xfrm rot="5400000">
+            <a:off x="3227644" y="2336545"/>
+            <a:ext cx="1860177" cy="1209703"/>
+          </a:xfrm>
+          <a:prstGeom prst="rect">
+            <a:avLst/>
+          </a:prstGeom>
+        </p:spPr>
+      </p:pic>
+    </p:spTree>
+    <p:extLst>
+      <p:ext uri="{BB962C8B-B14F-4D97-AF65-F5344CB8AC3E}">
+        <p14:creationId xmlns:p14="http://schemas.microsoft.com/office/powerpoint/2010/main" val="1775923843"/>
+      </p:ext>
+    </p:extLst>
+  </p:cSld>
+  <p:clrMapOvr>
+    <a:masterClrMapping/>
+  </p:clrMapOvr>
+</p:sld>
+</file>
+
 <file path=ppt/theme/theme1.xml><?xml version="1.0" encoding="utf-8"?>
 <a:theme xmlns:a="http://schemas.openxmlformats.org/drawingml/2006/main" name="Tema de Office">
   <a:themeElements>

--- a/esquematico.pptx
+++ b/esquematico.pptx
@@ -8,6 +8,9 @@
     <p:sldId id="257" r:id="rId2"/>
     <p:sldId id="258" r:id="rId3"/>
     <p:sldId id="259" r:id="rId4"/>
+    <p:sldId id="260" r:id="rId5"/>
+    <p:sldId id="261" r:id="rId6"/>
+    <p:sldId id="262" r:id="rId7"/>
   </p:sldIdLst>
   <p:sldSz cx="12192000" cy="6858000"/>
   <p:notesSz cx="6858000" cy="9144000"/>
@@ -263,7 +266,7 @@
           <a:p>
             <a:fld id="{3393BA86-A145-4A3C-9A63-4D46CDC35197}" type="datetimeFigureOut">
               <a:rPr lang="es-CL" smtClean="0"/>
-              <a:t>14-07-2019</a:t>
+              <a:t>16-07-2019</a:t>
             </a:fld>
             <a:endParaRPr lang="es-CL"/>
           </a:p>
@@ -463,7 +466,7 @@
           <a:p>
             <a:fld id="{3393BA86-A145-4A3C-9A63-4D46CDC35197}" type="datetimeFigureOut">
               <a:rPr lang="es-CL" smtClean="0"/>
-              <a:t>14-07-2019</a:t>
+              <a:t>16-07-2019</a:t>
             </a:fld>
             <a:endParaRPr lang="es-CL"/>
           </a:p>
@@ -673,7 +676,7 @@
           <a:p>
             <a:fld id="{3393BA86-A145-4A3C-9A63-4D46CDC35197}" type="datetimeFigureOut">
               <a:rPr lang="es-CL" smtClean="0"/>
-              <a:t>14-07-2019</a:t>
+              <a:t>16-07-2019</a:t>
             </a:fld>
             <a:endParaRPr lang="es-CL"/>
           </a:p>
@@ -873,7 +876,7 @@
           <a:p>
             <a:fld id="{3393BA86-A145-4A3C-9A63-4D46CDC35197}" type="datetimeFigureOut">
               <a:rPr lang="es-CL" smtClean="0"/>
-              <a:t>14-07-2019</a:t>
+              <a:t>16-07-2019</a:t>
             </a:fld>
             <a:endParaRPr lang="es-CL"/>
           </a:p>
@@ -1149,7 +1152,7 @@
           <a:p>
             <a:fld id="{3393BA86-A145-4A3C-9A63-4D46CDC35197}" type="datetimeFigureOut">
               <a:rPr lang="es-CL" smtClean="0"/>
-              <a:t>14-07-2019</a:t>
+              <a:t>16-07-2019</a:t>
             </a:fld>
             <a:endParaRPr lang="es-CL"/>
           </a:p>
@@ -1417,7 +1420,7 @@
           <a:p>
             <a:fld id="{3393BA86-A145-4A3C-9A63-4D46CDC35197}" type="datetimeFigureOut">
               <a:rPr lang="es-CL" smtClean="0"/>
-              <a:t>14-07-2019</a:t>
+              <a:t>16-07-2019</a:t>
             </a:fld>
             <a:endParaRPr lang="es-CL"/>
           </a:p>
@@ -1832,7 +1835,7 @@
           <a:p>
             <a:fld id="{3393BA86-A145-4A3C-9A63-4D46CDC35197}" type="datetimeFigureOut">
               <a:rPr lang="es-CL" smtClean="0"/>
-              <a:t>14-07-2019</a:t>
+              <a:t>16-07-2019</a:t>
             </a:fld>
             <a:endParaRPr lang="es-CL"/>
           </a:p>
@@ -1974,7 +1977,7 @@
           <a:p>
             <a:fld id="{3393BA86-A145-4A3C-9A63-4D46CDC35197}" type="datetimeFigureOut">
               <a:rPr lang="es-CL" smtClean="0"/>
-              <a:t>14-07-2019</a:t>
+              <a:t>16-07-2019</a:t>
             </a:fld>
             <a:endParaRPr lang="es-CL"/>
           </a:p>
@@ -2087,7 +2090,7 @@
           <a:p>
             <a:fld id="{3393BA86-A145-4A3C-9A63-4D46CDC35197}" type="datetimeFigureOut">
               <a:rPr lang="es-CL" smtClean="0"/>
-              <a:t>14-07-2019</a:t>
+              <a:t>16-07-2019</a:t>
             </a:fld>
             <a:endParaRPr lang="es-CL"/>
           </a:p>
@@ -2400,7 +2403,7 @@
           <a:p>
             <a:fld id="{3393BA86-A145-4A3C-9A63-4D46CDC35197}" type="datetimeFigureOut">
               <a:rPr lang="es-CL" smtClean="0"/>
-              <a:t>14-07-2019</a:t>
+              <a:t>16-07-2019</a:t>
             </a:fld>
             <a:endParaRPr lang="es-CL"/>
           </a:p>
@@ -2689,7 +2692,7 @@
           <a:p>
             <a:fld id="{3393BA86-A145-4A3C-9A63-4D46CDC35197}" type="datetimeFigureOut">
               <a:rPr lang="es-CL" smtClean="0"/>
-              <a:t>14-07-2019</a:t>
+              <a:t>16-07-2019</a:t>
             </a:fld>
             <a:endParaRPr lang="es-CL"/>
           </a:p>
@@ -2932,7 +2935,7 @@
           <a:p>
             <a:fld id="{3393BA86-A145-4A3C-9A63-4D46CDC35197}" type="datetimeFigureOut">
               <a:rPr lang="es-CL" smtClean="0"/>
-              <a:t>14-07-2019</a:t>
+              <a:t>16-07-2019</a:t>
             </a:fld>
             <a:endParaRPr lang="es-CL"/>
           </a:p>
@@ -6250,6 +6253,3018 @@
 </p:sld>
 </file>
 
+<file path=ppt/slides/slide4.xml><?xml version="1.0" encoding="utf-8"?>
+<p:sld xmlns:a="http://schemas.openxmlformats.org/drawingml/2006/main" xmlns:r="http://schemas.openxmlformats.org/officeDocument/2006/relationships" xmlns:p="http://schemas.openxmlformats.org/presentationml/2006/main">
+  <p:cSld>
+    <p:spTree>
+      <p:nvGrpSpPr>
+        <p:cNvPr id="1" name=""/>
+        <p:cNvGrpSpPr/>
+        <p:nvPr/>
+      </p:nvGrpSpPr>
+      <p:grpSpPr>
+        <a:xfrm>
+          <a:off x="0" y="0"/>
+          <a:ext cx="0" cy="0"/>
+          <a:chOff x="0" y="0"/>
+          <a:chExt cx="0" cy="0"/>
+        </a:xfrm>
+      </p:grpSpPr>
+      <p:grpSp>
+        <p:nvGrpSpPr>
+          <p:cNvPr id="42" name="Grupo 41">
+            <a:extLst>
+              <a:ext uri="{FF2B5EF4-FFF2-40B4-BE49-F238E27FC236}">
+                <a16:creationId xmlns:a16="http://schemas.microsoft.com/office/drawing/2014/main" id="{E29EF9CB-88CB-4A28-A3B6-73CED190BD42}"/>
+              </a:ext>
+            </a:extLst>
+          </p:cNvPr>
+          <p:cNvGrpSpPr/>
+          <p:nvPr/>
+        </p:nvGrpSpPr>
+        <p:grpSpPr>
+          <a:xfrm>
+            <a:off x="2413518" y="1023453"/>
+            <a:ext cx="7742904" cy="5880910"/>
+            <a:chOff x="2413518" y="1023453"/>
+            <a:chExt cx="7742904" cy="5880910"/>
+          </a:xfrm>
+        </p:grpSpPr>
+        <p:cxnSp>
+          <p:nvCxnSpPr>
+            <p:cNvPr id="4" name="Conector recto 3">
+              <a:extLst>
+                <a:ext uri="{FF2B5EF4-FFF2-40B4-BE49-F238E27FC236}">
+                  <a16:creationId xmlns:a16="http://schemas.microsoft.com/office/drawing/2014/main" id="{951BFDBC-1CF5-4102-BBFA-070B7AA4A68C}"/>
+                </a:ext>
+              </a:extLst>
+            </p:cNvPr>
+            <p:cNvCxnSpPr>
+              <a:cxnSpLocks/>
+            </p:cNvCxnSpPr>
+            <p:nvPr/>
+          </p:nvCxnSpPr>
+          <p:spPr>
+            <a:xfrm>
+              <a:off x="4762500" y="5181669"/>
+              <a:ext cx="3916680" cy="1163387"/>
+            </a:xfrm>
+            <a:prstGeom prst="line">
+              <a:avLst/>
+            </a:prstGeom>
+            <a:ln w="19050">
+              <a:solidFill>
+                <a:srgbClr val="0070C0"/>
+              </a:solidFill>
+            </a:ln>
+          </p:spPr>
+          <p:style>
+            <a:lnRef idx="1">
+              <a:schemeClr val="accent1"/>
+            </a:lnRef>
+            <a:fillRef idx="0">
+              <a:schemeClr val="accent1"/>
+            </a:fillRef>
+            <a:effectRef idx="0">
+              <a:schemeClr val="accent1"/>
+            </a:effectRef>
+            <a:fontRef idx="minor">
+              <a:schemeClr val="tx1"/>
+            </a:fontRef>
+          </p:style>
+        </p:cxnSp>
+        <p:cxnSp>
+          <p:nvCxnSpPr>
+            <p:cNvPr id="5" name="Conector recto 4">
+              <a:extLst>
+                <a:ext uri="{FF2B5EF4-FFF2-40B4-BE49-F238E27FC236}">
+                  <a16:creationId xmlns:a16="http://schemas.microsoft.com/office/drawing/2014/main" id="{60E17E9C-6400-4E00-A759-04152A0A6C76}"/>
+                </a:ext>
+              </a:extLst>
+            </p:cNvPr>
+            <p:cNvCxnSpPr>
+              <a:cxnSpLocks/>
+            </p:cNvCxnSpPr>
+            <p:nvPr/>
+          </p:nvCxnSpPr>
+          <p:spPr>
+            <a:xfrm>
+              <a:off x="4762500" y="5058507"/>
+              <a:ext cx="3916680" cy="1221779"/>
+            </a:xfrm>
+            <a:prstGeom prst="line">
+              <a:avLst/>
+            </a:prstGeom>
+            <a:ln w="19050">
+              <a:solidFill>
+                <a:srgbClr val="FFFF00"/>
+              </a:solidFill>
+            </a:ln>
+          </p:spPr>
+          <p:style>
+            <a:lnRef idx="1">
+              <a:schemeClr val="accent1"/>
+            </a:lnRef>
+            <a:fillRef idx="0">
+              <a:schemeClr val="accent1"/>
+            </a:fillRef>
+            <a:effectRef idx="0">
+              <a:schemeClr val="accent1"/>
+            </a:effectRef>
+            <a:fontRef idx="minor">
+              <a:schemeClr val="tx1"/>
+            </a:fontRef>
+          </p:style>
+        </p:cxnSp>
+        <p:cxnSp>
+          <p:nvCxnSpPr>
+            <p:cNvPr id="6" name="Conector recto 5">
+              <a:extLst>
+                <a:ext uri="{FF2B5EF4-FFF2-40B4-BE49-F238E27FC236}">
+                  <a16:creationId xmlns:a16="http://schemas.microsoft.com/office/drawing/2014/main" id="{E6F0D659-DA79-4EE3-969A-AC832B46C641}"/>
+                </a:ext>
+              </a:extLst>
+            </p:cNvPr>
+            <p:cNvCxnSpPr>
+              <a:cxnSpLocks/>
+            </p:cNvCxnSpPr>
+            <p:nvPr/>
+          </p:nvCxnSpPr>
+          <p:spPr>
+            <a:xfrm>
+              <a:off x="4808220" y="4983098"/>
+              <a:ext cx="3939540" cy="1244230"/>
+            </a:xfrm>
+            <a:prstGeom prst="line">
+              <a:avLst/>
+            </a:prstGeom>
+            <a:ln w="19050">
+              <a:solidFill>
+                <a:srgbClr val="00B050"/>
+              </a:solidFill>
+            </a:ln>
+          </p:spPr>
+          <p:style>
+            <a:lnRef idx="1">
+              <a:schemeClr val="accent1"/>
+            </a:lnRef>
+            <a:fillRef idx="0">
+              <a:schemeClr val="accent1"/>
+            </a:fillRef>
+            <a:effectRef idx="0">
+              <a:schemeClr val="accent1"/>
+            </a:effectRef>
+            <a:fontRef idx="minor">
+              <a:schemeClr val="tx1"/>
+            </a:fontRef>
+          </p:style>
+        </p:cxnSp>
+        <p:pic>
+          <p:nvPicPr>
+            <p:cNvPr id="7" name="Imagen 6" descr="Imagen que contiene electrónica, circuito&#10;&#10;Descripción generada automáticamente">
+              <a:extLst>
+                <a:ext uri="{FF2B5EF4-FFF2-40B4-BE49-F238E27FC236}">
+                  <a16:creationId xmlns:a16="http://schemas.microsoft.com/office/drawing/2014/main" id="{A1E3B6E9-8557-452F-8F9F-378CBEC4A538}"/>
+                </a:ext>
+              </a:extLst>
+            </p:cNvPr>
+            <p:cNvPicPr>
+              <a:picLocks noChangeAspect="1"/>
+            </p:cNvPicPr>
+            <p:nvPr/>
+          </p:nvPicPr>
+          <p:blipFill>
+            <a:blip r:embed="rId2">
+              <a:extLst>
+                <a:ext uri="{28A0092B-C50C-407E-A947-70E740481C1C}">
+                  <a14:useLocalDpi xmlns:a14="http://schemas.microsoft.com/office/drawing/2010/main" val="0"/>
+                </a:ext>
+              </a:extLst>
+            </a:blip>
+            <a:stretch>
+              <a:fillRect/>
+            </a:stretch>
+          </p:blipFill>
+          <p:spPr>
+            <a:xfrm rot="5400000">
+              <a:off x="3021504" y="1285794"/>
+              <a:ext cx="2098734" cy="1574051"/>
+            </a:xfrm>
+            <a:prstGeom prst="rect">
+              <a:avLst/>
+            </a:prstGeom>
+          </p:spPr>
+        </p:pic>
+        <p:pic>
+          <p:nvPicPr>
+            <p:cNvPr id="8" name="Imagen 7" descr="Imagen que contiene tarta&#10;&#10;Descripción generada automáticamente">
+              <a:extLst>
+                <a:ext uri="{FF2B5EF4-FFF2-40B4-BE49-F238E27FC236}">
+                  <a16:creationId xmlns:a16="http://schemas.microsoft.com/office/drawing/2014/main" id="{8F6C2985-E6C9-4FD8-91B6-B23C898657D8}"/>
+                </a:ext>
+              </a:extLst>
+            </p:cNvPr>
+            <p:cNvPicPr>
+              <a:picLocks noChangeAspect="1"/>
+            </p:cNvPicPr>
+            <p:nvPr/>
+          </p:nvPicPr>
+          <p:blipFill rotWithShape="1">
+            <a:blip r:embed="rId3">
+              <a:extLst>
+                <a:ext uri="{28A0092B-C50C-407E-A947-70E740481C1C}">
+                  <a14:useLocalDpi xmlns:a14="http://schemas.microsoft.com/office/drawing/2010/main" val="0"/>
+                </a:ext>
+              </a:extLst>
+            </a:blip>
+            <a:srcRect l="-2445" r="22441"/>
+            <a:stretch/>
+          </p:blipFill>
+          <p:spPr>
+            <a:xfrm rot="5400000">
+              <a:off x="3924453" y="2046919"/>
+              <a:ext cx="3373763" cy="1332895"/>
+            </a:xfrm>
+            <a:prstGeom prst="rect">
+              <a:avLst/>
+            </a:prstGeom>
+          </p:spPr>
+        </p:pic>
+        <p:sp>
+          <p:nvSpPr>
+            <p:cNvPr id="9" name="Forma libre: forma 8">
+              <a:extLst>
+                <a:ext uri="{FF2B5EF4-FFF2-40B4-BE49-F238E27FC236}">
+                  <a16:creationId xmlns:a16="http://schemas.microsoft.com/office/drawing/2014/main" id="{FF96BCCF-F377-4458-A391-02EB6A748999}"/>
+                </a:ext>
+              </a:extLst>
+            </p:cNvPr>
+            <p:cNvSpPr/>
+            <p:nvPr/>
+          </p:nvSpPr>
+          <p:spPr>
+            <a:xfrm>
+              <a:off x="4988800" y="1058964"/>
+              <a:ext cx="1169670" cy="301393"/>
+            </a:xfrm>
+            <a:custGeom>
+              <a:avLst/>
+              <a:gdLst>
+                <a:gd name="connsiteX0" fmla="*/ 0 w 1169670"/>
+                <a:gd name="connsiteY0" fmla="*/ 346710 h 346710"/>
+                <a:gd name="connsiteX1" fmla="*/ 628650 w 1169670"/>
+                <a:gd name="connsiteY1" fmla="*/ 0 h 346710"/>
+                <a:gd name="connsiteX2" fmla="*/ 1169670 w 1169670"/>
+                <a:gd name="connsiteY2" fmla="*/ 346710 h 346710"/>
+              </a:gdLst>
+              <a:ahLst/>
+              <a:cxnLst>
+                <a:cxn ang="0">
+                  <a:pos x="connsiteX0" y="connsiteY0"/>
+                </a:cxn>
+                <a:cxn ang="0">
+                  <a:pos x="connsiteX1" y="connsiteY1"/>
+                </a:cxn>
+                <a:cxn ang="0">
+                  <a:pos x="connsiteX2" y="connsiteY2"/>
+                </a:cxn>
+              </a:cxnLst>
+              <a:rect l="l" t="t" r="r" b="b"/>
+              <a:pathLst>
+                <a:path w="1169670" h="346710">
+                  <a:moveTo>
+                    <a:pt x="0" y="346710"/>
+                  </a:moveTo>
+                  <a:cubicBezTo>
+                    <a:pt x="216852" y="173355"/>
+                    <a:pt x="433705" y="0"/>
+                    <a:pt x="628650" y="0"/>
+                  </a:cubicBezTo>
+                  <a:cubicBezTo>
+                    <a:pt x="823595" y="0"/>
+                    <a:pt x="1084580" y="262255"/>
+                    <a:pt x="1169670" y="346710"/>
+                  </a:cubicBezTo>
+                </a:path>
+              </a:pathLst>
+            </a:custGeom>
+            <a:noFill/>
+            <a:ln>
+              <a:solidFill>
+                <a:srgbClr val="FF0000"/>
+              </a:solidFill>
+            </a:ln>
+          </p:spPr>
+          <p:style>
+            <a:lnRef idx="2">
+              <a:schemeClr val="accent1">
+                <a:shade val="50000"/>
+              </a:schemeClr>
+            </a:lnRef>
+            <a:fillRef idx="1">
+              <a:schemeClr val="accent1"/>
+            </a:fillRef>
+            <a:effectRef idx="0">
+              <a:schemeClr val="accent1"/>
+            </a:effectRef>
+            <a:fontRef idx="minor">
+              <a:schemeClr val="lt1"/>
+            </a:fontRef>
+          </p:style>
+          <p:txBody>
+            <a:bodyPr rtlCol="0" anchor="ctr"/>
+            <a:lstStyle/>
+            <a:p>
+              <a:pPr algn="ctr"/>
+              <a:endParaRPr lang="es-CL"/>
+            </a:p>
+          </p:txBody>
+        </p:sp>
+        <p:sp>
+          <p:nvSpPr>
+            <p:cNvPr id="10" name="Forma libre: forma 9">
+              <a:extLst>
+                <a:ext uri="{FF2B5EF4-FFF2-40B4-BE49-F238E27FC236}">
+                  <a16:creationId xmlns:a16="http://schemas.microsoft.com/office/drawing/2014/main" id="{9D25374D-FD18-4B1D-B838-03BCEE184215}"/>
+                </a:ext>
+              </a:extLst>
+            </p:cNvPr>
+            <p:cNvSpPr/>
+            <p:nvPr/>
+          </p:nvSpPr>
+          <p:spPr>
+            <a:xfrm>
+              <a:off x="5061190" y="1097459"/>
+              <a:ext cx="1158240" cy="270519"/>
+            </a:xfrm>
+            <a:custGeom>
+              <a:avLst/>
+              <a:gdLst>
+                <a:gd name="connsiteX0" fmla="*/ 0 w 1158240"/>
+                <a:gd name="connsiteY0" fmla="*/ 262899 h 270519"/>
+                <a:gd name="connsiteX1" fmla="*/ 590550 w 1158240"/>
+                <a:gd name="connsiteY1" fmla="*/ 9 h 270519"/>
+                <a:gd name="connsiteX2" fmla="*/ 1158240 w 1158240"/>
+                <a:gd name="connsiteY2" fmla="*/ 270519 h 270519"/>
+              </a:gdLst>
+              <a:ahLst/>
+              <a:cxnLst>
+                <a:cxn ang="0">
+                  <a:pos x="connsiteX0" y="connsiteY0"/>
+                </a:cxn>
+                <a:cxn ang="0">
+                  <a:pos x="connsiteX1" y="connsiteY1"/>
+                </a:cxn>
+                <a:cxn ang="0">
+                  <a:pos x="connsiteX2" y="connsiteY2"/>
+                </a:cxn>
+              </a:cxnLst>
+              <a:rect l="l" t="t" r="r" b="b"/>
+              <a:pathLst>
+                <a:path w="1158240" h="270519">
+                  <a:moveTo>
+                    <a:pt x="0" y="262899"/>
+                  </a:moveTo>
+                  <a:cubicBezTo>
+                    <a:pt x="198755" y="130819"/>
+                    <a:pt x="397510" y="-1261"/>
+                    <a:pt x="590550" y="9"/>
+                  </a:cubicBezTo>
+                  <a:cubicBezTo>
+                    <a:pt x="783590" y="1279"/>
+                    <a:pt x="1033780" y="227339"/>
+                    <a:pt x="1158240" y="270519"/>
+                  </a:cubicBezTo>
+                </a:path>
+              </a:pathLst>
+            </a:custGeom>
+            <a:noFill/>
+            <a:ln>
+              <a:solidFill>
+                <a:schemeClr val="tx1"/>
+              </a:solidFill>
+            </a:ln>
+          </p:spPr>
+          <p:style>
+            <a:lnRef idx="2">
+              <a:schemeClr val="accent1">
+                <a:shade val="50000"/>
+              </a:schemeClr>
+            </a:lnRef>
+            <a:fillRef idx="1">
+              <a:schemeClr val="accent1"/>
+            </a:fillRef>
+            <a:effectRef idx="0">
+              <a:schemeClr val="accent1"/>
+            </a:effectRef>
+            <a:fontRef idx="minor">
+              <a:schemeClr val="lt1"/>
+            </a:fontRef>
+          </p:style>
+          <p:txBody>
+            <a:bodyPr rtlCol="0" anchor="ctr"/>
+            <a:lstStyle/>
+            <a:p>
+              <a:pPr algn="ctr"/>
+              <a:endParaRPr lang="es-CL"/>
+            </a:p>
+          </p:txBody>
+        </p:sp>
+        <p:sp>
+          <p:nvSpPr>
+            <p:cNvPr id="21" name="Forma libre: forma 20">
+              <a:extLst>
+                <a:ext uri="{FF2B5EF4-FFF2-40B4-BE49-F238E27FC236}">
+                  <a16:creationId xmlns:a16="http://schemas.microsoft.com/office/drawing/2014/main" id="{CA81EDB8-E96D-41A4-9A2D-4EEE5DA52A5C}"/>
+                </a:ext>
+              </a:extLst>
+            </p:cNvPr>
+            <p:cNvSpPr/>
+            <p:nvPr/>
+          </p:nvSpPr>
+          <p:spPr>
+            <a:xfrm>
+              <a:off x="3019773" y="1499893"/>
+              <a:ext cx="1975426" cy="671365"/>
+            </a:xfrm>
+            <a:custGeom>
+              <a:avLst/>
+              <a:gdLst>
+                <a:gd name="connsiteX0" fmla="*/ 382846 w 1975426"/>
+                <a:gd name="connsiteY0" fmla="*/ 671365 h 671365"/>
+                <a:gd name="connsiteX1" fmla="*/ 17086 w 1975426"/>
+                <a:gd name="connsiteY1" fmla="*/ 202735 h 671365"/>
+                <a:gd name="connsiteX2" fmla="*/ 264736 w 1975426"/>
+                <a:gd name="connsiteY2" fmla="*/ 54145 h 671365"/>
+                <a:gd name="connsiteX3" fmla="*/ 1975426 w 1975426"/>
+                <a:gd name="connsiteY3" fmla="*/ 805 h 671365"/>
+              </a:gdLst>
+              <a:ahLst/>
+              <a:cxnLst>
+                <a:cxn ang="0">
+                  <a:pos x="connsiteX0" y="connsiteY0"/>
+                </a:cxn>
+                <a:cxn ang="0">
+                  <a:pos x="connsiteX1" y="connsiteY1"/>
+                </a:cxn>
+                <a:cxn ang="0">
+                  <a:pos x="connsiteX2" y="connsiteY2"/>
+                </a:cxn>
+                <a:cxn ang="0">
+                  <a:pos x="connsiteX3" y="connsiteY3"/>
+                </a:cxn>
+              </a:cxnLst>
+              <a:rect l="l" t="t" r="r" b="b"/>
+              <a:pathLst>
+                <a:path w="1975426" h="671365">
+                  <a:moveTo>
+                    <a:pt x="382846" y="671365"/>
+                  </a:moveTo>
+                  <a:cubicBezTo>
+                    <a:pt x="209808" y="488485"/>
+                    <a:pt x="36771" y="305605"/>
+                    <a:pt x="17086" y="202735"/>
+                  </a:cubicBezTo>
+                  <a:cubicBezTo>
+                    <a:pt x="-2599" y="99865"/>
+                    <a:pt x="-61654" y="87800"/>
+                    <a:pt x="264736" y="54145"/>
+                  </a:cubicBezTo>
+                  <a:cubicBezTo>
+                    <a:pt x="591126" y="20490"/>
+                    <a:pt x="1694121" y="-4910"/>
+                    <a:pt x="1975426" y="805"/>
+                  </a:cubicBezTo>
+                </a:path>
+              </a:pathLst>
+            </a:custGeom>
+            <a:noFill/>
+            <a:ln>
+              <a:solidFill>
+                <a:srgbClr val="FF0000"/>
+              </a:solidFill>
+            </a:ln>
+          </p:spPr>
+          <p:style>
+            <a:lnRef idx="2">
+              <a:schemeClr val="accent1">
+                <a:shade val="50000"/>
+              </a:schemeClr>
+            </a:lnRef>
+            <a:fillRef idx="1">
+              <a:schemeClr val="accent1"/>
+            </a:fillRef>
+            <a:effectRef idx="0">
+              <a:schemeClr val="accent1"/>
+            </a:effectRef>
+            <a:fontRef idx="minor">
+              <a:schemeClr val="lt1"/>
+            </a:fontRef>
+          </p:style>
+          <p:txBody>
+            <a:bodyPr rtlCol="0" anchor="ctr"/>
+            <a:lstStyle/>
+            <a:p>
+              <a:pPr algn="ctr"/>
+              <a:endParaRPr lang="es-CL"/>
+            </a:p>
+          </p:txBody>
+        </p:sp>
+        <p:cxnSp>
+          <p:nvCxnSpPr>
+            <p:cNvPr id="22" name="Conector recto 21">
+              <a:extLst>
+                <a:ext uri="{FF2B5EF4-FFF2-40B4-BE49-F238E27FC236}">
+                  <a16:creationId xmlns:a16="http://schemas.microsoft.com/office/drawing/2014/main" id="{4C2494BA-CE7B-4B26-976E-83CE88CB9055}"/>
+                </a:ext>
+              </a:extLst>
+            </p:cNvPr>
+            <p:cNvCxnSpPr>
+              <a:cxnSpLocks/>
+            </p:cNvCxnSpPr>
+            <p:nvPr/>
+          </p:nvCxnSpPr>
+          <p:spPr>
+            <a:xfrm>
+              <a:off x="4762500" y="4865370"/>
+              <a:ext cx="3589020" cy="1169670"/>
+            </a:xfrm>
+            <a:prstGeom prst="line">
+              <a:avLst/>
+            </a:prstGeom>
+            <a:ln w="19050">
+              <a:solidFill>
+                <a:srgbClr val="FF0000"/>
+              </a:solidFill>
+            </a:ln>
+          </p:spPr>
+          <p:style>
+            <a:lnRef idx="1">
+              <a:schemeClr val="accent1"/>
+            </a:lnRef>
+            <a:fillRef idx="0">
+              <a:schemeClr val="accent1"/>
+            </a:fillRef>
+            <a:effectRef idx="0">
+              <a:schemeClr val="accent1"/>
+            </a:effectRef>
+            <a:fontRef idx="minor">
+              <a:schemeClr val="tx1"/>
+            </a:fontRef>
+          </p:style>
+        </p:cxnSp>
+        <p:cxnSp>
+          <p:nvCxnSpPr>
+            <p:cNvPr id="23" name="Conector recto 22">
+              <a:extLst>
+                <a:ext uri="{FF2B5EF4-FFF2-40B4-BE49-F238E27FC236}">
+                  <a16:creationId xmlns:a16="http://schemas.microsoft.com/office/drawing/2014/main" id="{329F7E38-0DFE-4E73-A789-3308CD9A81AE}"/>
+                </a:ext>
+              </a:extLst>
+            </p:cNvPr>
+            <p:cNvCxnSpPr>
+              <a:cxnSpLocks/>
+            </p:cNvCxnSpPr>
+            <p:nvPr/>
+          </p:nvCxnSpPr>
+          <p:spPr>
+            <a:xfrm flipV="1">
+              <a:off x="4680734" y="1816928"/>
+              <a:ext cx="380456" cy="22860"/>
+            </a:xfrm>
+            <a:prstGeom prst="line">
+              <a:avLst/>
+            </a:prstGeom>
+            <a:ln w="12700">
+              <a:solidFill>
+                <a:schemeClr val="tx1"/>
+              </a:solidFill>
+            </a:ln>
+          </p:spPr>
+          <p:style>
+            <a:lnRef idx="1">
+              <a:schemeClr val="accent1"/>
+            </a:lnRef>
+            <a:fillRef idx="0">
+              <a:schemeClr val="accent1"/>
+            </a:fillRef>
+            <a:effectRef idx="0">
+              <a:schemeClr val="accent1"/>
+            </a:effectRef>
+            <a:fontRef idx="minor">
+              <a:schemeClr val="tx1"/>
+            </a:fontRef>
+          </p:style>
+        </p:cxnSp>
+        <p:pic>
+          <p:nvPicPr>
+            <p:cNvPr id="24" name="Imagen 23" descr="Imagen que contiene electrónica&#10;&#10;Descripción generada automáticamente">
+              <a:extLst>
+                <a:ext uri="{FF2B5EF4-FFF2-40B4-BE49-F238E27FC236}">
+                  <a16:creationId xmlns:a16="http://schemas.microsoft.com/office/drawing/2014/main" id="{1B7B5A52-FB1F-4FF6-825C-CCAB6563AD20}"/>
+                </a:ext>
+              </a:extLst>
+            </p:cNvPr>
+            <p:cNvPicPr>
+              <a:picLocks noChangeAspect="1"/>
+            </p:cNvPicPr>
+            <p:nvPr/>
+          </p:nvPicPr>
+          <p:blipFill>
+            <a:blip r:embed="rId4">
+              <a:extLst>
+                <a:ext uri="{BEBA8EAE-BF5A-486C-A8C5-ECC9F3942E4B}">
+                  <a14:imgProps xmlns:a14="http://schemas.microsoft.com/office/drawing/2010/main">
+                    <a14:imgLayer r:embed="rId5">
+                      <a14:imgEffect>
+                        <a14:backgroundRemoval t="10000" b="90000" l="10000" r="90000">
+                          <a14:foregroundMark x1="49574" y1="38394" x2="49574" y2="38394"/>
+                        </a14:backgroundRemoval>
+                      </a14:imgEffect>
+                    </a14:imgLayer>
+                  </a14:imgProps>
+                </a:ext>
+                <a:ext uri="{28A0092B-C50C-407E-A947-70E740481C1C}">
+                  <a14:useLocalDpi xmlns:a14="http://schemas.microsoft.com/office/drawing/2010/main" val="0"/>
+                </a:ext>
+              </a:extLst>
+            </a:blip>
+            <a:stretch>
+              <a:fillRect/>
+            </a:stretch>
+          </p:blipFill>
+          <p:spPr>
+            <a:xfrm>
+              <a:off x="7513078" y="3819711"/>
+              <a:ext cx="2643344" cy="3084652"/>
+            </a:xfrm>
+            <a:prstGeom prst="rect">
+              <a:avLst/>
+            </a:prstGeom>
+          </p:spPr>
+        </p:pic>
+        <p:pic>
+          <p:nvPicPr>
+            <p:cNvPr id="25" name="Imagen 24" descr="Imagen que contiene objeto, máquina de escribir&#10;&#10;Descripción generada automáticamente">
+              <a:extLst>
+                <a:ext uri="{FF2B5EF4-FFF2-40B4-BE49-F238E27FC236}">
+                  <a16:creationId xmlns:a16="http://schemas.microsoft.com/office/drawing/2014/main" id="{612CE4AC-0595-49DC-BC07-58FA91CF99C0}"/>
+                </a:ext>
+              </a:extLst>
+            </p:cNvPr>
+            <p:cNvPicPr>
+              <a:picLocks noChangeAspect="1"/>
+            </p:cNvPicPr>
+            <p:nvPr/>
+          </p:nvPicPr>
+          <p:blipFill rotWithShape="1">
+            <a:blip r:embed="rId6">
+              <a:extLst>
+                <a:ext uri="{28A0092B-C50C-407E-A947-70E740481C1C}">
+                  <a14:useLocalDpi xmlns:a14="http://schemas.microsoft.com/office/drawing/2010/main" val="0"/>
+                </a:ext>
+              </a:extLst>
+            </a:blip>
+            <a:srcRect l="15583" t="26473" r="8324" b="17525"/>
+            <a:stretch/>
+          </p:blipFill>
+          <p:spPr>
+            <a:xfrm rot="16200000">
+              <a:off x="6346416" y="3812548"/>
+              <a:ext cx="1800417" cy="744687"/>
+            </a:xfrm>
+            <a:prstGeom prst="rect">
+              <a:avLst/>
+            </a:prstGeom>
+          </p:spPr>
+        </p:pic>
+        <p:cxnSp>
+          <p:nvCxnSpPr>
+            <p:cNvPr id="26" name="Conector recto 25">
+              <a:extLst>
+                <a:ext uri="{FF2B5EF4-FFF2-40B4-BE49-F238E27FC236}">
+                  <a16:creationId xmlns:a16="http://schemas.microsoft.com/office/drawing/2014/main" id="{44A76F39-6C79-459C-985A-0AF132D17EFD}"/>
+                </a:ext>
+              </a:extLst>
+            </p:cNvPr>
+            <p:cNvCxnSpPr>
+              <a:cxnSpLocks/>
+            </p:cNvCxnSpPr>
+            <p:nvPr/>
+          </p:nvCxnSpPr>
+          <p:spPr>
+            <a:xfrm flipH="1" flipV="1">
+              <a:off x="6219430" y="3883495"/>
+              <a:ext cx="1201603" cy="58039"/>
+            </a:xfrm>
+            <a:prstGeom prst="line">
+              <a:avLst/>
+            </a:prstGeom>
+            <a:ln w="19050">
+              <a:solidFill>
+                <a:schemeClr val="tx1"/>
+              </a:solidFill>
+            </a:ln>
+          </p:spPr>
+          <p:style>
+            <a:lnRef idx="1">
+              <a:schemeClr val="accent1"/>
+            </a:lnRef>
+            <a:fillRef idx="0">
+              <a:schemeClr val="accent1"/>
+            </a:fillRef>
+            <a:effectRef idx="0">
+              <a:schemeClr val="accent1"/>
+            </a:effectRef>
+            <a:fontRef idx="minor">
+              <a:schemeClr val="tx1"/>
+            </a:fontRef>
+          </p:style>
+        </p:cxnSp>
+        <p:cxnSp>
+          <p:nvCxnSpPr>
+            <p:cNvPr id="27" name="Conector recto 26">
+              <a:extLst>
+                <a:ext uri="{FF2B5EF4-FFF2-40B4-BE49-F238E27FC236}">
+                  <a16:creationId xmlns:a16="http://schemas.microsoft.com/office/drawing/2014/main" id="{9CA08C21-6B87-4AC0-865B-2D314A81673B}"/>
+                </a:ext>
+              </a:extLst>
+            </p:cNvPr>
+            <p:cNvCxnSpPr>
+              <a:cxnSpLocks/>
+            </p:cNvCxnSpPr>
+            <p:nvPr/>
+          </p:nvCxnSpPr>
+          <p:spPr>
+            <a:xfrm flipH="1" flipV="1">
+              <a:off x="6219430" y="3758185"/>
+              <a:ext cx="1235472" cy="34168"/>
+            </a:xfrm>
+            <a:prstGeom prst="line">
+              <a:avLst/>
+            </a:prstGeom>
+            <a:ln w="19050">
+              <a:solidFill>
+                <a:schemeClr val="tx1"/>
+              </a:solidFill>
+            </a:ln>
+          </p:spPr>
+          <p:style>
+            <a:lnRef idx="1">
+              <a:schemeClr val="accent1"/>
+            </a:lnRef>
+            <a:fillRef idx="0">
+              <a:schemeClr val="accent1"/>
+            </a:fillRef>
+            <a:effectRef idx="0">
+              <a:schemeClr val="accent1"/>
+            </a:effectRef>
+            <a:fontRef idx="minor">
+              <a:schemeClr val="tx1"/>
+            </a:fontRef>
+          </p:style>
+        </p:cxnSp>
+        <p:cxnSp>
+          <p:nvCxnSpPr>
+            <p:cNvPr id="28" name="Conector recto 27">
+              <a:extLst>
+                <a:ext uri="{FF2B5EF4-FFF2-40B4-BE49-F238E27FC236}">
+                  <a16:creationId xmlns:a16="http://schemas.microsoft.com/office/drawing/2014/main" id="{72FA4792-A61C-44F0-B63D-10325157E28D}"/>
+                </a:ext>
+              </a:extLst>
+            </p:cNvPr>
+            <p:cNvCxnSpPr>
+              <a:cxnSpLocks/>
+            </p:cNvCxnSpPr>
+            <p:nvPr/>
+          </p:nvCxnSpPr>
+          <p:spPr>
+            <a:xfrm flipH="1" flipV="1">
+              <a:off x="4717960" y="4055275"/>
+              <a:ext cx="1511070" cy="21573"/>
+            </a:xfrm>
+            <a:prstGeom prst="line">
+              <a:avLst/>
+            </a:prstGeom>
+            <a:ln w="19050">
+              <a:solidFill>
+                <a:schemeClr val="tx1"/>
+              </a:solidFill>
+            </a:ln>
+          </p:spPr>
+          <p:style>
+            <a:lnRef idx="1">
+              <a:schemeClr val="accent1"/>
+            </a:lnRef>
+            <a:fillRef idx="0">
+              <a:schemeClr val="accent1"/>
+            </a:fillRef>
+            <a:effectRef idx="0">
+              <a:schemeClr val="accent1"/>
+            </a:effectRef>
+            <a:fontRef idx="minor">
+              <a:schemeClr val="tx1"/>
+            </a:fontRef>
+          </p:style>
+        </p:cxnSp>
+        <p:cxnSp>
+          <p:nvCxnSpPr>
+            <p:cNvPr id="29" name="Conector recto 28">
+              <a:extLst>
+                <a:ext uri="{FF2B5EF4-FFF2-40B4-BE49-F238E27FC236}">
+                  <a16:creationId xmlns:a16="http://schemas.microsoft.com/office/drawing/2014/main" id="{D4F79CC4-43EA-46DB-8220-FE60C60AD6F0}"/>
+                </a:ext>
+              </a:extLst>
+            </p:cNvPr>
+            <p:cNvCxnSpPr>
+              <a:cxnSpLocks/>
+            </p:cNvCxnSpPr>
+            <p:nvPr/>
+          </p:nvCxnSpPr>
+          <p:spPr>
+            <a:xfrm flipH="1" flipV="1">
+              <a:off x="4725765" y="3805842"/>
+              <a:ext cx="1511070" cy="21573"/>
+            </a:xfrm>
+            <a:prstGeom prst="line">
+              <a:avLst/>
+            </a:prstGeom>
+            <a:ln w="19050">
+              <a:solidFill>
+                <a:schemeClr val="tx1"/>
+              </a:solidFill>
+            </a:ln>
+          </p:spPr>
+          <p:style>
+            <a:lnRef idx="1">
+              <a:schemeClr val="accent1"/>
+            </a:lnRef>
+            <a:fillRef idx="0">
+              <a:schemeClr val="accent1"/>
+            </a:fillRef>
+            <a:effectRef idx="0">
+              <a:schemeClr val="accent1"/>
+            </a:effectRef>
+            <a:fontRef idx="minor">
+              <a:schemeClr val="tx1"/>
+            </a:fontRef>
+          </p:style>
+        </p:cxnSp>
+        <p:cxnSp>
+          <p:nvCxnSpPr>
+            <p:cNvPr id="30" name="Conector recto 29">
+              <a:extLst>
+                <a:ext uri="{FF2B5EF4-FFF2-40B4-BE49-F238E27FC236}">
+                  <a16:creationId xmlns:a16="http://schemas.microsoft.com/office/drawing/2014/main" id="{6B591A46-B12F-481A-8C46-0155FDDB88C9}"/>
+                </a:ext>
+              </a:extLst>
+            </p:cNvPr>
+            <p:cNvCxnSpPr>
+              <a:cxnSpLocks/>
+            </p:cNvCxnSpPr>
+            <p:nvPr/>
+          </p:nvCxnSpPr>
+          <p:spPr>
+            <a:xfrm flipH="1">
+              <a:off x="4725765" y="3560596"/>
+              <a:ext cx="1503265" cy="35520"/>
+            </a:xfrm>
+            <a:prstGeom prst="line">
+              <a:avLst/>
+            </a:prstGeom>
+            <a:ln w="19050">
+              <a:solidFill>
+                <a:schemeClr val="tx1"/>
+              </a:solidFill>
+            </a:ln>
+          </p:spPr>
+          <p:style>
+            <a:lnRef idx="1">
+              <a:schemeClr val="accent1"/>
+            </a:lnRef>
+            <a:fillRef idx="0">
+              <a:schemeClr val="accent1"/>
+            </a:fillRef>
+            <a:effectRef idx="0">
+              <a:schemeClr val="accent1"/>
+            </a:effectRef>
+            <a:fontRef idx="minor">
+              <a:schemeClr val="tx1"/>
+            </a:fontRef>
+          </p:style>
+        </p:cxnSp>
+        <p:cxnSp>
+          <p:nvCxnSpPr>
+            <p:cNvPr id="31" name="Conector recto 30">
+              <a:extLst>
+                <a:ext uri="{FF2B5EF4-FFF2-40B4-BE49-F238E27FC236}">
+                  <a16:creationId xmlns:a16="http://schemas.microsoft.com/office/drawing/2014/main" id="{83C58C19-1B2D-43FC-B5B5-E72449FB478C}"/>
+                </a:ext>
+              </a:extLst>
+            </p:cNvPr>
+            <p:cNvCxnSpPr>
+              <a:cxnSpLocks/>
+            </p:cNvCxnSpPr>
+            <p:nvPr/>
+          </p:nvCxnSpPr>
+          <p:spPr>
+            <a:xfrm flipH="1">
+              <a:off x="4703573" y="4243475"/>
+              <a:ext cx="2717460" cy="413144"/>
+            </a:xfrm>
+            <a:prstGeom prst="line">
+              <a:avLst/>
+            </a:prstGeom>
+            <a:ln w="19050">
+              <a:solidFill>
+                <a:schemeClr val="tx1"/>
+              </a:solidFill>
+            </a:ln>
+          </p:spPr>
+          <p:style>
+            <a:lnRef idx="1">
+              <a:schemeClr val="accent1"/>
+            </a:lnRef>
+            <a:fillRef idx="0">
+              <a:schemeClr val="accent1"/>
+            </a:fillRef>
+            <a:effectRef idx="0">
+              <a:schemeClr val="accent1"/>
+            </a:effectRef>
+            <a:fontRef idx="minor">
+              <a:schemeClr val="tx1"/>
+            </a:fontRef>
+          </p:style>
+        </p:cxnSp>
+        <p:cxnSp>
+          <p:nvCxnSpPr>
+            <p:cNvPr id="32" name="Conector recto 31">
+              <a:extLst>
+                <a:ext uri="{FF2B5EF4-FFF2-40B4-BE49-F238E27FC236}">
+                  <a16:creationId xmlns:a16="http://schemas.microsoft.com/office/drawing/2014/main" id="{A498DF7F-06A3-4783-8FD0-DA4D7D3DF027}"/>
+                </a:ext>
+              </a:extLst>
+            </p:cNvPr>
+            <p:cNvCxnSpPr>
+              <a:cxnSpLocks/>
+            </p:cNvCxnSpPr>
+            <p:nvPr/>
+          </p:nvCxnSpPr>
+          <p:spPr>
+            <a:xfrm flipH="1">
+              <a:off x="4678923" y="4730120"/>
+              <a:ext cx="2742110" cy="32014"/>
+            </a:xfrm>
+            <a:prstGeom prst="line">
+              <a:avLst/>
+            </a:prstGeom>
+            <a:ln w="19050">
+              <a:solidFill>
+                <a:srgbClr val="FF0000"/>
+              </a:solidFill>
+            </a:ln>
+          </p:spPr>
+          <p:style>
+            <a:lnRef idx="1">
+              <a:schemeClr val="accent1"/>
+            </a:lnRef>
+            <a:fillRef idx="0">
+              <a:schemeClr val="accent1"/>
+            </a:fillRef>
+            <a:effectRef idx="0">
+              <a:schemeClr val="accent1"/>
+            </a:effectRef>
+            <a:fontRef idx="minor">
+              <a:schemeClr val="tx1"/>
+            </a:fontRef>
+          </p:style>
+        </p:cxnSp>
+        <p:sp>
+          <p:nvSpPr>
+            <p:cNvPr id="33" name="CuadroTexto 32">
+              <a:extLst>
+                <a:ext uri="{FF2B5EF4-FFF2-40B4-BE49-F238E27FC236}">
+                  <a16:creationId xmlns:a16="http://schemas.microsoft.com/office/drawing/2014/main" id="{6B60B99F-F0D5-4382-A895-8163F2665E43}"/>
+                </a:ext>
+              </a:extLst>
+            </p:cNvPr>
+            <p:cNvSpPr txBox="1"/>
+            <p:nvPr/>
+          </p:nvSpPr>
+          <p:spPr>
+            <a:xfrm>
+              <a:off x="7846466" y="3387379"/>
+              <a:ext cx="431801" cy="276999"/>
+            </a:xfrm>
+            <a:prstGeom prst="rect">
+              <a:avLst/>
+            </a:prstGeom>
+            <a:noFill/>
+            <a:ln w="19050">
+              <a:solidFill>
+                <a:srgbClr val="00B0F0"/>
+              </a:solidFill>
+            </a:ln>
+          </p:spPr>
+          <p:txBody>
+            <a:bodyPr wrap="square" rtlCol="0">
+              <a:spAutoFit/>
+            </a:bodyPr>
+            <a:lstStyle/>
+            <a:p>
+              <a:r>
+                <a:rPr lang="es-CL" sz="1200" dirty="0"/>
+                <a:t>Red</a:t>
+              </a:r>
+            </a:p>
+          </p:txBody>
+        </p:sp>
+        <p:cxnSp>
+          <p:nvCxnSpPr>
+            <p:cNvPr id="34" name="Conector recto 33">
+              <a:extLst>
+                <a:ext uri="{FF2B5EF4-FFF2-40B4-BE49-F238E27FC236}">
+                  <a16:creationId xmlns:a16="http://schemas.microsoft.com/office/drawing/2014/main" id="{42FF7972-B7F2-4F44-86C7-DB3663E05A7C}"/>
+                </a:ext>
+              </a:extLst>
+            </p:cNvPr>
+            <p:cNvCxnSpPr>
+              <a:cxnSpLocks/>
+              <a:stCxn id="35" idx="3"/>
+              <a:endCxn id="33" idx="1"/>
+            </p:cNvCxnSpPr>
+            <p:nvPr/>
+          </p:nvCxnSpPr>
+          <p:spPr>
+            <a:xfrm flipV="1">
+              <a:off x="7595667" y="3525879"/>
+              <a:ext cx="250799" cy="1"/>
+            </a:xfrm>
+            <a:prstGeom prst="line">
+              <a:avLst/>
+            </a:prstGeom>
+            <a:ln w="19050">
+              <a:solidFill>
+                <a:srgbClr val="00B0F0"/>
+              </a:solidFill>
+            </a:ln>
+          </p:spPr>
+          <p:style>
+            <a:lnRef idx="1">
+              <a:schemeClr val="accent1"/>
+            </a:lnRef>
+            <a:fillRef idx="0">
+              <a:schemeClr val="accent1"/>
+            </a:fillRef>
+            <a:effectRef idx="0">
+              <a:schemeClr val="accent1"/>
+            </a:effectRef>
+            <a:fontRef idx="minor">
+              <a:schemeClr val="tx1"/>
+            </a:fontRef>
+          </p:style>
+        </p:cxnSp>
+        <p:sp>
+          <p:nvSpPr>
+            <p:cNvPr id="35" name="Rectángulo 34">
+              <a:extLst>
+                <a:ext uri="{FF2B5EF4-FFF2-40B4-BE49-F238E27FC236}">
+                  <a16:creationId xmlns:a16="http://schemas.microsoft.com/office/drawing/2014/main" id="{EBFB9710-3A15-4ECC-9BA2-7E35B9A98F5C}"/>
+                </a:ext>
+              </a:extLst>
+            </p:cNvPr>
+            <p:cNvSpPr/>
+            <p:nvPr/>
+          </p:nvSpPr>
+          <p:spPr>
+            <a:xfrm>
+              <a:off x="7234767" y="3307063"/>
+              <a:ext cx="360900" cy="437633"/>
+            </a:xfrm>
+            <a:prstGeom prst="rect">
+              <a:avLst/>
+            </a:prstGeom>
+            <a:noFill/>
+            <a:ln w="19050">
+              <a:solidFill>
+                <a:srgbClr val="00B0F0"/>
+              </a:solidFill>
+            </a:ln>
+          </p:spPr>
+          <p:style>
+            <a:lnRef idx="2">
+              <a:schemeClr val="accent1">
+                <a:shade val="50000"/>
+              </a:schemeClr>
+            </a:lnRef>
+            <a:fillRef idx="1">
+              <a:schemeClr val="accent1"/>
+            </a:fillRef>
+            <a:effectRef idx="0">
+              <a:schemeClr val="accent1"/>
+            </a:effectRef>
+            <a:fontRef idx="minor">
+              <a:schemeClr val="lt1"/>
+            </a:fontRef>
+          </p:style>
+          <p:txBody>
+            <a:bodyPr rtlCol="0" anchor="ctr"/>
+            <a:lstStyle/>
+            <a:p>
+              <a:pPr algn="ctr"/>
+              <a:endParaRPr lang="es-CL"/>
+            </a:p>
+          </p:txBody>
+        </p:sp>
+        <p:cxnSp>
+          <p:nvCxnSpPr>
+            <p:cNvPr id="36" name="Conector recto 35">
+              <a:extLst>
+                <a:ext uri="{FF2B5EF4-FFF2-40B4-BE49-F238E27FC236}">
+                  <a16:creationId xmlns:a16="http://schemas.microsoft.com/office/drawing/2014/main" id="{2D1AC19A-1969-40F2-BC9E-DD2682C13B50}"/>
+                </a:ext>
+              </a:extLst>
+            </p:cNvPr>
+            <p:cNvCxnSpPr>
+              <a:cxnSpLocks/>
+            </p:cNvCxnSpPr>
+            <p:nvPr/>
+          </p:nvCxnSpPr>
+          <p:spPr>
+            <a:xfrm flipH="1">
+              <a:off x="4762501" y="3427253"/>
+              <a:ext cx="688579" cy="272099"/>
+            </a:xfrm>
+            <a:prstGeom prst="line">
+              <a:avLst/>
+            </a:prstGeom>
+            <a:ln w="19050">
+              <a:solidFill>
+                <a:srgbClr val="0070C0"/>
+              </a:solidFill>
+            </a:ln>
+          </p:spPr>
+          <p:style>
+            <a:lnRef idx="1">
+              <a:schemeClr val="accent1"/>
+            </a:lnRef>
+            <a:fillRef idx="0">
+              <a:schemeClr val="accent1"/>
+            </a:fillRef>
+            <a:effectRef idx="0">
+              <a:schemeClr val="accent1"/>
+            </a:effectRef>
+            <a:fontRef idx="minor">
+              <a:schemeClr val="tx1"/>
+            </a:fontRef>
+          </p:style>
+        </p:cxnSp>
+        <p:cxnSp>
+          <p:nvCxnSpPr>
+            <p:cNvPr id="37" name="Conector recto 36">
+              <a:extLst>
+                <a:ext uri="{FF2B5EF4-FFF2-40B4-BE49-F238E27FC236}">
+                  <a16:creationId xmlns:a16="http://schemas.microsoft.com/office/drawing/2014/main" id="{39260B3A-7CBB-4A2A-9A11-C14CF5EE307A}"/>
+                </a:ext>
+              </a:extLst>
+            </p:cNvPr>
+            <p:cNvCxnSpPr>
+              <a:cxnSpLocks/>
+            </p:cNvCxnSpPr>
+            <p:nvPr/>
+          </p:nvCxnSpPr>
+          <p:spPr>
+            <a:xfrm flipH="1">
+              <a:off x="4740530" y="3952039"/>
+              <a:ext cx="320660" cy="2830"/>
+            </a:xfrm>
+            <a:prstGeom prst="line">
+              <a:avLst/>
+            </a:prstGeom>
+            <a:ln w="19050">
+              <a:solidFill>
+                <a:srgbClr val="FF0000"/>
+              </a:solidFill>
+            </a:ln>
+          </p:spPr>
+          <p:style>
+            <a:lnRef idx="1">
+              <a:schemeClr val="accent1"/>
+            </a:lnRef>
+            <a:fillRef idx="0">
+              <a:schemeClr val="accent1"/>
+            </a:fillRef>
+            <a:effectRef idx="0">
+              <a:schemeClr val="accent1"/>
+            </a:effectRef>
+            <a:fontRef idx="minor">
+              <a:schemeClr val="tx1"/>
+            </a:fontRef>
+          </p:style>
+        </p:cxnSp>
+        <p:cxnSp>
+          <p:nvCxnSpPr>
+            <p:cNvPr id="38" name="Conector recto 37">
+              <a:extLst>
+                <a:ext uri="{FF2B5EF4-FFF2-40B4-BE49-F238E27FC236}">
+                  <a16:creationId xmlns:a16="http://schemas.microsoft.com/office/drawing/2014/main" id="{7E640235-B879-4963-A39E-44870D96204C}"/>
+                </a:ext>
+              </a:extLst>
+            </p:cNvPr>
+            <p:cNvCxnSpPr>
+              <a:cxnSpLocks/>
+            </p:cNvCxnSpPr>
+            <p:nvPr/>
+          </p:nvCxnSpPr>
+          <p:spPr>
+            <a:xfrm flipH="1" flipV="1">
+              <a:off x="4681293" y="2119908"/>
+              <a:ext cx="833286" cy="1314765"/>
+            </a:xfrm>
+            <a:prstGeom prst="line">
+              <a:avLst/>
+            </a:prstGeom>
+            <a:ln w="19050">
+              <a:solidFill>
+                <a:srgbClr val="0070C0"/>
+              </a:solidFill>
+            </a:ln>
+          </p:spPr>
+          <p:style>
+            <a:lnRef idx="1">
+              <a:schemeClr val="accent1"/>
+            </a:lnRef>
+            <a:fillRef idx="0">
+              <a:schemeClr val="accent1"/>
+            </a:fillRef>
+            <a:effectRef idx="0">
+              <a:schemeClr val="accent1"/>
+            </a:effectRef>
+            <a:fontRef idx="minor">
+              <a:schemeClr val="tx1"/>
+            </a:fontRef>
+          </p:style>
+        </p:cxnSp>
+        <p:cxnSp>
+          <p:nvCxnSpPr>
+            <p:cNvPr id="39" name="Conector recto 38">
+              <a:extLst>
+                <a:ext uri="{FF2B5EF4-FFF2-40B4-BE49-F238E27FC236}">
+                  <a16:creationId xmlns:a16="http://schemas.microsoft.com/office/drawing/2014/main" id="{78345F27-8597-4E26-BE6A-44053BED9300}"/>
+                </a:ext>
+              </a:extLst>
+            </p:cNvPr>
+            <p:cNvCxnSpPr>
+              <a:cxnSpLocks/>
+            </p:cNvCxnSpPr>
+            <p:nvPr/>
+          </p:nvCxnSpPr>
+          <p:spPr>
+            <a:xfrm flipH="1">
+              <a:off x="4770969" y="3175017"/>
+              <a:ext cx="680111" cy="299969"/>
+            </a:xfrm>
+            <a:prstGeom prst="line">
+              <a:avLst/>
+            </a:prstGeom>
+            <a:ln w="19050">
+              <a:solidFill>
+                <a:srgbClr val="0070C0"/>
+              </a:solidFill>
+            </a:ln>
+          </p:spPr>
+          <p:style>
+            <a:lnRef idx="1">
+              <a:schemeClr val="accent1"/>
+            </a:lnRef>
+            <a:fillRef idx="0">
+              <a:schemeClr val="accent1"/>
+            </a:fillRef>
+            <a:effectRef idx="0">
+              <a:schemeClr val="accent1"/>
+            </a:effectRef>
+            <a:fontRef idx="minor">
+              <a:schemeClr val="tx1"/>
+            </a:fontRef>
+          </p:style>
+        </p:cxnSp>
+        <p:cxnSp>
+          <p:nvCxnSpPr>
+            <p:cNvPr id="40" name="Conector recto 39">
+              <a:extLst>
+                <a:ext uri="{FF2B5EF4-FFF2-40B4-BE49-F238E27FC236}">
+                  <a16:creationId xmlns:a16="http://schemas.microsoft.com/office/drawing/2014/main" id="{F94C965C-7A03-4800-B667-48EAC7EE9DAE}"/>
+                </a:ext>
+              </a:extLst>
+            </p:cNvPr>
+            <p:cNvCxnSpPr>
+              <a:cxnSpLocks/>
+            </p:cNvCxnSpPr>
+            <p:nvPr/>
+          </p:nvCxnSpPr>
+          <p:spPr>
+            <a:xfrm flipH="1" flipV="1">
+              <a:off x="4679713" y="2055138"/>
+              <a:ext cx="842365" cy="1126869"/>
+            </a:xfrm>
+            <a:prstGeom prst="line">
+              <a:avLst/>
+            </a:prstGeom>
+            <a:ln w="19050">
+              <a:solidFill>
+                <a:srgbClr val="0070C0"/>
+              </a:solidFill>
+            </a:ln>
+          </p:spPr>
+          <p:style>
+            <a:lnRef idx="1">
+              <a:schemeClr val="accent1"/>
+            </a:lnRef>
+            <a:fillRef idx="0">
+              <a:schemeClr val="accent1"/>
+            </a:fillRef>
+            <a:effectRef idx="0">
+              <a:schemeClr val="accent1"/>
+            </a:effectRef>
+            <a:fontRef idx="minor">
+              <a:schemeClr val="tx1"/>
+            </a:fontRef>
+          </p:style>
+        </p:cxnSp>
+        <p:pic>
+          <p:nvPicPr>
+            <p:cNvPr id="41" name="Imagen 40" descr="Imagen que contiene batería&#10;&#10;Descripción generada automáticamente">
+              <a:extLst>
+                <a:ext uri="{FF2B5EF4-FFF2-40B4-BE49-F238E27FC236}">
+                  <a16:creationId xmlns:a16="http://schemas.microsoft.com/office/drawing/2014/main" id="{02E666CB-4022-4D5F-AD4C-37EEB9F6D920}"/>
+                </a:ext>
+              </a:extLst>
+            </p:cNvPr>
+            <p:cNvPicPr>
+              <a:picLocks noChangeAspect="1"/>
+            </p:cNvPicPr>
+            <p:nvPr/>
+          </p:nvPicPr>
+          <p:blipFill>
+            <a:blip r:embed="rId7">
+              <a:extLst>
+                <a:ext uri="{BEBA8EAE-BF5A-486C-A8C5-ECC9F3942E4B}">
+                  <a14:imgProps xmlns:a14="http://schemas.microsoft.com/office/drawing/2010/main">
+                    <a14:imgLayer r:embed="rId8">
+                      <a14:imgEffect>
+                        <a14:backgroundRemoval t="10000" b="90000" l="10000" r="90000"/>
+                      </a14:imgEffect>
+                    </a14:imgLayer>
+                  </a14:imgProps>
+                </a:ext>
+                <a:ext uri="{28A0092B-C50C-407E-A947-70E740481C1C}">
+                  <a14:useLocalDpi xmlns:a14="http://schemas.microsoft.com/office/drawing/2010/main" val="0"/>
+                </a:ext>
+              </a:extLst>
+            </a:blip>
+            <a:stretch>
+              <a:fillRect/>
+            </a:stretch>
+          </p:blipFill>
+          <p:spPr>
+            <a:xfrm>
+              <a:off x="2413518" y="2920562"/>
+              <a:ext cx="2904203" cy="2733581"/>
+            </a:xfrm>
+            <a:prstGeom prst="rect">
+              <a:avLst/>
+            </a:prstGeom>
+          </p:spPr>
+        </p:pic>
+      </p:grpSp>
+    </p:spTree>
+    <p:extLst>
+      <p:ext uri="{BB962C8B-B14F-4D97-AF65-F5344CB8AC3E}">
+        <p14:creationId xmlns:p14="http://schemas.microsoft.com/office/powerpoint/2010/main" val="736639458"/>
+      </p:ext>
+    </p:extLst>
+  </p:cSld>
+  <p:clrMapOvr>
+    <a:masterClrMapping/>
+  </p:clrMapOvr>
+</p:sld>
+</file>
+
+<file path=ppt/slides/slide5.xml><?xml version="1.0" encoding="utf-8"?>
+<p:sld xmlns:a="http://schemas.openxmlformats.org/drawingml/2006/main" xmlns:r="http://schemas.openxmlformats.org/officeDocument/2006/relationships" xmlns:p="http://schemas.openxmlformats.org/presentationml/2006/main">
+  <p:cSld>
+    <p:spTree>
+      <p:nvGrpSpPr>
+        <p:cNvPr id="1" name=""/>
+        <p:cNvGrpSpPr/>
+        <p:nvPr/>
+      </p:nvGrpSpPr>
+      <p:grpSpPr>
+        <a:xfrm>
+          <a:off x="0" y="0"/>
+          <a:ext cx="0" cy="0"/>
+          <a:chOff x="0" y="0"/>
+          <a:chExt cx="0" cy="0"/>
+        </a:xfrm>
+      </p:grpSpPr>
+      <p:grpSp>
+        <p:nvGrpSpPr>
+          <p:cNvPr id="33" name="Grupo 32">
+            <a:extLst>
+              <a:ext uri="{FF2B5EF4-FFF2-40B4-BE49-F238E27FC236}">
+                <a16:creationId xmlns:a16="http://schemas.microsoft.com/office/drawing/2014/main" id="{4282F97A-5FE3-4C46-BD65-1DE700CD8C58}"/>
+              </a:ext>
+            </a:extLst>
+          </p:cNvPr>
+          <p:cNvGrpSpPr/>
+          <p:nvPr/>
+        </p:nvGrpSpPr>
+        <p:grpSpPr>
+          <a:xfrm>
+            <a:off x="3088948" y="1540156"/>
+            <a:ext cx="5643052" cy="3273836"/>
+            <a:chOff x="3088948" y="1540156"/>
+            <a:chExt cx="5643052" cy="3273836"/>
+          </a:xfrm>
+        </p:grpSpPr>
+        <p:pic>
+          <p:nvPicPr>
+            <p:cNvPr id="10" name="Imagen 9">
+              <a:extLst>
+                <a:ext uri="{FF2B5EF4-FFF2-40B4-BE49-F238E27FC236}">
+                  <a16:creationId xmlns:a16="http://schemas.microsoft.com/office/drawing/2014/main" id="{23A08945-8919-4A7B-93E6-905A766B0700}"/>
+                </a:ext>
+              </a:extLst>
+            </p:cNvPr>
+            <p:cNvPicPr>
+              <a:picLocks noChangeAspect="1"/>
+            </p:cNvPicPr>
+            <p:nvPr/>
+          </p:nvPicPr>
+          <p:blipFill>
+            <a:blip r:embed="rId2"/>
+            <a:stretch>
+              <a:fillRect/>
+            </a:stretch>
+          </p:blipFill>
+          <p:spPr>
+            <a:xfrm>
+              <a:off x="3088948" y="1540156"/>
+              <a:ext cx="5535648" cy="3273836"/>
+            </a:xfrm>
+            <a:prstGeom prst="rect">
+              <a:avLst/>
+            </a:prstGeom>
+          </p:spPr>
+        </p:pic>
+        <p:sp>
+          <p:nvSpPr>
+            <p:cNvPr id="11" name="Triángulo isósceles 10">
+              <a:extLst>
+                <a:ext uri="{FF2B5EF4-FFF2-40B4-BE49-F238E27FC236}">
+                  <a16:creationId xmlns:a16="http://schemas.microsoft.com/office/drawing/2014/main" id="{4E43912E-AB9F-41CB-9C8E-6B754F90FFC3}"/>
+                </a:ext>
+              </a:extLst>
+            </p:cNvPr>
+            <p:cNvSpPr/>
+            <p:nvPr/>
+          </p:nvSpPr>
+          <p:spPr>
+            <a:xfrm rot="16200000">
+              <a:off x="7807960" y="2997074"/>
+              <a:ext cx="360000" cy="360000"/>
+            </a:xfrm>
+            <a:prstGeom prst="triangle">
+              <a:avLst/>
+            </a:prstGeom>
+          </p:spPr>
+          <p:style>
+            <a:lnRef idx="2">
+              <a:schemeClr val="accent1">
+                <a:shade val="50000"/>
+              </a:schemeClr>
+            </a:lnRef>
+            <a:fillRef idx="1">
+              <a:schemeClr val="accent1"/>
+            </a:fillRef>
+            <a:effectRef idx="0">
+              <a:schemeClr val="accent1"/>
+            </a:effectRef>
+            <a:fontRef idx="minor">
+              <a:schemeClr val="lt1"/>
+            </a:fontRef>
+          </p:style>
+          <p:txBody>
+            <a:bodyPr rtlCol="0" anchor="ctr"/>
+            <a:lstStyle/>
+            <a:p>
+              <a:pPr algn="ctr"/>
+              <a:endParaRPr lang="es-CL" dirty="0"/>
+            </a:p>
+          </p:txBody>
+        </p:sp>
+        <p:sp>
+          <p:nvSpPr>
+            <p:cNvPr id="12" name="Elipse 11">
+              <a:extLst>
+                <a:ext uri="{FF2B5EF4-FFF2-40B4-BE49-F238E27FC236}">
+                  <a16:creationId xmlns:a16="http://schemas.microsoft.com/office/drawing/2014/main" id="{0ABF2C30-3EDF-4937-AAC6-08DBCEA6C6FD}"/>
+                </a:ext>
+              </a:extLst>
+            </p:cNvPr>
+            <p:cNvSpPr/>
+            <p:nvPr/>
+          </p:nvSpPr>
+          <p:spPr>
+            <a:xfrm>
+              <a:off x="4949680" y="4120760"/>
+              <a:ext cx="144000" cy="144000"/>
+            </a:xfrm>
+            <a:prstGeom prst="ellipse">
+              <a:avLst/>
+            </a:prstGeom>
+            <a:solidFill>
+              <a:srgbClr val="FF0000"/>
+            </a:solidFill>
+            <a:ln>
+              <a:solidFill>
+                <a:srgbClr val="FF0000"/>
+              </a:solidFill>
+            </a:ln>
+          </p:spPr>
+          <p:style>
+            <a:lnRef idx="2">
+              <a:schemeClr val="accent1">
+                <a:shade val="50000"/>
+              </a:schemeClr>
+            </a:lnRef>
+            <a:fillRef idx="1">
+              <a:schemeClr val="accent1"/>
+            </a:fillRef>
+            <a:effectRef idx="0">
+              <a:schemeClr val="accent1"/>
+            </a:effectRef>
+            <a:fontRef idx="minor">
+              <a:schemeClr val="lt1"/>
+            </a:fontRef>
+          </p:style>
+          <p:txBody>
+            <a:bodyPr rtlCol="0" anchor="ctr"/>
+            <a:lstStyle/>
+            <a:p>
+              <a:pPr algn="ctr"/>
+              <a:endParaRPr lang="es-CL" dirty="0"/>
+            </a:p>
+          </p:txBody>
+        </p:sp>
+        <p:cxnSp>
+          <p:nvCxnSpPr>
+            <p:cNvPr id="14" name="Conector recto de flecha 13">
+              <a:extLst>
+                <a:ext uri="{FF2B5EF4-FFF2-40B4-BE49-F238E27FC236}">
+                  <a16:creationId xmlns:a16="http://schemas.microsoft.com/office/drawing/2014/main" id="{8D7DF134-E8BA-46A6-9DF8-4983416D1311}"/>
+                </a:ext>
+              </a:extLst>
+            </p:cNvPr>
+            <p:cNvCxnSpPr>
+              <a:stCxn id="11" idx="0"/>
+              <a:endCxn id="12" idx="6"/>
+            </p:cNvCxnSpPr>
+            <p:nvPr/>
+          </p:nvCxnSpPr>
+          <p:spPr>
+            <a:xfrm flipH="1">
+              <a:off x="5093680" y="3177074"/>
+              <a:ext cx="2714280" cy="1015686"/>
+            </a:xfrm>
+            <a:prstGeom prst="straightConnector1">
+              <a:avLst/>
+            </a:prstGeom>
+            <a:ln w="12700">
+              <a:solidFill>
+                <a:schemeClr val="accent6"/>
+              </a:solidFill>
+              <a:tailEnd type="triangle"/>
+            </a:ln>
+          </p:spPr>
+          <p:style>
+            <a:lnRef idx="1">
+              <a:schemeClr val="accent1"/>
+            </a:lnRef>
+            <a:fillRef idx="0">
+              <a:schemeClr val="accent1"/>
+            </a:fillRef>
+            <a:effectRef idx="0">
+              <a:schemeClr val="accent1"/>
+            </a:effectRef>
+            <a:fontRef idx="minor">
+              <a:schemeClr val="tx1"/>
+            </a:fontRef>
+          </p:style>
+        </p:cxnSp>
+        <p:cxnSp>
+          <p:nvCxnSpPr>
+            <p:cNvPr id="16" name="Conector recto 15">
+              <a:extLst>
+                <a:ext uri="{FF2B5EF4-FFF2-40B4-BE49-F238E27FC236}">
+                  <a16:creationId xmlns:a16="http://schemas.microsoft.com/office/drawing/2014/main" id="{D0E6D7EE-B9CF-4039-83B7-C142049D829A}"/>
+                </a:ext>
+              </a:extLst>
+            </p:cNvPr>
+            <p:cNvCxnSpPr>
+              <a:cxnSpLocks/>
+            </p:cNvCxnSpPr>
+            <p:nvPr/>
+          </p:nvCxnSpPr>
+          <p:spPr>
+            <a:xfrm flipH="1" flipV="1">
+              <a:off x="6974278" y="3177072"/>
+              <a:ext cx="828000" cy="1"/>
+            </a:xfrm>
+            <a:prstGeom prst="line">
+              <a:avLst/>
+            </a:prstGeom>
+            <a:ln w="12700">
+              <a:solidFill>
+                <a:schemeClr val="accent6"/>
+              </a:solidFill>
+              <a:prstDash val="sysDot"/>
+            </a:ln>
+          </p:spPr>
+          <p:style>
+            <a:lnRef idx="1">
+              <a:schemeClr val="accent1"/>
+            </a:lnRef>
+            <a:fillRef idx="0">
+              <a:schemeClr val="accent1"/>
+            </a:fillRef>
+            <a:effectRef idx="0">
+              <a:schemeClr val="accent1"/>
+            </a:effectRef>
+            <a:fontRef idx="minor">
+              <a:schemeClr val="tx1"/>
+            </a:fontRef>
+          </p:style>
+        </p:cxnSp>
+        <p:sp>
+          <p:nvSpPr>
+            <p:cNvPr id="28" name="Arco 27">
+              <a:extLst>
+                <a:ext uri="{FF2B5EF4-FFF2-40B4-BE49-F238E27FC236}">
+                  <a16:creationId xmlns:a16="http://schemas.microsoft.com/office/drawing/2014/main" id="{86F59783-AE61-4F3E-8C90-E40ECA0D7359}"/>
+                </a:ext>
+              </a:extLst>
+            </p:cNvPr>
+            <p:cNvSpPr/>
+            <p:nvPr/>
+          </p:nvSpPr>
+          <p:spPr>
+            <a:xfrm rot="12434897">
+              <a:off x="6960871" y="3036570"/>
+              <a:ext cx="691515" cy="586740"/>
+            </a:xfrm>
+            <a:prstGeom prst="arc">
+              <a:avLst>
+                <a:gd name="adj1" fmla="val 18451278"/>
+                <a:gd name="adj2" fmla="val 0"/>
+              </a:avLst>
+            </a:prstGeom>
+            <a:ln w="12700">
+              <a:solidFill>
+                <a:schemeClr val="accent6"/>
+              </a:solidFill>
+            </a:ln>
+          </p:spPr>
+          <p:style>
+            <a:lnRef idx="1">
+              <a:schemeClr val="accent1"/>
+            </a:lnRef>
+            <a:fillRef idx="0">
+              <a:schemeClr val="accent1"/>
+            </a:fillRef>
+            <a:effectRef idx="0">
+              <a:schemeClr val="accent1"/>
+            </a:effectRef>
+            <a:fontRef idx="minor">
+              <a:schemeClr val="tx1"/>
+            </a:fontRef>
+          </p:style>
+          <p:txBody>
+            <a:bodyPr rtlCol="0" anchor="ctr"/>
+            <a:lstStyle/>
+            <a:p>
+              <a:pPr algn="ctr"/>
+              <a:endParaRPr lang="es-CL"/>
+            </a:p>
+          </p:txBody>
+        </p:sp>
+        <mc:AlternateContent xmlns:mc="http://schemas.openxmlformats.org/markup-compatibility/2006">
+          <mc:Choice xmlns:a14="http://schemas.microsoft.com/office/drawing/2010/main" Requires="a14">
+            <p:sp>
+              <p:nvSpPr>
+                <p:cNvPr id="29" name="CuadroTexto 28">
+                  <a:extLst>
+                    <a:ext uri="{FF2B5EF4-FFF2-40B4-BE49-F238E27FC236}">
+                      <a16:creationId xmlns:a16="http://schemas.microsoft.com/office/drawing/2014/main" id="{23565DC7-44C5-4637-AD90-7B4D6C34BDAE}"/>
+                    </a:ext>
+                  </a:extLst>
+                </p:cNvPr>
+                <p:cNvSpPr txBox="1"/>
+                <p:nvPr/>
+              </p:nvSpPr>
+              <p:spPr>
+                <a:xfrm>
+                  <a:off x="7042819" y="3217545"/>
+                  <a:ext cx="95216" cy="165743"/>
+                </a:xfrm>
+                <a:prstGeom prst="rect">
+                  <a:avLst/>
+                </a:prstGeom>
+                <a:solidFill>
+                  <a:schemeClr val="bg1"/>
+                </a:solidFill>
+              </p:spPr>
+              <p:txBody>
+                <a:bodyPr wrap="square" rtlCol="0" anchor="ctr">
+                  <a:noAutofit/>
+                </a:bodyPr>
+                <a:lstStyle/>
+                <a:p>
+                  <a:pPr/>
+                  <a14:m>
+                    <m:oMathPara xmlns:m="http://schemas.openxmlformats.org/officeDocument/2006/math">
+                      <m:oMathParaPr>
+                        <m:jc m:val="center"/>
+                      </m:oMathParaPr>
+                      <m:oMath xmlns:m="http://schemas.openxmlformats.org/officeDocument/2006/math">
+                        <m:r>
+                          <a:rPr lang="es-CL" sz="1000" i="1" smtClean="0">
+                            <a:latin typeface="Cambria Math" panose="02040503050406030204" pitchFamily="18" charset="0"/>
+                            <a:ea typeface="Cambria Math" panose="02040503050406030204" pitchFamily="18" charset="0"/>
+                          </a:rPr>
+                          <m:t>𝛼</m:t>
+                        </m:r>
+                      </m:oMath>
+                    </m:oMathPara>
+                  </a14:m>
+                  <a:endParaRPr lang="es-CL" sz="1000" dirty="0"/>
+                </a:p>
+              </p:txBody>
+            </p:sp>
+          </mc:Choice>
+          <mc:Fallback>
+            <p:sp>
+              <p:nvSpPr>
+                <p:cNvPr id="29" name="CuadroTexto 28">
+                  <a:extLst>
+                    <a:ext uri="{FF2B5EF4-FFF2-40B4-BE49-F238E27FC236}">
+                      <a16:creationId xmlns:a16="http://schemas.microsoft.com/office/drawing/2014/main" id="{23565DC7-44C5-4637-AD90-7B4D6C34BDAE}"/>
+                    </a:ext>
+                  </a:extLst>
+                </p:cNvPr>
+                <p:cNvSpPr txBox="1">
+                  <a:spLocks noRot="1" noChangeAspect="1" noMove="1" noResize="1" noEditPoints="1" noAdjustHandles="1" noChangeArrowheads="1" noChangeShapeType="1" noTextEdit="1"/>
+                </p:cNvSpPr>
+                <p:nvPr/>
+              </p:nvSpPr>
+              <p:spPr>
+                <a:xfrm>
+                  <a:off x="7042819" y="3217545"/>
+                  <a:ext cx="95216" cy="165743"/>
+                </a:xfrm>
+                <a:prstGeom prst="rect">
+                  <a:avLst/>
+                </a:prstGeom>
+                <a:blipFill>
+                  <a:blip r:embed="rId3"/>
+                  <a:stretch>
+                    <a:fillRect r="-68750"/>
+                  </a:stretch>
+                </a:blipFill>
+              </p:spPr>
+              <p:txBody>
+                <a:bodyPr/>
+                <a:lstStyle/>
+                <a:p>
+                  <a:r>
+                    <a:rPr lang="es-CL">
+                      <a:noFill/>
+                    </a:rPr>
+                    <a:t> </a:t>
+                  </a:r>
+                </a:p>
+              </p:txBody>
+            </p:sp>
+          </mc:Fallback>
+        </mc:AlternateContent>
+        <mc:AlternateContent xmlns:mc="http://schemas.openxmlformats.org/markup-compatibility/2006">
+          <mc:Choice xmlns:a14="http://schemas.microsoft.com/office/drawing/2010/main" Requires="a14">
+            <p:sp>
+              <p:nvSpPr>
+                <p:cNvPr id="31" name="CuadroTexto 30">
+                  <a:extLst>
+                    <a:ext uri="{FF2B5EF4-FFF2-40B4-BE49-F238E27FC236}">
+                      <a16:creationId xmlns:a16="http://schemas.microsoft.com/office/drawing/2014/main" id="{94733CDF-E60D-4948-A072-FF2118E873F6}"/>
+                    </a:ext>
+                  </a:extLst>
+                </p:cNvPr>
+                <p:cNvSpPr txBox="1"/>
+                <p:nvPr/>
+              </p:nvSpPr>
+              <p:spPr>
+                <a:xfrm>
+                  <a:off x="4457102" y="4289737"/>
+                  <a:ext cx="1129155" cy="169277"/>
+                </a:xfrm>
+                <a:prstGeom prst="rect">
+                  <a:avLst/>
+                </a:prstGeom>
+                <a:noFill/>
+              </p:spPr>
+              <p:txBody>
+                <a:bodyPr wrap="none" lIns="0" tIns="0" rIns="0" bIns="0" rtlCol="0">
+                  <a:spAutoFit/>
+                </a:bodyPr>
+                <a:lstStyle/>
+                <a:p>
+                  <a14:m>
+                    <m:oMathPara xmlns:m="http://schemas.openxmlformats.org/officeDocument/2006/math">
+                      <m:oMathParaPr>
+                        <m:jc m:val="centerGroup"/>
+                      </m:oMathParaPr>
+                      <m:oMath xmlns:m="http://schemas.openxmlformats.org/officeDocument/2006/math">
+                        <m:r>
+                          <a:rPr lang="es-CL" sz="1100" b="0" i="1" smtClean="0">
+                            <a:latin typeface="Cambria Math" panose="02040503050406030204" pitchFamily="18" charset="0"/>
+                          </a:rPr>
+                          <m:t>𝑂𝑏𝑗𝑒𝑡𝑖𝑣𝑜</m:t>
+                        </m:r>
+                        <m:r>
+                          <a:rPr lang="es-CL" sz="1100" b="0" i="1" smtClean="0">
+                            <a:latin typeface="Cambria Math" panose="02040503050406030204" pitchFamily="18" charset="0"/>
+                          </a:rPr>
+                          <m:t>:(</m:t>
+                        </m:r>
+                        <m:r>
+                          <a:rPr lang="es-CL" sz="1100" b="0" i="1" smtClean="0">
+                            <a:latin typeface="Cambria Math" panose="02040503050406030204" pitchFamily="18" charset="0"/>
+                          </a:rPr>
+                          <m:t>𝑥𝑓</m:t>
+                        </m:r>
+                        <m:r>
+                          <a:rPr lang="es-CL" sz="1100" b="0" i="1" smtClean="0">
+                            <a:latin typeface="Cambria Math" panose="02040503050406030204" pitchFamily="18" charset="0"/>
+                          </a:rPr>
+                          <m:t>,</m:t>
+                        </m:r>
+                        <m:r>
+                          <a:rPr lang="es-CL" sz="1100" b="0" i="1" smtClean="0">
+                            <a:latin typeface="Cambria Math" panose="02040503050406030204" pitchFamily="18" charset="0"/>
+                          </a:rPr>
+                          <m:t>𝑦𝑓</m:t>
+                        </m:r>
+                        <m:r>
+                          <a:rPr lang="es-CL" sz="1100" b="0" i="1" smtClean="0">
+                            <a:latin typeface="Cambria Math" panose="02040503050406030204" pitchFamily="18" charset="0"/>
+                          </a:rPr>
+                          <m:t>)</m:t>
+                        </m:r>
+                      </m:oMath>
+                    </m:oMathPara>
+                  </a14:m>
+                  <a:endParaRPr lang="es-CL" sz="1100" dirty="0"/>
+                </a:p>
+              </p:txBody>
+            </p:sp>
+          </mc:Choice>
+          <mc:Fallback>
+            <p:sp>
+              <p:nvSpPr>
+                <p:cNvPr id="31" name="CuadroTexto 30">
+                  <a:extLst>
+                    <a:ext uri="{FF2B5EF4-FFF2-40B4-BE49-F238E27FC236}">
+                      <a16:creationId xmlns:a16="http://schemas.microsoft.com/office/drawing/2014/main" id="{94733CDF-E60D-4948-A072-FF2118E873F6}"/>
+                    </a:ext>
+                  </a:extLst>
+                </p:cNvPr>
+                <p:cNvSpPr txBox="1">
+                  <a:spLocks noRot="1" noChangeAspect="1" noMove="1" noResize="1" noEditPoints="1" noAdjustHandles="1" noChangeArrowheads="1" noChangeShapeType="1" noTextEdit="1"/>
+                </p:cNvSpPr>
+                <p:nvPr/>
+              </p:nvSpPr>
+              <p:spPr>
+                <a:xfrm>
+                  <a:off x="4457102" y="4289737"/>
+                  <a:ext cx="1129155" cy="169277"/>
+                </a:xfrm>
+                <a:prstGeom prst="rect">
+                  <a:avLst/>
+                </a:prstGeom>
+                <a:blipFill>
+                  <a:blip r:embed="rId4"/>
+                  <a:stretch>
+                    <a:fillRect l="-4324" r="-4324" b="-40741"/>
+                  </a:stretch>
+                </a:blipFill>
+              </p:spPr>
+              <p:txBody>
+                <a:bodyPr/>
+                <a:lstStyle/>
+                <a:p>
+                  <a:r>
+                    <a:rPr lang="es-CL">
+                      <a:noFill/>
+                    </a:rPr>
+                    <a:t> </a:t>
+                  </a:r>
+                </a:p>
+              </p:txBody>
+            </p:sp>
+          </mc:Fallback>
+        </mc:AlternateContent>
+        <mc:AlternateContent xmlns:mc="http://schemas.openxmlformats.org/markup-compatibility/2006">
+          <mc:Choice xmlns:a14="http://schemas.microsoft.com/office/drawing/2010/main" Requires="a14">
+            <p:sp>
+              <p:nvSpPr>
+                <p:cNvPr id="32" name="CuadroTexto 31">
+                  <a:extLst>
+                    <a:ext uri="{FF2B5EF4-FFF2-40B4-BE49-F238E27FC236}">
+                      <a16:creationId xmlns:a16="http://schemas.microsoft.com/office/drawing/2014/main" id="{3D6C4267-539A-462F-8734-7ADEE7DAEE04}"/>
+                    </a:ext>
+                  </a:extLst>
+                </p:cNvPr>
+                <p:cNvSpPr txBox="1"/>
+                <p:nvPr/>
+              </p:nvSpPr>
+              <p:spPr>
+                <a:xfrm>
+                  <a:off x="7548534" y="3367796"/>
+                  <a:ext cx="1183466" cy="169277"/>
+                </a:xfrm>
+                <a:prstGeom prst="rect">
+                  <a:avLst/>
+                </a:prstGeom>
+                <a:noFill/>
+              </p:spPr>
+              <p:txBody>
+                <a:bodyPr wrap="none" lIns="0" tIns="0" rIns="0" bIns="0" rtlCol="0">
+                  <a:spAutoFit/>
+                </a:bodyPr>
+                <a:lstStyle/>
+                <a:p>
+                  <a14:m>
+                    <m:oMathPara xmlns:m="http://schemas.openxmlformats.org/officeDocument/2006/math">
+                      <m:oMathParaPr>
+                        <m:jc m:val="centerGroup"/>
+                      </m:oMathParaPr>
+                      <m:oMath xmlns:m="http://schemas.openxmlformats.org/officeDocument/2006/math">
+                        <m:r>
+                          <a:rPr lang="es-CL" sz="1100" b="0" i="1" smtClean="0">
+                            <a:latin typeface="Cambria Math" panose="02040503050406030204" pitchFamily="18" charset="0"/>
+                          </a:rPr>
+                          <m:t>𝐿𝑎𝑛𝑧𝑎𝑑𝑜𝑟</m:t>
+                        </m:r>
+                        <m:r>
+                          <a:rPr lang="es-CL" sz="1100" b="0" i="1" smtClean="0">
+                            <a:latin typeface="Cambria Math" panose="02040503050406030204" pitchFamily="18" charset="0"/>
+                          </a:rPr>
+                          <m:t>:(</m:t>
+                        </m:r>
+                        <m:r>
+                          <a:rPr lang="es-CL" sz="1100" b="0" i="1" smtClean="0">
+                            <a:latin typeface="Cambria Math" panose="02040503050406030204" pitchFamily="18" charset="0"/>
+                          </a:rPr>
+                          <m:t>𝑥</m:t>
+                        </m:r>
+                        <m:r>
+                          <a:rPr lang="es-CL" sz="1100" b="0" i="1" smtClean="0">
+                            <a:latin typeface="Cambria Math" panose="02040503050406030204" pitchFamily="18" charset="0"/>
+                          </a:rPr>
+                          <m:t>0,</m:t>
+                        </m:r>
+                        <m:r>
+                          <a:rPr lang="es-CL" sz="1100" b="0" i="1" smtClean="0">
+                            <a:latin typeface="Cambria Math" panose="02040503050406030204" pitchFamily="18" charset="0"/>
+                          </a:rPr>
+                          <m:t>𝑦</m:t>
+                        </m:r>
+                        <m:r>
+                          <a:rPr lang="es-CL" sz="1100" b="0" i="1" smtClean="0">
+                            <a:latin typeface="Cambria Math" panose="02040503050406030204" pitchFamily="18" charset="0"/>
+                          </a:rPr>
+                          <m:t>0)</m:t>
+                        </m:r>
+                      </m:oMath>
+                    </m:oMathPara>
+                  </a14:m>
+                  <a:endParaRPr lang="es-CL" sz="1100" dirty="0"/>
+                </a:p>
+              </p:txBody>
+            </p:sp>
+          </mc:Choice>
+          <mc:Fallback>
+            <p:sp>
+              <p:nvSpPr>
+                <p:cNvPr id="32" name="CuadroTexto 31">
+                  <a:extLst>
+                    <a:ext uri="{FF2B5EF4-FFF2-40B4-BE49-F238E27FC236}">
+                      <a16:creationId xmlns:a16="http://schemas.microsoft.com/office/drawing/2014/main" id="{3D6C4267-539A-462F-8734-7ADEE7DAEE04}"/>
+                    </a:ext>
+                  </a:extLst>
+                </p:cNvPr>
+                <p:cNvSpPr txBox="1">
+                  <a:spLocks noRot="1" noChangeAspect="1" noMove="1" noResize="1" noEditPoints="1" noAdjustHandles="1" noChangeArrowheads="1" noChangeShapeType="1" noTextEdit="1"/>
+                </p:cNvSpPr>
+                <p:nvPr/>
+              </p:nvSpPr>
+              <p:spPr>
+                <a:xfrm>
+                  <a:off x="7548534" y="3367796"/>
+                  <a:ext cx="1183466" cy="169277"/>
+                </a:xfrm>
+                <a:prstGeom prst="rect">
+                  <a:avLst/>
+                </a:prstGeom>
+                <a:blipFill>
+                  <a:blip r:embed="rId5"/>
+                  <a:stretch>
+                    <a:fillRect l="-2577" r="-4124" b="-35714"/>
+                  </a:stretch>
+                </a:blipFill>
+              </p:spPr>
+              <p:txBody>
+                <a:bodyPr/>
+                <a:lstStyle/>
+                <a:p>
+                  <a:r>
+                    <a:rPr lang="es-CL">
+                      <a:noFill/>
+                    </a:rPr>
+                    <a:t> </a:t>
+                  </a:r>
+                </a:p>
+              </p:txBody>
+            </p:sp>
+          </mc:Fallback>
+        </mc:AlternateContent>
+      </p:grpSp>
+    </p:spTree>
+    <p:extLst>
+      <p:ext uri="{BB962C8B-B14F-4D97-AF65-F5344CB8AC3E}">
+        <p14:creationId xmlns:p14="http://schemas.microsoft.com/office/powerpoint/2010/main" val="3385511613"/>
+      </p:ext>
+    </p:extLst>
+  </p:cSld>
+  <p:clrMapOvr>
+    <a:masterClrMapping/>
+  </p:clrMapOvr>
+</p:sld>
+</file>
+
+<file path=ppt/slides/slide6.xml><?xml version="1.0" encoding="utf-8"?>
+<p:sld xmlns:a="http://schemas.openxmlformats.org/drawingml/2006/main" xmlns:r="http://schemas.openxmlformats.org/officeDocument/2006/relationships" xmlns:p="http://schemas.openxmlformats.org/presentationml/2006/main">
+  <p:cSld>
+    <p:spTree>
+      <p:nvGrpSpPr>
+        <p:cNvPr id="1" name=""/>
+        <p:cNvGrpSpPr/>
+        <p:nvPr/>
+      </p:nvGrpSpPr>
+      <p:grpSpPr>
+        <a:xfrm>
+          <a:off x="0" y="0"/>
+          <a:ext cx="0" cy="0"/>
+          <a:chOff x="0" y="0"/>
+          <a:chExt cx="0" cy="0"/>
+        </a:xfrm>
+      </p:grpSpPr>
+      <p:grpSp>
+        <p:nvGrpSpPr>
+          <p:cNvPr id="31" name="Grupo 30">
+            <a:extLst>
+              <a:ext uri="{FF2B5EF4-FFF2-40B4-BE49-F238E27FC236}">
+                <a16:creationId xmlns:a16="http://schemas.microsoft.com/office/drawing/2014/main" id="{4ED2E5AE-98C3-42C3-84A9-8BC5D5190C13}"/>
+              </a:ext>
+            </a:extLst>
+          </p:cNvPr>
+          <p:cNvGrpSpPr/>
+          <p:nvPr/>
+        </p:nvGrpSpPr>
+        <p:grpSpPr>
+          <a:xfrm>
+            <a:off x="2524757" y="1383907"/>
+            <a:ext cx="7640741" cy="3005213"/>
+            <a:chOff x="2524757" y="1383907"/>
+            <a:chExt cx="7640741" cy="3005213"/>
+          </a:xfrm>
+        </p:grpSpPr>
+        <p:cxnSp>
+          <p:nvCxnSpPr>
+            <p:cNvPr id="5" name="Conector recto 4">
+              <a:extLst>
+                <a:ext uri="{FF2B5EF4-FFF2-40B4-BE49-F238E27FC236}">
+                  <a16:creationId xmlns:a16="http://schemas.microsoft.com/office/drawing/2014/main" id="{DF13993E-0DD0-4FB2-9A4F-61F0CF5F3C41}"/>
+                </a:ext>
+              </a:extLst>
+            </p:cNvPr>
+            <p:cNvCxnSpPr>
+              <a:cxnSpLocks/>
+              <a:endCxn id="12" idx="4"/>
+            </p:cNvCxnSpPr>
+            <p:nvPr/>
+          </p:nvCxnSpPr>
+          <p:spPr>
+            <a:xfrm flipH="1">
+              <a:off x="2763515" y="4389120"/>
+              <a:ext cx="6913886" cy="0"/>
+            </a:xfrm>
+            <a:prstGeom prst="line">
+              <a:avLst/>
+            </a:prstGeom>
+            <a:ln w="28575">
+              <a:solidFill>
+                <a:schemeClr val="tx1"/>
+              </a:solidFill>
+            </a:ln>
+          </p:spPr>
+          <p:style>
+            <a:lnRef idx="1">
+              <a:schemeClr val="accent1"/>
+            </a:lnRef>
+            <a:fillRef idx="0">
+              <a:schemeClr val="accent1"/>
+            </a:fillRef>
+            <a:effectRef idx="0">
+              <a:schemeClr val="accent1"/>
+            </a:effectRef>
+            <a:fontRef idx="minor">
+              <a:schemeClr val="tx1"/>
+            </a:fontRef>
+          </p:style>
+        </p:cxnSp>
+        <p:sp>
+          <p:nvSpPr>
+            <p:cNvPr id="6" name="Rectángulo 5">
+              <a:extLst>
+                <a:ext uri="{FF2B5EF4-FFF2-40B4-BE49-F238E27FC236}">
+                  <a16:creationId xmlns:a16="http://schemas.microsoft.com/office/drawing/2014/main" id="{C806D63D-2913-44A0-BA67-FBA847004083}"/>
+                </a:ext>
+              </a:extLst>
+            </p:cNvPr>
+            <p:cNvSpPr/>
+            <p:nvPr/>
+          </p:nvSpPr>
+          <p:spPr>
+            <a:xfrm>
+              <a:off x="8884920" y="3981534"/>
+              <a:ext cx="792480" cy="407586"/>
+            </a:xfrm>
+            <a:prstGeom prst="rect">
+              <a:avLst/>
+            </a:prstGeom>
+            <a:solidFill>
+              <a:schemeClr val="accent1"/>
+            </a:solidFill>
+            <a:ln w="19050">
+              <a:solidFill>
+                <a:schemeClr val="tx1"/>
+              </a:solidFill>
+            </a:ln>
+          </p:spPr>
+          <p:style>
+            <a:lnRef idx="2">
+              <a:schemeClr val="accent1">
+                <a:shade val="50000"/>
+              </a:schemeClr>
+            </a:lnRef>
+            <a:fillRef idx="1">
+              <a:schemeClr val="accent1"/>
+            </a:fillRef>
+            <a:effectRef idx="0">
+              <a:schemeClr val="accent1"/>
+            </a:effectRef>
+            <a:fontRef idx="minor">
+              <a:schemeClr val="lt1"/>
+            </a:fontRef>
+          </p:style>
+          <p:txBody>
+            <a:bodyPr rtlCol="0" anchor="ctr"/>
+            <a:lstStyle/>
+            <a:p>
+              <a:pPr algn="ctr"/>
+              <a:endParaRPr lang="es-CL"/>
+            </a:p>
+          </p:txBody>
+        </p:sp>
+        <p:sp>
+          <p:nvSpPr>
+            <p:cNvPr id="7" name="Triángulo isósceles 6">
+              <a:extLst>
+                <a:ext uri="{FF2B5EF4-FFF2-40B4-BE49-F238E27FC236}">
+                  <a16:creationId xmlns:a16="http://schemas.microsoft.com/office/drawing/2014/main" id="{A70B53E5-5073-4E5D-A4E2-25A0487BFD8D}"/>
+                </a:ext>
+              </a:extLst>
+            </p:cNvPr>
+            <p:cNvSpPr/>
+            <p:nvPr/>
+          </p:nvSpPr>
+          <p:spPr>
+            <a:xfrm rot="18026843">
+              <a:off x="8776787" y="3127099"/>
+              <a:ext cx="792480" cy="680721"/>
+            </a:xfrm>
+            <a:prstGeom prst="triangle">
+              <a:avLst/>
+            </a:prstGeom>
+            <a:ln w="19050">
+              <a:solidFill>
+                <a:schemeClr val="tx1"/>
+              </a:solidFill>
+            </a:ln>
+          </p:spPr>
+          <p:style>
+            <a:lnRef idx="2">
+              <a:schemeClr val="accent1">
+                <a:shade val="50000"/>
+              </a:schemeClr>
+            </a:lnRef>
+            <a:fillRef idx="1">
+              <a:schemeClr val="accent1"/>
+            </a:fillRef>
+            <a:effectRef idx="0">
+              <a:schemeClr val="accent1"/>
+            </a:effectRef>
+            <a:fontRef idx="minor">
+              <a:schemeClr val="lt1"/>
+            </a:fontRef>
+          </p:style>
+          <p:txBody>
+            <a:bodyPr rtlCol="0" anchor="ctr"/>
+            <a:lstStyle/>
+            <a:p>
+              <a:pPr algn="ctr"/>
+              <a:endParaRPr lang="es-CL"/>
+            </a:p>
+          </p:txBody>
+        </p:sp>
+        <p:cxnSp>
+          <p:nvCxnSpPr>
+            <p:cNvPr id="9" name="Conector recto 8">
+              <a:extLst>
+                <a:ext uri="{FF2B5EF4-FFF2-40B4-BE49-F238E27FC236}">
+                  <a16:creationId xmlns:a16="http://schemas.microsoft.com/office/drawing/2014/main" id="{080BD0CC-761A-4E40-9B65-1A992D9CD0D7}"/>
+                </a:ext>
+              </a:extLst>
+            </p:cNvPr>
+            <p:cNvCxnSpPr>
+              <a:cxnSpLocks/>
+              <a:endCxn id="7" idx="0"/>
+            </p:cNvCxnSpPr>
+            <p:nvPr/>
+          </p:nvCxnSpPr>
+          <p:spPr>
+            <a:xfrm flipV="1">
+              <a:off x="8168643" y="3294983"/>
+              <a:ext cx="710961" cy="5830"/>
+            </a:xfrm>
+            <a:prstGeom prst="line">
+              <a:avLst/>
+            </a:prstGeom>
+            <a:ln w="19050">
+              <a:solidFill>
+                <a:schemeClr val="tx1"/>
+              </a:solidFill>
+              <a:prstDash val="sysDash"/>
+            </a:ln>
+          </p:spPr>
+          <p:style>
+            <a:lnRef idx="1">
+              <a:schemeClr val="accent1"/>
+            </a:lnRef>
+            <a:fillRef idx="0">
+              <a:schemeClr val="accent1"/>
+            </a:fillRef>
+            <a:effectRef idx="0">
+              <a:schemeClr val="accent1"/>
+            </a:effectRef>
+            <a:fontRef idx="minor">
+              <a:schemeClr val="tx1"/>
+            </a:fontRef>
+          </p:style>
+        </p:cxnSp>
+        <p:sp>
+          <p:nvSpPr>
+            <p:cNvPr id="12" name="Elipse 11">
+              <a:extLst>
+                <a:ext uri="{FF2B5EF4-FFF2-40B4-BE49-F238E27FC236}">
+                  <a16:creationId xmlns:a16="http://schemas.microsoft.com/office/drawing/2014/main" id="{3B502EE5-543E-4759-936F-9F50BE2FF272}"/>
+                </a:ext>
+              </a:extLst>
+            </p:cNvPr>
+            <p:cNvSpPr/>
+            <p:nvPr/>
+          </p:nvSpPr>
+          <p:spPr>
+            <a:xfrm>
+              <a:off x="2524757" y="3911605"/>
+              <a:ext cx="477515" cy="477515"/>
+            </a:xfrm>
+            <a:prstGeom prst="ellipse">
+              <a:avLst/>
+            </a:prstGeom>
+            <a:solidFill>
+              <a:srgbClr val="FF0000"/>
+            </a:solidFill>
+            <a:ln w="19050">
+              <a:solidFill>
+                <a:schemeClr val="tx1"/>
+              </a:solidFill>
+            </a:ln>
+          </p:spPr>
+          <p:style>
+            <a:lnRef idx="2">
+              <a:schemeClr val="accent1">
+                <a:shade val="50000"/>
+              </a:schemeClr>
+            </a:lnRef>
+            <a:fillRef idx="1">
+              <a:schemeClr val="accent1"/>
+            </a:fillRef>
+            <a:effectRef idx="0">
+              <a:schemeClr val="accent1"/>
+            </a:effectRef>
+            <a:fontRef idx="minor">
+              <a:schemeClr val="lt1"/>
+            </a:fontRef>
+          </p:style>
+          <p:txBody>
+            <a:bodyPr rtlCol="0" anchor="ctr"/>
+            <a:lstStyle/>
+            <a:p>
+              <a:pPr algn="ctr"/>
+              <a:endParaRPr lang="es-CL"/>
+            </a:p>
+          </p:txBody>
+        </p:sp>
+        <p:sp>
+          <p:nvSpPr>
+            <p:cNvPr id="20" name="Forma libre: forma 19">
+              <a:extLst>
+                <a:ext uri="{FF2B5EF4-FFF2-40B4-BE49-F238E27FC236}">
+                  <a16:creationId xmlns:a16="http://schemas.microsoft.com/office/drawing/2014/main" id="{FF168B4D-AD16-4CFC-A802-9C34B29309DD}"/>
+                </a:ext>
+              </a:extLst>
+            </p:cNvPr>
+            <p:cNvSpPr/>
+            <p:nvPr/>
+          </p:nvSpPr>
+          <p:spPr>
+            <a:xfrm>
+              <a:off x="2854960" y="1383907"/>
+              <a:ext cx="6014720" cy="2568333"/>
+            </a:xfrm>
+            <a:custGeom>
+              <a:avLst/>
+              <a:gdLst>
+                <a:gd name="connsiteX0" fmla="*/ 6014720 w 6014720"/>
+                <a:gd name="connsiteY0" fmla="*/ 1918093 h 2568333"/>
+                <a:gd name="connsiteX1" fmla="*/ 2926080 w 6014720"/>
+                <a:gd name="connsiteY1" fmla="*/ 8013 h 2568333"/>
+                <a:gd name="connsiteX2" fmla="*/ 0 w 6014720"/>
+                <a:gd name="connsiteY2" fmla="*/ 2568333 h 2568333"/>
+              </a:gdLst>
+              <a:ahLst/>
+              <a:cxnLst>
+                <a:cxn ang="0">
+                  <a:pos x="connsiteX0" y="connsiteY0"/>
+                </a:cxn>
+                <a:cxn ang="0">
+                  <a:pos x="connsiteX1" y="connsiteY1"/>
+                </a:cxn>
+                <a:cxn ang="0">
+                  <a:pos x="connsiteX2" y="connsiteY2"/>
+                </a:cxn>
+              </a:cxnLst>
+              <a:rect l="l" t="t" r="r" b="b"/>
+              <a:pathLst>
+                <a:path w="6014720" h="2568333">
+                  <a:moveTo>
+                    <a:pt x="6014720" y="1918093"/>
+                  </a:moveTo>
+                  <a:cubicBezTo>
+                    <a:pt x="4971626" y="908866"/>
+                    <a:pt x="3928533" y="-100360"/>
+                    <a:pt x="2926080" y="8013"/>
+                  </a:cubicBezTo>
+                  <a:cubicBezTo>
+                    <a:pt x="1923627" y="116386"/>
+                    <a:pt x="318347" y="2138226"/>
+                    <a:pt x="0" y="2568333"/>
+                  </a:cubicBezTo>
+                </a:path>
+              </a:pathLst>
+            </a:custGeom>
+            <a:noFill/>
+            <a:ln w="19050">
+              <a:solidFill>
+                <a:schemeClr val="tx1"/>
+              </a:solidFill>
+              <a:headEnd type="none" w="med" len="med"/>
+              <a:tailEnd type="arrow" w="med" len="med"/>
+            </a:ln>
+          </p:spPr>
+          <p:style>
+            <a:lnRef idx="2">
+              <a:schemeClr val="accent1">
+                <a:shade val="50000"/>
+              </a:schemeClr>
+            </a:lnRef>
+            <a:fillRef idx="1">
+              <a:schemeClr val="accent1"/>
+            </a:fillRef>
+            <a:effectRef idx="0">
+              <a:schemeClr val="accent1"/>
+            </a:effectRef>
+            <a:fontRef idx="minor">
+              <a:schemeClr val="lt1"/>
+            </a:fontRef>
+          </p:style>
+          <p:txBody>
+            <a:bodyPr rtlCol="0" anchor="ctr"/>
+            <a:lstStyle/>
+            <a:p>
+              <a:pPr algn="ctr"/>
+              <a:endParaRPr lang="es-CL"/>
+            </a:p>
+          </p:txBody>
+        </p:sp>
+        <mc:AlternateContent xmlns:mc="http://schemas.openxmlformats.org/markup-compatibility/2006">
+          <mc:Choice xmlns:a14="http://schemas.microsoft.com/office/drawing/2010/main" Requires="a14">
+            <p:sp>
+              <p:nvSpPr>
+                <p:cNvPr id="21" name="CuadroTexto 20">
+                  <a:extLst>
+                    <a:ext uri="{FF2B5EF4-FFF2-40B4-BE49-F238E27FC236}">
+                      <a16:creationId xmlns:a16="http://schemas.microsoft.com/office/drawing/2014/main" id="{7E805B47-E8D4-4490-9766-19372C90809A}"/>
+                    </a:ext>
+                  </a:extLst>
+                </p:cNvPr>
+                <p:cNvSpPr txBox="1"/>
+                <p:nvPr/>
+              </p:nvSpPr>
+              <p:spPr>
+                <a:xfrm>
+                  <a:off x="8314359" y="2953386"/>
+                  <a:ext cx="199349" cy="276999"/>
+                </a:xfrm>
+                <a:prstGeom prst="rect">
+                  <a:avLst/>
+                </a:prstGeom>
+                <a:noFill/>
+              </p:spPr>
+              <p:txBody>
+                <a:bodyPr wrap="none" lIns="0" tIns="0" rIns="0" bIns="0" rtlCol="0">
+                  <a:spAutoFit/>
+                </a:bodyPr>
+                <a:lstStyle/>
+                <a:p>
+                  <a14:m>
+                    <m:oMathPara xmlns:m="http://schemas.openxmlformats.org/officeDocument/2006/math">
+                      <m:oMathParaPr>
+                        <m:jc m:val="centerGroup"/>
+                      </m:oMathParaPr>
+                      <m:oMath xmlns:m="http://schemas.openxmlformats.org/officeDocument/2006/math">
+                        <m:r>
+                          <a:rPr lang="es-CL" i="1" smtClean="0">
+                            <a:latin typeface="Cambria Math" panose="02040503050406030204" pitchFamily="18" charset="0"/>
+                            <a:ea typeface="Cambria Math" panose="02040503050406030204" pitchFamily="18" charset="0"/>
+                          </a:rPr>
+                          <m:t>𝛽</m:t>
+                        </m:r>
+                      </m:oMath>
+                    </m:oMathPara>
+                  </a14:m>
+                  <a:endParaRPr lang="es-CL" dirty="0"/>
+                </a:p>
+              </p:txBody>
+            </p:sp>
+          </mc:Choice>
+          <mc:Fallback>
+            <p:sp>
+              <p:nvSpPr>
+                <p:cNvPr id="21" name="CuadroTexto 20">
+                  <a:extLst>
+                    <a:ext uri="{FF2B5EF4-FFF2-40B4-BE49-F238E27FC236}">
+                      <a16:creationId xmlns:a16="http://schemas.microsoft.com/office/drawing/2014/main" id="{7E805B47-E8D4-4490-9766-19372C90809A}"/>
+                    </a:ext>
+                  </a:extLst>
+                </p:cNvPr>
+                <p:cNvSpPr txBox="1">
+                  <a:spLocks noRot="1" noChangeAspect="1" noMove="1" noResize="1" noEditPoints="1" noAdjustHandles="1" noChangeArrowheads="1" noChangeShapeType="1" noTextEdit="1"/>
+                </p:cNvSpPr>
+                <p:nvPr/>
+              </p:nvSpPr>
+              <p:spPr>
+                <a:xfrm>
+                  <a:off x="8314359" y="2953386"/>
+                  <a:ext cx="199349" cy="276999"/>
+                </a:xfrm>
+                <a:prstGeom prst="rect">
+                  <a:avLst/>
+                </a:prstGeom>
+                <a:blipFill>
+                  <a:blip r:embed="rId2"/>
+                  <a:stretch>
+                    <a:fillRect l="-42424" t="-2174" r="-36364" b="-32609"/>
+                  </a:stretch>
+                </a:blipFill>
+              </p:spPr>
+              <p:txBody>
+                <a:bodyPr/>
+                <a:lstStyle/>
+                <a:p>
+                  <a:r>
+                    <a:rPr lang="es-CL">
+                      <a:noFill/>
+                    </a:rPr>
+                    <a:t> </a:t>
+                  </a:r>
+                </a:p>
+              </p:txBody>
+            </p:sp>
+          </mc:Fallback>
+        </mc:AlternateContent>
+        <p:sp>
+          <p:nvSpPr>
+            <p:cNvPr id="22" name="Arco 21">
+              <a:extLst>
+                <a:ext uri="{FF2B5EF4-FFF2-40B4-BE49-F238E27FC236}">
+                  <a16:creationId xmlns:a16="http://schemas.microsoft.com/office/drawing/2014/main" id="{5BAF3447-E1EE-4475-9BCF-77AB3B03B7BA}"/>
+                </a:ext>
+              </a:extLst>
+            </p:cNvPr>
+            <p:cNvSpPr/>
+            <p:nvPr/>
+          </p:nvSpPr>
+          <p:spPr>
+            <a:xfrm rot="3277024" flipH="1" flipV="1">
+              <a:off x="8127209" y="2846013"/>
+              <a:ext cx="573649" cy="591760"/>
+            </a:xfrm>
+            <a:prstGeom prst="arc">
+              <a:avLst>
+                <a:gd name="adj1" fmla="val 16200000"/>
+                <a:gd name="adj2" fmla="val 2001961"/>
+              </a:avLst>
+            </a:prstGeom>
+            <a:ln>
+              <a:solidFill>
+                <a:schemeClr val="tx1"/>
+              </a:solidFill>
+              <a:headEnd type="arrow" w="med" len="med"/>
+              <a:tailEnd type="arrow" w="med" len="med"/>
+            </a:ln>
+          </p:spPr>
+          <p:style>
+            <a:lnRef idx="1">
+              <a:schemeClr val="accent1"/>
+            </a:lnRef>
+            <a:fillRef idx="0">
+              <a:schemeClr val="accent1"/>
+            </a:fillRef>
+            <a:effectRef idx="0">
+              <a:schemeClr val="accent1"/>
+            </a:effectRef>
+            <a:fontRef idx="minor">
+              <a:schemeClr val="tx1"/>
+            </a:fontRef>
+          </p:style>
+          <p:txBody>
+            <a:bodyPr rtlCol="0" anchor="ctr"/>
+            <a:lstStyle/>
+            <a:p>
+              <a:pPr algn="ctr"/>
+              <a:endParaRPr lang="es-CL"/>
+            </a:p>
+          </p:txBody>
+        </p:sp>
+        <p:cxnSp>
+          <p:nvCxnSpPr>
+            <p:cNvPr id="24" name="Conector recto de flecha 23">
+              <a:extLst>
+                <a:ext uri="{FF2B5EF4-FFF2-40B4-BE49-F238E27FC236}">
+                  <a16:creationId xmlns:a16="http://schemas.microsoft.com/office/drawing/2014/main" id="{CCF53770-A398-4BA4-BD6B-57866DF80D6A}"/>
+                </a:ext>
+              </a:extLst>
+            </p:cNvPr>
+            <p:cNvCxnSpPr>
+              <a:cxnSpLocks/>
+              <a:stCxn id="20" idx="0"/>
+              <a:endCxn id="22" idx="2"/>
+            </p:cNvCxnSpPr>
+            <p:nvPr/>
+          </p:nvCxnSpPr>
+          <p:spPr>
+            <a:xfrm flipH="1" flipV="1">
+              <a:off x="8403845" y="2852597"/>
+              <a:ext cx="465835" cy="449403"/>
+            </a:xfrm>
+            <a:prstGeom prst="straightConnector1">
+              <a:avLst/>
+            </a:prstGeom>
+            <a:ln w="19050">
+              <a:solidFill>
+                <a:srgbClr val="00B0F0"/>
+              </a:solidFill>
+              <a:tailEnd type="triangle"/>
+            </a:ln>
+          </p:spPr>
+          <p:style>
+            <a:lnRef idx="1">
+              <a:schemeClr val="accent1"/>
+            </a:lnRef>
+            <a:fillRef idx="0">
+              <a:schemeClr val="accent1"/>
+            </a:fillRef>
+            <a:effectRef idx="0">
+              <a:schemeClr val="accent1"/>
+            </a:effectRef>
+            <a:fontRef idx="minor">
+              <a:schemeClr val="tx1"/>
+            </a:fontRef>
+          </p:style>
+        </p:cxnSp>
+        <mc:AlternateContent xmlns:mc="http://schemas.openxmlformats.org/markup-compatibility/2006">
+          <mc:Choice xmlns:a14="http://schemas.microsoft.com/office/drawing/2010/main" Requires="a14">
+            <p:sp>
+              <p:nvSpPr>
+                <p:cNvPr id="28" name="CuadroTexto 27">
+                  <a:extLst>
+                    <a:ext uri="{FF2B5EF4-FFF2-40B4-BE49-F238E27FC236}">
+                      <a16:creationId xmlns:a16="http://schemas.microsoft.com/office/drawing/2014/main" id="{9159EABB-1C6F-4660-B07E-779C99BF41DA}"/>
+                    </a:ext>
+                  </a:extLst>
+                </p:cNvPr>
+                <p:cNvSpPr txBox="1"/>
+                <p:nvPr/>
+              </p:nvSpPr>
+              <p:spPr>
+                <a:xfrm>
+                  <a:off x="8821347" y="3077298"/>
+                  <a:ext cx="1344151" cy="169277"/>
+                </a:xfrm>
+                <a:prstGeom prst="rect">
+                  <a:avLst/>
+                </a:prstGeom>
+                <a:noFill/>
+              </p:spPr>
+              <p:txBody>
+                <a:bodyPr wrap="none" lIns="0" tIns="0" rIns="0" bIns="0" rtlCol="0">
+                  <a:spAutoFit/>
+                </a:bodyPr>
+                <a:lstStyle/>
+                <a:p>
+                  <a14:m>
+                    <m:oMathPara xmlns:m="http://schemas.openxmlformats.org/officeDocument/2006/math">
+                      <m:oMathParaPr>
+                        <m:jc m:val="centerGroup"/>
+                      </m:oMathParaPr>
+                      <m:oMath xmlns:m="http://schemas.openxmlformats.org/officeDocument/2006/math">
+                        <m:r>
+                          <a:rPr lang="es-CL" sz="1100" b="0" i="1" smtClean="0">
+                            <a:latin typeface="Cambria Math" panose="02040503050406030204" pitchFamily="18" charset="0"/>
+                          </a:rPr>
+                          <m:t>𝐿𝑎𝑛𝑧𝑎𝑑𝑜𝑟</m:t>
+                        </m:r>
+                        <m:r>
+                          <a:rPr lang="es-CL" sz="1100" b="0" i="1" smtClean="0">
+                            <a:latin typeface="Cambria Math" panose="02040503050406030204" pitchFamily="18" charset="0"/>
+                          </a:rPr>
+                          <m:t>:(</m:t>
+                        </m:r>
+                        <m:sSub>
+                          <m:sSubPr>
+                            <m:ctrlPr>
+                              <a:rPr lang="es-CL" sz="1100" b="0" i="1" smtClean="0">
+                                <a:latin typeface="Cambria Math" panose="02040503050406030204" pitchFamily="18" charset="0"/>
+                              </a:rPr>
+                            </m:ctrlPr>
+                          </m:sSubPr>
+                          <m:e>
+                            <m:r>
+                              <a:rPr lang="es-CL" sz="1100" b="0" i="1" smtClean="0">
+                                <a:latin typeface="Cambria Math" panose="02040503050406030204" pitchFamily="18" charset="0"/>
+                              </a:rPr>
+                              <m:t>𝑥</m:t>
+                            </m:r>
+                          </m:e>
+                          <m:sub>
+                            <m:r>
+                              <a:rPr lang="es-CL" sz="1100" b="0" i="1" smtClean="0">
+                                <a:latin typeface="Cambria Math" panose="02040503050406030204" pitchFamily="18" charset="0"/>
+                              </a:rPr>
+                              <m:t>0</m:t>
+                            </m:r>
+                          </m:sub>
+                        </m:sSub>
+                        <m:r>
+                          <a:rPr lang="es-CL" sz="1100" b="0" i="1" smtClean="0">
+                            <a:latin typeface="Cambria Math" panose="02040503050406030204" pitchFamily="18" charset="0"/>
+                          </a:rPr>
+                          <m:t>,</m:t>
+                        </m:r>
+                        <m:sSub>
+                          <m:sSubPr>
+                            <m:ctrlPr>
+                              <a:rPr lang="es-CL" sz="1100" b="0" i="1" smtClean="0">
+                                <a:latin typeface="Cambria Math" panose="02040503050406030204" pitchFamily="18" charset="0"/>
+                              </a:rPr>
+                            </m:ctrlPr>
+                          </m:sSubPr>
+                          <m:e>
+                            <m:r>
+                              <a:rPr lang="es-CL" sz="1100" b="0" i="1" smtClean="0">
+                                <a:latin typeface="Cambria Math" panose="02040503050406030204" pitchFamily="18" charset="0"/>
+                              </a:rPr>
+                              <m:t>𝑦</m:t>
+                            </m:r>
+                          </m:e>
+                          <m:sub>
+                            <m:r>
+                              <a:rPr lang="es-CL" sz="1100" b="0" i="1" smtClean="0">
+                                <a:latin typeface="Cambria Math" panose="02040503050406030204" pitchFamily="18" charset="0"/>
+                              </a:rPr>
+                              <m:t>0</m:t>
+                            </m:r>
+                          </m:sub>
+                        </m:sSub>
+                        <m:r>
+                          <a:rPr lang="es-CL" sz="1100" b="0" i="1" smtClean="0">
+                            <a:latin typeface="Cambria Math" panose="02040503050406030204" pitchFamily="18" charset="0"/>
+                          </a:rPr>
+                          <m:t>,</m:t>
+                        </m:r>
+                        <m:sSub>
+                          <m:sSubPr>
+                            <m:ctrlPr>
+                              <a:rPr lang="es-CL" sz="1100" b="0" i="1" smtClean="0">
+                                <a:latin typeface="Cambria Math" panose="02040503050406030204" pitchFamily="18" charset="0"/>
+                              </a:rPr>
+                            </m:ctrlPr>
+                          </m:sSubPr>
+                          <m:e>
+                            <m:r>
+                              <a:rPr lang="es-CL" sz="1100" b="0" i="1" smtClean="0">
+                                <a:latin typeface="Cambria Math" panose="02040503050406030204" pitchFamily="18" charset="0"/>
+                              </a:rPr>
+                              <m:t>𝑣</m:t>
+                            </m:r>
+                          </m:e>
+                          <m:sub>
+                            <m:r>
+                              <a:rPr lang="es-CL" sz="1100" b="0" i="1" smtClean="0">
+                                <a:latin typeface="Cambria Math" panose="02040503050406030204" pitchFamily="18" charset="0"/>
+                              </a:rPr>
+                              <m:t>0</m:t>
+                            </m:r>
+                          </m:sub>
+                        </m:sSub>
+                        <m:r>
+                          <a:rPr lang="es-CL" sz="1100" b="0" i="1" smtClean="0">
+                            <a:latin typeface="Cambria Math" panose="02040503050406030204" pitchFamily="18" charset="0"/>
+                          </a:rPr>
+                          <m:t>)</m:t>
+                        </m:r>
+                      </m:oMath>
+                    </m:oMathPara>
+                  </a14:m>
+                  <a:endParaRPr lang="es-CL" sz="1100" dirty="0"/>
+                </a:p>
+              </p:txBody>
+            </p:sp>
+          </mc:Choice>
+          <mc:Fallback>
+            <p:sp>
+              <p:nvSpPr>
+                <p:cNvPr id="28" name="CuadroTexto 27">
+                  <a:extLst>
+                    <a:ext uri="{FF2B5EF4-FFF2-40B4-BE49-F238E27FC236}">
+                      <a16:creationId xmlns:a16="http://schemas.microsoft.com/office/drawing/2014/main" id="{9159EABB-1C6F-4660-B07E-779C99BF41DA}"/>
+                    </a:ext>
+                  </a:extLst>
+                </p:cNvPr>
+                <p:cNvSpPr txBox="1">
+                  <a:spLocks noRot="1" noChangeAspect="1" noMove="1" noResize="1" noEditPoints="1" noAdjustHandles="1" noChangeArrowheads="1" noChangeShapeType="1" noTextEdit="1"/>
+                </p:cNvSpPr>
+                <p:nvPr/>
+              </p:nvSpPr>
+              <p:spPr>
+                <a:xfrm>
+                  <a:off x="8821347" y="3077298"/>
+                  <a:ext cx="1344151" cy="169277"/>
+                </a:xfrm>
+                <a:prstGeom prst="rect">
+                  <a:avLst/>
+                </a:prstGeom>
+                <a:blipFill>
+                  <a:blip r:embed="rId3"/>
+                  <a:stretch>
+                    <a:fillRect l="-1810" r="-3620" b="-35714"/>
+                  </a:stretch>
+                </a:blipFill>
+              </p:spPr>
+              <p:txBody>
+                <a:bodyPr/>
+                <a:lstStyle/>
+                <a:p>
+                  <a:r>
+                    <a:rPr lang="es-CL">
+                      <a:noFill/>
+                    </a:rPr>
+                    <a:t> </a:t>
+                  </a:r>
+                </a:p>
+              </p:txBody>
+            </p:sp>
+          </mc:Fallback>
+        </mc:AlternateContent>
+        <mc:AlternateContent xmlns:mc="http://schemas.openxmlformats.org/markup-compatibility/2006">
+          <mc:Choice xmlns:a14="http://schemas.microsoft.com/office/drawing/2010/main" Requires="a14">
+            <p:sp>
+              <p:nvSpPr>
+                <p:cNvPr id="29" name="CuadroTexto 28">
+                  <a:extLst>
+                    <a:ext uri="{FF2B5EF4-FFF2-40B4-BE49-F238E27FC236}">
+                      <a16:creationId xmlns:a16="http://schemas.microsoft.com/office/drawing/2014/main" id="{061E4BA3-62FD-4201-8CC7-9717E6EBC237}"/>
+                    </a:ext>
+                  </a:extLst>
+                </p:cNvPr>
+                <p:cNvSpPr txBox="1"/>
+                <p:nvPr/>
+              </p:nvSpPr>
+              <p:spPr>
+                <a:xfrm>
+                  <a:off x="3002272" y="3867601"/>
+                  <a:ext cx="1087029" cy="182807"/>
+                </a:xfrm>
+                <a:prstGeom prst="rect">
+                  <a:avLst/>
+                </a:prstGeom>
+                <a:noFill/>
+              </p:spPr>
+              <p:txBody>
+                <a:bodyPr wrap="none" lIns="0" tIns="0" rIns="0" bIns="0" rtlCol="0">
+                  <a:spAutoFit/>
+                </a:bodyPr>
+                <a:lstStyle/>
+                <a:p>
+                  <a14:m>
+                    <m:oMathPara xmlns:m="http://schemas.openxmlformats.org/officeDocument/2006/math">
+                      <m:oMathParaPr>
+                        <m:jc m:val="centerGroup"/>
+                      </m:oMathParaPr>
+                      <m:oMath xmlns:m="http://schemas.openxmlformats.org/officeDocument/2006/math">
+                        <m:r>
+                          <a:rPr lang="es-CL" sz="1100" b="0" i="1" smtClean="0">
+                            <a:latin typeface="Cambria Math" panose="02040503050406030204" pitchFamily="18" charset="0"/>
+                          </a:rPr>
+                          <m:t>𝑂𝑏𝑗𝑒𝑡𝑖𝑣𝑜</m:t>
+                        </m:r>
+                        <m:r>
+                          <a:rPr lang="es-CL" sz="1100" b="0" i="1" smtClean="0">
+                            <a:latin typeface="Cambria Math" panose="02040503050406030204" pitchFamily="18" charset="0"/>
+                          </a:rPr>
+                          <m:t>:(</m:t>
+                        </m:r>
+                        <m:sSub>
+                          <m:sSubPr>
+                            <m:ctrlPr>
+                              <a:rPr lang="es-CL" sz="1100" b="0" i="1" smtClean="0">
+                                <a:latin typeface="Cambria Math" panose="02040503050406030204" pitchFamily="18" charset="0"/>
+                              </a:rPr>
+                            </m:ctrlPr>
+                          </m:sSubPr>
+                          <m:e>
+                            <m:r>
+                              <a:rPr lang="es-CL" sz="1100" b="0" i="1" smtClean="0">
+                                <a:latin typeface="Cambria Math" panose="02040503050406030204" pitchFamily="18" charset="0"/>
+                              </a:rPr>
+                              <m:t>𝑥</m:t>
+                            </m:r>
+                          </m:e>
+                          <m:sub>
+                            <m:r>
+                              <a:rPr lang="es-CL" sz="1100" b="0" i="1" smtClean="0">
+                                <a:latin typeface="Cambria Math" panose="02040503050406030204" pitchFamily="18" charset="0"/>
+                              </a:rPr>
+                              <m:t>𝑓</m:t>
+                            </m:r>
+                          </m:sub>
+                        </m:sSub>
+                        <m:r>
+                          <a:rPr lang="es-CL" sz="1100" b="0" i="1" smtClean="0">
+                            <a:latin typeface="Cambria Math" panose="02040503050406030204" pitchFamily="18" charset="0"/>
+                          </a:rPr>
+                          <m:t>,</m:t>
+                        </m:r>
+                        <m:sSub>
+                          <m:sSubPr>
+                            <m:ctrlPr>
+                              <a:rPr lang="es-CL" sz="1100" b="0" i="1" smtClean="0">
+                                <a:latin typeface="Cambria Math" panose="02040503050406030204" pitchFamily="18" charset="0"/>
+                              </a:rPr>
+                            </m:ctrlPr>
+                          </m:sSubPr>
+                          <m:e>
+                            <m:r>
+                              <a:rPr lang="es-CL" sz="1100" b="0" i="1" smtClean="0">
+                                <a:latin typeface="Cambria Math" panose="02040503050406030204" pitchFamily="18" charset="0"/>
+                              </a:rPr>
+                              <m:t>𝑦</m:t>
+                            </m:r>
+                          </m:e>
+                          <m:sub>
+                            <m:r>
+                              <a:rPr lang="es-CL" sz="1100" b="0" i="1" smtClean="0">
+                                <a:latin typeface="Cambria Math" panose="02040503050406030204" pitchFamily="18" charset="0"/>
+                              </a:rPr>
+                              <m:t>𝑓</m:t>
+                            </m:r>
+                          </m:sub>
+                        </m:sSub>
+                        <m:r>
+                          <a:rPr lang="es-CL" sz="1100" b="0" i="1" smtClean="0">
+                            <a:latin typeface="Cambria Math" panose="02040503050406030204" pitchFamily="18" charset="0"/>
+                          </a:rPr>
+                          <m:t>)</m:t>
+                        </m:r>
+                      </m:oMath>
+                    </m:oMathPara>
+                  </a14:m>
+                  <a:endParaRPr lang="es-CL" sz="1100" dirty="0"/>
+                </a:p>
+              </p:txBody>
+            </p:sp>
+          </mc:Choice>
+          <mc:Fallback>
+            <p:sp>
+              <p:nvSpPr>
+                <p:cNvPr id="29" name="CuadroTexto 28">
+                  <a:extLst>
+                    <a:ext uri="{FF2B5EF4-FFF2-40B4-BE49-F238E27FC236}">
+                      <a16:creationId xmlns:a16="http://schemas.microsoft.com/office/drawing/2014/main" id="{061E4BA3-62FD-4201-8CC7-9717E6EBC237}"/>
+                    </a:ext>
+                  </a:extLst>
+                </p:cNvPr>
+                <p:cNvSpPr txBox="1">
+                  <a:spLocks noRot="1" noChangeAspect="1" noMove="1" noResize="1" noEditPoints="1" noAdjustHandles="1" noChangeArrowheads="1" noChangeShapeType="1" noTextEdit="1"/>
+                </p:cNvSpPr>
+                <p:nvPr/>
+              </p:nvSpPr>
+              <p:spPr>
+                <a:xfrm>
+                  <a:off x="3002272" y="3867601"/>
+                  <a:ext cx="1087029" cy="182807"/>
+                </a:xfrm>
+                <a:prstGeom prst="rect">
+                  <a:avLst/>
+                </a:prstGeom>
+                <a:blipFill>
+                  <a:blip r:embed="rId4"/>
+                  <a:stretch>
+                    <a:fillRect l="-4469" r="-3911" b="-30000"/>
+                  </a:stretch>
+                </a:blipFill>
+              </p:spPr>
+              <p:txBody>
+                <a:bodyPr/>
+                <a:lstStyle/>
+                <a:p>
+                  <a:r>
+                    <a:rPr lang="es-CL">
+                      <a:noFill/>
+                    </a:rPr>
+                    <a:t> </a:t>
+                  </a:r>
+                </a:p>
+              </p:txBody>
+            </p:sp>
+          </mc:Fallback>
+        </mc:AlternateContent>
+      </p:grpSp>
+    </p:spTree>
+    <p:extLst>
+      <p:ext uri="{BB962C8B-B14F-4D97-AF65-F5344CB8AC3E}">
+        <p14:creationId xmlns:p14="http://schemas.microsoft.com/office/powerpoint/2010/main" val="1333543936"/>
+      </p:ext>
+    </p:extLst>
+  </p:cSld>
+  <p:clrMapOvr>
+    <a:masterClrMapping/>
+  </p:clrMapOvr>
+</p:sld>
+</file>
+
 <file path=ppt/theme/theme1.xml><?xml version="1.0" encoding="utf-8"?>
 <a:theme xmlns:a="http://schemas.openxmlformats.org/drawingml/2006/main" name="Tema de Office">
   <a:themeElements>
